--- a/實驗九/presentation/實驗九_第二組_葉彥辰_郭亮佑_蘇昱嘉.pptx
+++ b/實驗九/presentation/實驗九_第二組_葉彥辰_郭亮佑_蘇昱嘉.pptx
@@ -5,17 +5,19 @@
     <p:sldMasterId id="2147483660" r:id="rId1"/>
   </p:sldMasterIdLst>
   <p:notesMasterIdLst>
-    <p:notesMasterId r:id="rId10"/>
+    <p:notesMasterId r:id="rId12"/>
   </p:notesMasterIdLst>
   <p:sldIdLst>
     <p:sldId id="256" r:id="rId2"/>
-    <p:sldId id="257" r:id="rId3"/>
-    <p:sldId id="345" r:id="rId4"/>
-    <p:sldId id="342" r:id="rId5"/>
-    <p:sldId id="343" r:id="rId6"/>
-    <p:sldId id="346" r:id="rId7"/>
-    <p:sldId id="347" r:id="rId8"/>
-    <p:sldId id="348" r:id="rId9"/>
+    <p:sldId id="356" r:id="rId3"/>
+    <p:sldId id="257" r:id="rId4"/>
+    <p:sldId id="345" r:id="rId5"/>
+    <p:sldId id="352" r:id="rId6"/>
+    <p:sldId id="353" r:id="rId7"/>
+    <p:sldId id="349" r:id="rId8"/>
+    <p:sldId id="354" r:id="rId9"/>
+    <p:sldId id="351" r:id="rId10"/>
+    <p:sldId id="355" r:id="rId11"/>
   </p:sldIdLst>
   <p:sldSz cx="12192000" cy="6858000"/>
   <p:notesSz cx="6858000" cy="9144000"/>
@@ -125,6 +127,69 @@
 <file path=ppt/changesInfos/changesInfo1.xml><?xml version="1.0" encoding="utf-8"?>
 <pc:chgInfo xmlns:a="http://schemas.openxmlformats.org/drawingml/2006/main" xmlns:r="http://schemas.openxmlformats.org/officeDocument/2006/relationships" xmlns:ac="http://schemas.microsoft.com/office/drawing/2013/main/command" xmlns:pc="http://schemas.microsoft.com/office/powerpoint/2013/main/command">
   <pc:docChgLst>
+    <pc:chgData name="亮佑 郭" userId="0ac4c1b3aead664f" providerId="LiveId" clId="{69C52A65-8E28-4CC2-9C97-070222943FBD}"/>
+    <pc:docChg chg="undo custSel modSld">
+      <pc:chgData name="亮佑 郭" userId="0ac4c1b3aead664f" providerId="LiveId" clId="{69C52A65-8E28-4CC2-9C97-070222943FBD}" dt="2025-04-06T13:49:39.372" v="118" actId="14734"/>
+      <pc:docMkLst>
+        <pc:docMk/>
+      </pc:docMkLst>
+      <pc:sldChg chg="addSp delSp modSp mod">
+        <pc:chgData name="亮佑 郭" userId="0ac4c1b3aead664f" providerId="LiveId" clId="{69C52A65-8E28-4CC2-9C97-070222943FBD}" dt="2025-04-06T13:46:32.226" v="77" actId="1076"/>
+        <pc:sldMkLst>
+          <pc:docMk/>
+          <pc:sldMk cId="161310738" sldId="346"/>
+        </pc:sldMkLst>
+      </pc:sldChg>
+      <pc:sldChg chg="addSp delSp modSp mod">
+        <pc:chgData name="亮佑 郭" userId="0ac4c1b3aead664f" providerId="LiveId" clId="{69C52A65-8E28-4CC2-9C97-070222943FBD}" dt="2025-04-06T13:49:39.372" v="118" actId="14734"/>
+        <pc:sldMkLst>
+          <pc:docMk/>
+          <pc:sldMk cId="3487155211" sldId="349"/>
+        </pc:sldMkLst>
+      </pc:sldChg>
+    </pc:docChg>
+  </pc:docChgLst>
+  <pc:docChgLst>
+    <pc:chgData name="亮佑 郭" userId="0ac4c1b3aead664f" providerId="LiveId" clId="{5A27C9ED-BBD2-4D61-8A22-BDE7C1AB191E}"/>
+    <pc:docChg chg="addSld modSld">
+      <pc:chgData name="亮佑 郭" userId="0ac4c1b3aead664f" providerId="LiveId" clId="{5A27C9ED-BBD2-4D61-8A22-BDE7C1AB191E}" dt="2025-05-04T11:40:34.511" v="2"/>
+      <pc:docMkLst>
+        <pc:docMk/>
+      </pc:docMkLst>
+      <pc:sldChg chg="addSp delSp modSp new mod">
+        <pc:chgData name="亮佑 郭" userId="0ac4c1b3aead664f" providerId="LiveId" clId="{5A27C9ED-BBD2-4D61-8A22-BDE7C1AB191E}" dt="2025-05-04T11:40:34.511" v="2"/>
+        <pc:sldMkLst>
+          <pc:docMk/>
+          <pc:sldMk cId="2914345683" sldId="356"/>
+        </pc:sldMkLst>
+        <pc:spChg chg="mod">
+          <ac:chgData name="亮佑 郭" userId="0ac4c1b3aead664f" providerId="LiveId" clId="{5A27C9ED-BBD2-4D61-8A22-BDE7C1AB191E}" dt="2025-05-04T11:40:34.511" v="2"/>
+          <ac:spMkLst>
+            <pc:docMk/>
+            <pc:sldMk cId="2914345683" sldId="356"/>
+            <ac:spMk id="2" creationId="{ABE026DF-D3F7-1814-03DE-6805F74DA62D}"/>
+          </ac:spMkLst>
+        </pc:spChg>
+        <pc:spChg chg="del">
+          <ac:chgData name="亮佑 郭" userId="0ac4c1b3aead664f" providerId="LiveId" clId="{5A27C9ED-BBD2-4D61-8A22-BDE7C1AB191E}" dt="2025-05-04T11:40:10.885" v="1" actId="22"/>
+          <ac:spMkLst>
+            <pc:docMk/>
+            <pc:sldMk cId="2914345683" sldId="356"/>
+            <ac:spMk id="3" creationId="{0E36116D-A28C-EF75-E36F-83B499A85E07}"/>
+          </ac:spMkLst>
+        </pc:spChg>
+        <pc:picChg chg="add mod ord">
+          <ac:chgData name="亮佑 郭" userId="0ac4c1b3aead664f" providerId="LiveId" clId="{5A27C9ED-BBD2-4D61-8A22-BDE7C1AB191E}" dt="2025-05-04T11:40:10.885" v="1" actId="22"/>
+          <ac:picMkLst>
+            <pc:docMk/>
+            <pc:sldMk cId="2914345683" sldId="356"/>
+            <ac:picMk id="5" creationId="{8256AC34-5324-E743-8E1A-901E9389FCB4}"/>
+          </ac:picMkLst>
+        </pc:picChg>
+      </pc:sldChg>
+    </pc:docChg>
+  </pc:docChgLst>
+  <pc:docChgLst>
     <pc:chgData name="亮佑 郭" userId="0ac4c1b3aead664f" providerId="LiveId" clId="{6D0249C2-CDB6-4B5A-AD3A-51DACC1CBF54}"/>
     <pc:docChg chg="undo redo custSel addSld modSld">
       <pc:chgData name="亮佑 郭" userId="0ac4c1b3aead664f" providerId="LiveId" clId="{6D0249C2-CDB6-4B5A-AD3A-51DACC1CBF54}" dt="2025-03-02T13:07:28.303" v="1492" actId="20577"/>
@@ -190,93 +255,6 @@
       </pc:sldChg>
     </pc:docChg>
   </pc:docChgLst>
-  <pc:docChgLst>
-    <pc:chgData name="亮佑 郭" userId="0ac4c1b3aead664f" providerId="LiveId" clId="{69C52A65-8E28-4CC2-9C97-070222943FBD}"/>
-    <pc:docChg chg="undo custSel modSld">
-      <pc:chgData name="亮佑 郭" userId="0ac4c1b3aead664f" providerId="LiveId" clId="{69C52A65-8E28-4CC2-9C97-070222943FBD}" dt="2025-04-06T13:49:39.372" v="118" actId="14734"/>
-      <pc:docMkLst>
-        <pc:docMk/>
-      </pc:docMkLst>
-      <pc:sldChg chg="addSp delSp modSp mod">
-        <pc:chgData name="亮佑 郭" userId="0ac4c1b3aead664f" providerId="LiveId" clId="{69C52A65-8E28-4CC2-9C97-070222943FBD}" dt="2025-04-06T13:46:32.226" v="77" actId="1076"/>
-        <pc:sldMkLst>
-          <pc:docMk/>
-          <pc:sldMk cId="161310738" sldId="346"/>
-        </pc:sldMkLst>
-        <pc:spChg chg="add del">
-          <ac:chgData name="亮佑 郭" userId="0ac4c1b3aead664f" providerId="LiveId" clId="{69C52A65-8E28-4CC2-9C97-070222943FBD}" dt="2025-04-06T13:46:16.382" v="58" actId="22"/>
-          <ac:spMkLst>
-            <pc:docMk/>
-            <pc:sldMk cId="161310738" sldId="346"/>
-            <ac:spMk id="8" creationId="{4206B9A0-21CD-B924-735C-0DFA672DB5F0}"/>
-          </ac:spMkLst>
-        </pc:spChg>
-        <pc:spChg chg="add mod">
-          <ac:chgData name="亮佑 郭" userId="0ac4c1b3aead664f" providerId="LiveId" clId="{69C52A65-8E28-4CC2-9C97-070222943FBD}" dt="2025-04-06T13:46:32.226" v="77" actId="1076"/>
-          <ac:spMkLst>
-            <pc:docMk/>
-            <pc:sldMk cId="161310738" sldId="346"/>
-            <ac:spMk id="9" creationId="{50219755-1860-A3EF-BFC5-28081B909F11}"/>
-          </ac:spMkLst>
-        </pc:spChg>
-        <pc:graphicFrameChg chg="add mod modGraphic">
-          <ac:chgData name="亮佑 郭" userId="0ac4c1b3aead664f" providerId="LiveId" clId="{69C52A65-8E28-4CC2-9C97-070222943FBD}" dt="2025-04-06T13:46:04.118" v="52" actId="207"/>
-          <ac:graphicFrameMkLst>
-            <pc:docMk/>
-            <pc:sldMk cId="161310738" sldId="346"/>
-            <ac:graphicFrameMk id="6" creationId="{ECA25411-23B2-0600-1DD9-F48AC735A0CA}"/>
-          </ac:graphicFrameMkLst>
-        </pc:graphicFrameChg>
-        <pc:picChg chg="add del mod">
-          <ac:chgData name="亮佑 郭" userId="0ac4c1b3aead664f" providerId="LiveId" clId="{69C52A65-8E28-4CC2-9C97-070222943FBD}" dt="2025-04-06T13:44:03.872" v="34" actId="478"/>
-          <ac:picMkLst>
-            <pc:docMk/>
-            <pc:sldMk cId="161310738" sldId="346"/>
-            <ac:picMk id="5" creationId="{3297DE3C-977A-A645-183A-7FC3BA40E4A7}"/>
-          </ac:picMkLst>
-        </pc:picChg>
-      </pc:sldChg>
-      <pc:sldChg chg="addSp delSp modSp mod">
-        <pc:chgData name="亮佑 郭" userId="0ac4c1b3aead664f" providerId="LiveId" clId="{69C52A65-8E28-4CC2-9C97-070222943FBD}" dt="2025-04-06T13:49:39.372" v="118" actId="14734"/>
-        <pc:sldMkLst>
-          <pc:docMk/>
-          <pc:sldMk cId="3487155211" sldId="349"/>
-        </pc:sldMkLst>
-        <pc:spChg chg="add mod">
-          <ac:chgData name="亮佑 郭" userId="0ac4c1b3aead664f" providerId="LiveId" clId="{69C52A65-8E28-4CC2-9C97-070222943FBD}" dt="2025-04-06T13:46:11.509" v="55" actId="1076"/>
-          <ac:spMkLst>
-            <pc:docMk/>
-            <pc:sldMk cId="3487155211" sldId="349"/>
-            <ac:spMk id="6" creationId="{60862FFA-239A-2037-1478-C659C560B798}"/>
-          </ac:spMkLst>
-        </pc:spChg>
-        <pc:graphicFrameChg chg="add del mod modGraphic">
-          <ac:chgData name="亮佑 郭" userId="0ac4c1b3aead664f" providerId="LiveId" clId="{69C52A65-8E28-4CC2-9C97-070222943FBD}" dt="2025-04-06T13:48:38.216" v="99" actId="478"/>
-          <ac:graphicFrameMkLst>
-            <pc:docMk/>
-            <pc:sldMk cId="3487155211" sldId="349"/>
-            <ac:graphicFrameMk id="7" creationId="{FD5BB32B-C784-E7E6-1C92-85E362DBFD1D}"/>
-          </ac:graphicFrameMkLst>
-        </pc:graphicFrameChg>
-        <pc:graphicFrameChg chg="add mod modGraphic">
-          <ac:chgData name="亮佑 郭" userId="0ac4c1b3aead664f" providerId="LiveId" clId="{69C52A65-8E28-4CC2-9C97-070222943FBD}" dt="2025-04-06T13:49:39.372" v="118" actId="14734"/>
-          <ac:graphicFrameMkLst>
-            <pc:docMk/>
-            <pc:sldMk cId="3487155211" sldId="349"/>
-            <ac:graphicFrameMk id="8" creationId="{770B0403-EE8E-C8E2-8FA1-98AE4BB8ABF6}"/>
-          </ac:graphicFrameMkLst>
-        </pc:graphicFrameChg>
-        <pc:picChg chg="add del mod">
-          <ac:chgData name="亮佑 郭" userId="0ac4c1b3aead664f" providerId="LiveId" clId="{69C52A65-8E28-4CC2-9C97-070222943FBD}" dt="2025-04-06T13:46:09.087" v="53" actId="478"/>
-          <ac:picMkLst>
-            <pc:docMk/>
-            <pc:sldMk cId="3487155211" sldId="349"/>
-            <ac:picMk id="5" creationId="{F9639515-E698-2B3B-06F9-A4920F54E9C9}"/>
-          </ac:picMkLst>
-        </pc:picChg>
-      </pc:sldChg>
-    </pc:docChg>
-  </pc:docChgLst>
 </pc:chgInfo>
 </file>
 
@@ -362,7 +340,7 @@
           <a:p>
             <a:fld id="{57D05ABF-D590-45D6-9362-AC05D4E152AF}" type="datetimeFigureOut">
               <a:rPr lang="zh-TW" altLang="en-US" smtClean="0"/>
-              <a:t>2025/5/2</a:t>
+              <a:t>2025/5/7</a:t>
             </a:fld>
             <a:endParaRPr lang="zh-TW" altLang="en-US"/>
           </a:p>
@@ -776,7 +754,7 @@
           <a:p>
             <a:fld id="{A6CAA258-0090-479D-81AE-6C5E423E63D8}" type="datetimeFigureOut">
               <a:rPr lang="zh-TW" altLang="en-US" smtClean="0"/>
-              <a:t>2025/5/2</a:t>
+              <a:t>2025/5/7</a:t>
             </a:fld>
             <a:endParaRPr lang="zh-TW" altLang="en-US"/>
           </a:p>
@@ -974,7 +952,7 @@
           <a:p>
             <a:fld id="{A6CAA258-0090-479D-81AE-6C5E423E63D8}" type="datetimeFigureOut">
               <a:rPr lang="zh-TW" altLang="en-US" smtClean="0"/>
-              <a:t>2025/5/2</a:t>
+              <a:t>2025/5/7</a:t>
             </a:fld>
             <a:endParaRPr lang="zh-TW" altLang="en-US"/>
           </a:p>
@@ -1182,7 +1160,7 @@
           <a:p>
             <a:fld id="{A6CAA258-0090-479D-81AE-6C5E423E63D8}" type="datetimeFigureOut">
               <a:rPr lang="zh-TW" altLang="en-US" smtClean="0"/>
-              <a:t>2025/5/2</a:t>
+              <a:t>2025/5/7</a:t>
             </a:fld>
             <a:endParaRPr lang="zh-TW" altLang="en-US"/>
           </a:p>
@@ -1380,7 +1358,7 @@
           <a:p>
             <a:fld id="{A6CAA258-0090-479D-81AE-6C5E423E63D8}" type="datetimeFigureOut">
               <a:rPr lang="zh-TW" altLang="en-US" smtClean="0"/>
-              <a:t>2025/5/2</a:t>
+              <a:t>2025/5/7</a:t>
             </a:fld>
             <a:endParaRPr lang="zh-TW" altLang="en-US"/>
           </a:p>
@@ -1655,7 +1633,7 @@
           <a:p>
             <a:fld id="{A6CAA258-0090-479D-81AE-6C5E423E63D8}" type="datetimeFigureOut">
               <a:rPr lang="zh-TW" altLang="en-US" smtClean="0"/>
-              <a:t>2025/5/2</a:t>
+              <a:t>2025/5/7</a:t>
             </a:fld>
             <a:endParaRPr lang="zh-TW" altLang="en-US"/>
           </a:p>
@@ -1920,7 +1898,7 @@
           <a:p>
             <a:fld id="{A6CAA258-0090-479D-81AE-6C5E423E63D8}" type="datetimeFigureOut">
               <a:rPr lang="zh-TW" altLang="en-US" smtClean="0"/>
-              <a:t>2025/5/2</a:t>
+              <a:t>2025/5/7</a:t>
             </a:fld>
             <a:endParaRPr lang="zh-TW" altLang="en-US"/>
           </a:p>
@@ -2332,7 +2310,7 @@
           <a:p>
             <a:fld id="{A6CAA258-0090-479D-81AE-6C5E423E63D8}" type="datetimeFigureOut">
               <a:rPr lang="zh-TW" altLang="en-US" smtClean="0"/>
-              <a:t>2025/5/2</a:t>
+              <a:t>2025/5/7</a:t>
             </a:fld>
             <a:endParaRPr lang="zh-TW" altLang="en-US"/>
           </a:p>
@@ -2473,7 +2451,7 @@
           <a:p>
             <a:fld id="{A6CAA258-0090-479D-81AE-6C5E423E63D8}" type="datetimeFigureOut">
               <a:rPr lang="zh-TW" altLang="en-US" smtClean="0"/>
-              <a:t>2025/5/2</a:t>
+              <a:t>2025/5/7</a:t>
             </a:fld>
             <a:endParaRPr lang="zh-TW" altLang="en-US"/>
           </a:p>
@@ -2586,7 +2564,7 @@
           <a:p>
             <a:fld id="{A6CAA258-0090-479D-81AE-6C5E423E63D8}" type="datetimeFigureOut">
               <a:rPr lang="zh-TW" altLang="en-US" smtClean="0"/>
-              <a:t>2025/5/2</a:t>
+              <a:t>2025/5/7</a:t>
             </a:fld>
             <a:endParaRPr lang="zh-TW" altLang="en-US"/>
           </a:p>
@@ -2897,7 +2875,7 @@
           <a:p>
             <a:fld id="{A6CAA258-0090-479D-81AE-6C5E423E63D8}" type="datetimeFigureOut">
               <a:rPr lang="zh-TW" altLang="en-US" smtClean="0"/>
-              <a:t>2025/5/2</a:t>
+              <a:t>2025/5/7</a:t>
             </a:fld>
             <a:endParaRPr lang="zh-TW" altLang="en-US"/>
           </a:p>
@@ -3185,7 +3163,7 @@
           <a:p>
             <a:fld id="{A6CAA258-0090-479D-81AE-6C5E423E63D8}" type="datetimeFigureOut">
               <a:rPr lang="zh-TW" altLang="en-US" smtClean="0"/>
-              <a:t>2025/5/2</a:t>
+              <a:t>2025/5/7</a:t>
             </a:fld>
             <a:endParaRPr lang="zh-TW" altLang="en-US"/>
           </a:p>
@@ -3426,7 +3404,7 @@
           <a:p>
             <a:fld id="{A6CAA258-0090-479D-81AE-6C5E423E63D8}" type="datetimeFigureOut">
               <a:rPr lang="zh-TW" altLang="en-US" smtClean="0"/>
-              <a:t>2025/5/2</a:t>
+              <a:t>2025/5/7</a:t>
             </a:fld>
             <a:endParaRPr lang="zh-TW" altLang="en-US"/>
           </a:p>
@@ -3859,10 +3837,12 @@
           <a:lstStyle/>
           <a:p>
             <a:r>
-              <a:rPr lang="zh-TW" altLang="en-US" dirty="0" smtClean="0"/>
+              <a:rPr lang="zh-TW" altLang="en-US" dirty="0">
+                <a:latin typeface="標楷體" panose="03000509000000000000" pitchFamily="65" charset="-120"/>
+                <a:ea typeface="標楷體" panose="03000509000000000000" pitchFamily="65" charset="-120"/>
+              </a:rPr>
               <a:t>實驗九</a:t>
             </a:r>
-            <a:endParaRPr lang="zh-TW" altLang="en-US" dirty="0"/>
           </a:p>
         </p:txBody>
       </p:sp>
@@ -3888,7 +3868,7 @@
         </p:blipFill>
         <p:spPr>
           <a:xfrm>
-            <a:off x="4936695" y="3744875"/>
+            <a:off x="5058615" y="3858087"/>
             <a:ext cx="2318610" cy="1370088"/>
           </a:xfrm>
           <a:prstGeom prst="rect">
@@ -3900,6 +3880,300 @@
     <p:extLst>
       <p:ext uri="{BB962C8B-B14F-4D97-AF65-F5344CB8AC3E}">
         <p14:creationId xmlns:p14="http://schemas.microsoft.com/office/powerpoint/2010/main" val="3472544154"/>
+      </p:ext>
+    </p:extLst>
+  </p:cSld>
+  <p:clrMapOvr>
+    <a:masterClrMapping/>
+  </p:clrMapOvr>
+</p:sld>
+</file>
+
+<file path=ppt/slides/slide10.xml><?xml version="1.0" encoding="utf-8"?>
+<p:sld xmlns:a="http://schemas.openxmlformats.org/drawingml/2006/main" xmlns:r="http://schemas.openxmlformats.org/officeDocument/2006/relationships" xmlns:p="http://schemas.openxmlformats.org/presentationml/2006/main">
+  <p:cSld>
+    <p:spTree>
+      <p:nvGrpSpPr>
+        <p:cNvPr id="1" name=""/>
+        <p:cNvGrpSpPr/>
+        <p:nvPr/>
+      </p:nvGrpSpPr>
+      <p:grpSpPr>
+        <a:xfrm>
+          <a:off x="0" y="0"/>
+          <a:ext cx="0" cy="0"/>
+          <a:chOff x="0" y="0"/>
+          <a:chExt cx="0" cy="0"/>
+        </a:xfrm>
+      </p:grpSpPr>
+      <p:sp>
+        <p:nvSpPr>
+          <p:cNvPr id="2" name="標題 1">
+            <a:extLst>
+              <a:ext uri="{FF2B5EF4-FFF2-40B4-BE49-F238E27FC236}">
+                <a16:creationId xmlns:a16="http://schemas.microsoft.com/office/drawing/2014/main" id="{3B391275-AE3A-D7D6-30B9-6FE66E576C7A}"/>
+              </a:ext>
+            </a:extLst>
+          </p:cNvPr>
+          <p:cNvSpPr>
+            <a:spLocks noGrp="1"/>
+          </p:cNvSpPr>
+          <p:nvPr>
+            <p:ph type="title"/>
+          </p:nvPr>
+        </p:nvSpPr>
+        <p:spPr/>
+        <p:txBody>
+          <a:bodyPr/>
+          <a:lstStyle/>
+          <a:p>
+            <a:r>
+              <a:rPr lang="zh-TW" altLang="en-US" dirty="0"/>
+              <a:t>問題討論</a:t>
+            </a:r>
+          </a:p>
+        </p:txBody>
+      </p:sp>
+      <p:pic>
+        <p:nvPicPr>
+          <p:cNvPr id="5" name="圖片 4">
+            <a:extLst>
+              <a:ext uri="{FF2B5EF4-FFF2-40B4-BE49-F238E27FC236}">
+                <a16:creationId xmlns:a16="http://schemas.microsoft.com/office/drawing/2014/main" id="{DD14A22D-657E-1DCD-D00A-B2FD064B5A03}"/>
+              </a:ext>
+            </a:extLst>
+          </p:cNvPr>
+          <p:cNvPicPr>
+            <a:picLocks noChangeAspect="1"/>
+          </p:cNvPicPr>
+          <p:nvPr/>
+        </p:nvPicPr>
+        <p:blipFill>
+          <a:blip r:embed="rId2"/>
+          <a:stretch>
+            <a:fillRect/>
+          </a:stretch>
+        </p:blipFill>
+        <p:spPr>
+          <a:xfrm>
+            <a:off x="838200" y="1690688"/>
+            <a:ext cx="10381240" cy="808053"/>
+          </a:xfrm>
+          <a:prstGeom prst="rect">
+            <a:avLst/>
+          </a:prstGeom>
+        </p:spPr>
+      </p:pic>
+      <p:sp>
+        <p:nvSpPr>
+          <p:cNvPr id="6" name="Rectangle 1">
+            <a:extLst>
+              <a:ext uri="{FF2B5EF4-FFF2-40B4-BE49-F238E27FC236}">
+                <a16:creationId xmlns:a16="http://schemas.microsoft.com/office/drawing/2014/main" id="{0E06F35E-F153-35E4-93C3-7EAABC5765EB}"/>
+              </a:ext>
+            </a:extLst>
+          </p:cNvPr>
+          <p:cNvSpPr>
+            <a:spLocks noChangeArrowheads="1"/>
+          </p:cNvSpPr>
+          <p:nvPr/>
+        </p:nvSpPr>
+        <p:spPr bwMode="auto">
+          <a:xfrm>
+            <a:off x="1653309" y="3279140"/>
+            <a:ext cx="7366119" cy="1384995"/>
+          </a:xfrm>
+          <a:prstGeom prst="rect">
+            <a:avLst/>
+          </a:prstGeom>
+          <a:noFill/>
+          <a:ln>
+            <a:noFill/>
+          </a:ln>
+          <a:effectLst/>
+          <a:extLst>
+            <a:ext uri="{909E8E84-426E-40DD-AFC4-6F175D3DCCD1}">
+              <a14:hiddenFill xmlns:a14="http://schemas.microsoft.com/office/drawing/2010/main">
+                <a:solidFill>
+                  <a:schemeClr val="accent1"/>
+                </a:solidFill>
+              </a14:hiddenFill>
+            </a:ext>
+            <a:ext uri="{91240B29-F687-4F45-9708-019B960494DF}">
+              <a14:hiddenLine xmlns:a14="http://schemas.microsoft.com/office/drawing/2010/main" w="9525">
+                <a:solidFill>
+                  <a:schemeClr val="tx1"/>
+                </a:solidFill>
+                <a:miter lim="800000"/>
+                <a:headEnd/>
+                <a:tailEnd/>
+              </a14:hiddenLine>
+            </a:ext>
+            <a:ext uri="{AF507438-7753-43E0-B8FC-AC1667EBCBE1}">
+              <a14:hiddenEffects xmlns:a14="http://schemas.microsoft.com/office/drawing/2010/main">
+                <a:effectLst>
+                  <a:outerShdw dist="35921" dir="2700000" algn="ctr" rotWithShape="0">
+                    <a:schemeClr val="bg2"/>
+                  </a:outerShdw>
+                </a:effectLst>
+              </a14:hiddenEffects>
+            </a:ext>
+          </a:extLst>
+        </p:spPr>
+        <p:txBody>
+          <a:bodyPr vert="horz" wrap="none" lIns="91440" tIns="45720" rIns="91440" bIns="45720" numCol="1" anchor="ctr" anchorCtr="0" compatLnSpc="1">
+            <a:prstTxWarp prst="textNoShape">
+              <a:avLst/>
+            </a:prstTxWarp>
+            <a:spAutoFit/>
+          </a:bodyPr>
+          <a:lstStyle/>
+          <a:p>
+            <a:pPr marL="0" marR="0" lvl="0" indent="0" algn="l" defTabSz="914400" rtl="0" eaLnBrk="0" fontAlgn="base" latinLnBrk="0" hangingPunct="0">
+              <a:lnSpc>
+                <a:spcPct val="100000"/>
+              </a:lnSpc>
+              <a:spcBef>
+                <a:spcPct val="0"/>
+              </a:spcBef>
+              <a:spcAft>
+                <a:spcPct val="0"/>
+              </a:spcAft>
+              <a:buClrTx/>
+              <a:buSzTx/>
+              <a:tabLst/>
+            </a:pPr>
+            <a:r>
+              <a:rPr kumimoji="0" lang="en-US" altLang="zh-TW" sz="2800" b="1" i="0" u="none" strike="noStrike" cap="none" normalizeH="0" baseline="0" dirty="0">
+                <a:ln>
+                  <a:noFill/>
+                </a:ln>
+                <a:solidFill>
+                  <a:schemeClr val="tx1"/>
+                </a:solidFill>
+                <a:effectLst/>
+                <a:latin typeface="標楷體" panose="03000509000000000000" pitchFamily="65" charset="-120"/>
+                <a:ea typeface="標楷體" panose="03000509000000000000" pitchFamily="65" charset="-120"/>
+              </a:rPr>
+              <a:t>ANS:</a:t>
+            </a:r>
+          </a:p>
+          <a:p>
+            <a:pPr marL="0" marR="0" lvl="0" indent="0" algn="l" defTabSz="914400" rtl="0" eaLnBrk="0" fontAlgn="base" latinLnBrk="0" hangingPunct="0">
+              <a:lnSpc>
+                <a:spcPct val="100000"/>
+              </a:lnSpc>
+              <a:spcBef>
+                <a:spcPct val="0"/>
+              </a:spcBef>
+              <a:spcAft>
+                <a:spcPct val="0"/>
+              </a:spcAft>
+              <a:buClrTx/>
+              <a:buSzTx/>
+              <a:tabLst/>
+            </a:pPr>
+            <a:r>
+              <a:rPr kumimoji="0" lang="en-US" altLang="zh-TW" sz="2800" b="1" i="0" u="none" strike="noStrike" cap="none" normalizeH="0" baseline="0" dirty="0">
+                <a:ln>
+                  <a:noFill/>
+                </a:ln>
+                <a:solidFill>
+                  <a:schemeClr val="tx1"/>
+                </a:solidFill>
+                <a:effectLst/>
+                <a:latin typeface="標楷體" panose="03000509000000000000" pitchFamily="65" charset="-120"/>
+                <a:ea typeface="標楷體" panose="03000509000000000000" pitchFamily="65" charset="-120"/>
+              </a:rPr>
+              <a:t>1.</a:t>
+            </a:r>
+            <a:r>
+              <a:rPr kumimoji="0" lang="zh-TW" altLang="zh-TW" sz="2800" b="1" i="0" u="none" strike="noStrike" cap="none" normalizeH="0" baseline="0" dirty="0">
+                <a:ln>
+                  <a:noFill/>
+                </a:ln>
+                <a:solidFill>
+                  <a:schemeClr val="tx1"/>
+                </a:solidFill>
+                <a:effectLst/>
+                <a:latin typeface="標楷體" panose="03000509000000000000" pitchFamily="65" charset="-120"/>
+                <a:ea typeface="標楷體" panose="03000509000000000000" pitchFamily="65" charset="-120"/>
+              </a:rPr>
+              <a:t>零點會向左移動（頻率降低）</a:t>
+            </a:r>
+            <a:endParaRPr kumimoji="0" lang="zh-TW" altLang="zh-TW" sz="2800" b="0" i="0" u="none" strike="noStrike" cap="none" normalizeH="0" baseline="0" dirty="0">
+              <a:ln>
+                <a:noFill/>
+              </a:ln>
+              <a:solidFill>
+                <a:schemeClr val="tx1"/>
+              </a:solidFill>
+              <a:effectLst/>
+              <a:latin typeface="標楷體" panose="03000509000000000000" pitchFamily="65" charset="-120"/>
+              <a:ea typeface="標楷體" panose="03000509000000000000" pitchFamily="65" charset="-120"/>
+            </a:endParaRPr>
+          </a:p>
+          <a:p>
+            <a:pPr marL="0" marR="0" lvl="0" indent="0" algn="l" defTabSz="914400" rtl="0" eaLnBrk="0" fontAlgn="base" latinLnBrk="0" hangingPunct="0">
+              <a:lnSpc>
+                <a:spcPct val="100000"/>
+              </a:lnSpc>
+              <a:spcBef>
+                <a:spcPct val="0"/>
+              </a:spcBef>
+              <a:spcAft>
+                <a:spcPct val="0"/>
+              </a:spcAft>
+              <a:buClrTx/>
+              <a:buSzTx/>
+              <a:tabLst/>
+            </a:pPr>
+            <a:r>
+              <a:rPr kumimoji="0" lang="en-US" altLang="zh-TW" sz="2800" b="1" i="0" u="none" strike="noStrike" cap="none" normalizeH="0" baseline="0" dirty="0">
+                <a:ln>
+                  <a:noFill/>
+                </a:ln>
+                <a:solidFill>
+                  <a:schemeClr val="tx1"/>
+                </a:solidFill>
+                <a:effectLst/>
+                <a:latin typeface="標楷體" panose="03000509000000000000" pitchFamily="65" charset="-120"/>
+                <a:ea typeface="標楷體" panose="03000509000000000000" pitchFamily="65" charset="-120"/>
+              </a:rPr>
+              <a:t>2.</a:t>
+            </a:r>
+            <a:r>
+              <a:rPr kumimoji="0" lang="zh-TW" altLang="zh-TW" sz="2800" b="1" i="0" u="none" strike="noStrike" cap="none" normalizeH="0" baseline="0" dirty="0">
+                <a:ln>
+                  <a:noFill/>
+                </a:ln>
+                <a:solidFill>
+                  <a:schemeClr val="tx1"/>
+                </a:solidFill>
+                <a:effectLst/>
+                <a:latin typeface="標楷體" panose="03000509000000000000" pitchFamily="65" charset="-120"/>
+                <a:ea typeface="標楷體" panose="03000509000000000000" pitchFamily="65" charset="-120"/>
+              </a:rPr>
+              <a:t>系統變得較穩定，超量減少，安定時間縮短</a:t>
+            </a:r>
+            <a:endParaRPr kumimoji="0" lang="zh-TW" altLang="zh-TW" sz="2800" b="0" i="0" u="none" strike="noStrike" cap="none" normalizeH="0" baseline="0" dirty="0">
+              <a:ln>
+                <a:noFill/>
+              </a:ln>
+              <a:solidFill>
+                <a:schemeClr val="tx1"/>
+              </a:solidFill>
+              <a:effectLst/>
+              <a:latin typeface="標楷體" panose="03000509000000000000" pitchFamily="65" charset="-120"/>
+              <a:ea typeface="標楷體" panose="03000509000000000000" pitchFamily="65" charset="-120"/>
+            </a:endParaRPr>
+          </a:p>
+        </p:txBody>
+      </p:sp>
+    </p:spTree>
+    <p:extLst>
+      <p:ext uri="{BB962C8B-B14F-4D97-AF65-F5344CB8AC3E}">
+        <p14:creationId xmlns:p14="http://schemas.microsoft.com/office/powerpoint/2010/main" val="3651117440"/>
       </p:ext>
     </p:extLst>
   </p:cSld>
@@ -3928,7 +4202,13 @@
       </p:grpSpPr>
       <p:sp>
         <p:nvSpPr>
-          <p:cNvPr id="2" name="標題 1"/>
+          <p:cNvPr id="2" name="標題 1">
+            <a:extLst>
+              <a:ext uri="{FF2B5EF4-FFF2-40B4-BE49-F238E27FC236}">
+                <a16:creationId xmlns:a16="http://schemas.microsoft.com/office/drawing/2014/main" id="{ABE026DF-D3F7-1814-03DE-6805F74DA62D}"/>
+              </a:ext>
+            </a:extLst>
+          </p:cNvPr>
           <p:cNvSpPr>
             <a:spLocks noGrp="1"/>
           </p:cNvSpPr>
@@ -3949,26 +4229,31 @@
               <a:t>實驗</a:t>
             </a:r>
             <a:r>
-              <a:rPr lang="en-US" altLang="zh-TW" dirty="0">
+              <a:rPr lang="en-US" altLang="zh-TW">
                 <a:latin typeface="標楷體" panose="03000509000000000000" pitchFamily="65" charset="-120"/>
                 <a:ea typeface="標楷體" panose="03000509000000000000" pitchFamily="65" charset="-120"/>
               </a:rPr>
-              <a:t>7-1</a:t>
-            </a:r>
-            <a:endParaRPr lang="zh-TW" altLang="en-US" dirty="0">
-              <a:latin typeface="標楷體" panose="03000509000000000000" pitchFamily="65" charset="-120"/>
-              <a:ea typeface="標楷體" panose="03000509000000000000" pitchFamily="65" charset="-120"/>
-            </a:endParaRPr>
+              <a:t>9-1</a:t>
+            </a:r>
+            <a:endParaRPr lang="zh-TW" altLang="en-US"/>
           </a:p>
         </p:txBody>
       </p:sp>
       <p:pic>
         <p:nvPicPr>
-          <p:cNvPr id="4" name="圖片 3"/>
+          <p:cNvPr id="5" name="內容版面配置區 4">
+            <a:extLst>
+              <a:ext uri="{FF2B5EF4-FFF2-40B4-BE49-F238E27FC236}">
+                <a16:creationId xmlns:a16="http://schemas.microsoft.com/office/drawing/2014/main" id="{8256AC34-5324-E743-8E1A-901E9389FCB4}"/>
+              </a:ext>
+            </a:extLst>
+          </p:cNvPr>
           <p:cNvPicPr>
-            <a:picLocks noChangeAspect="1"/>
+            <a:picLocks noGrp="1" noChangeAspect="1"/>
           </p:cNvPicPr>
-          <p:nvPr/>
+          <p:nvPr>
+            <p:ph idx="1"/>
+          </p:nvPr>
         </p:nvPicPr>
         <p:blipFill>
           <a:blip r:embed="rId2"/>
@@ -3978,3109 +4263,1362 @@
         </p:blipFill>
         <p:spPr>
           <a:xfrm>
-            <a:off x="992777" y="1498297"/>
-            <a:ext cx="8335758" cy="707920"/>
+            <a:off x="4261580" y="1825625"/>
+            <a:ext cx="3668840" cy="4351338"/>
+          </a:xfrm>
+        </p:spPr>
+      </p:pic>
+    </p:spTree>
+    <p:extLst>
+      <p:ext uri="{BB962C8B-B14F-4D97-AF65-F5344CB8AC3E}">
+        <p14:creationId xmlns:p14="http://schemas.microsoft.com/office/powerpoint/2010/main" val="2914345683"/>
+      </p:ext>
+    </p:extLst>
+  </p:cSld>
+  <p:clrMapOvr>
+    <a:masterClrMapping/>
+  </p:clrMapOvr>
+</p:sld>
+</file>
+
+<file path=ppt/slides/slide3.xml><?xml version="1.0" encoding="utf-8"?>
+<p:sld xmlns:a="http://schemas.openxmlformats.org/drawingml/2006/main" xmlns:r="http://schemas.openxmlformats.org/officeDocument/2006/relationships" xmlns:p="http://schemas.openxmlformats.org/presentationml/2006/main">
+  <p:cSld>
+    <p:spTree>
+      <p:nvGrpSpPr>
+        <p:cNvPr id="1" name=""/>
+        <p:cNvGrpSpPr/>
+        <p:nvPr/>
+      </p:nvGrpSpPr>
+      <p:grpSpPr>
+        <a:xfrm>
+          <a:off x="0" y="0"/>
+          <a:ext cx="0" cy="0"/>
+          <a:chOff x="0" y="0"/>
+          <a:chExt cx="0" cy="0"/>
+        </a:xfrm>
+      </p:grpSpPr>
+      <p:sp>
+        <p:nvSpPr>
+          <p:cNvPr id="2" name="標題 1"/>
+          <p:cNvSpPr>
+            <a:spLocks noGrp="1"/>
+          </p:cNvSpPr>
+          <p:nvPr>
+            <p:ph type="title"/>
+          </p:nvPr>
+        </p:nvSpPr>
+        <p:spPr/>
+        <p:txBody>
+          <a:bodyPr/>
+          <a:lstStyle/>
+          <a:p>
+            <a:r>
+              <a:rPr lang="zh-TW" altLang="en-US" dirty="0">
+                <a:latin typeface="標楷體" panose="03000509000000000000" pitchFamily="65" charset="-120"/>
+                <a:ea typeface="標楷體" panose="03000509000000000000" pitchFamily="65" charset="-120"/>
+              </a:rPr>
+              <a:t>實驗</a:t>
+            </a:r>
+            <a:r>
+              <a:rPr lang="en-US" altLang="zh-TW" dirty="0">
+                <a:latin typeface="標楷體" panose="03000509000000000000" pitchFamily="65" charset="-120"/>
+                <a:ea typeface="標楷體" panose="03000509000000000000" pitchFamily="65" charset="-120"/>
+              </a:rPr>
+              <a:t>9-1</a:t>
+            </a:r>
+            <a:endParaRPr lang="zh-TW" altLang="en-US" dirty="0">
+              <a:latin typeface="標楷體" panose="03000509000000000000" pitchFamily="65" charset="-120"/>
+              <a:ea typeface="標楷體" panose="03000509000000000000" pitchFamily="65" charset="-120"/>
+            </a:endParaRPr>
+          </a:p>
+        </p:txBody>
+      </p:sp>
+      <p:sp>
+        <p:nvSpPr>
+          <p:cNvPr id="5" name="TextBox 2"/>
+          <p:cNvSpPr txBox="1"/>
+          <p:nvPr/>
+        </p:nvSpPr>
+        <p:spPr>
+          <a:xfrm>
+            <a:off x="3844729" y="2211647"/>
+            <a:ext cx="3901440" cy="400110"/>
           </a:xfrm>
           <a:prstGeom prst="rect">
             <a:avLst/>
           </a:prstGeom>
+          <a:noFill/>
         </p:spPr>
-      </p:pic>
+        <p:txBody>
+          <a:bodyPr wrap="square">
+            <a:spAutoFit/>
+          </a:bodyPr>
+          <a:lstStyle/>
+          <a:p>
+            <a:pPr>
+              <a:defRPr sz="2000"/>
+            </a:pPr>
+            <a:r>
+              <a:rPr dirty="0"/>
+              <a:t>表 9-1</a:t>
+            </a:r>
+            <a:r>
+              <a:rPr lang="zh-TW" altLang="en-US" dirty="0"/>
+              <a:t>、</a:t>
+            </a:r>
+            <a:r>
+              <a:rPr dirty="0" err="1"/>
+              <a:t>零點對於暫態響應的影響</a:t>
+            </a:r>
+            <a:endParaRPr dirty="0"/>
+          </a:p>
+        </p:txBody>
+      </p:sp>
       <p:graphicFrame>
         <p:nvGraphicFramePr>
-          <p:cNvPr id="7" name="表格 6">
-            <a:extLst>
-              <a:ext uri="{FF2B5EF4-FFF2-40B4-BE49-F238E27FC236}">
-                <a16:creationId xmlns:a16="http://schemas.microsoft.com/office/drawing/2014/main" id="{1A4F68DD-F8F4-2326-EF24-86CCFF5F583F}"/>
-              </a:ext>
-            </a:extLst>
-          </p:cNvPr>
+          <p:cNvPr id="6" name="Table 3"/>
           <p:cNvGraphicFramePr>
             <a:graphicFrameLocks noGrp="1"/>
           </p:cNvGraphicFramePr>
           <p:nvPr>
             <p:extLst>
               <p:ext uri="{D42A27DB-BD31-4B8C-83A1-F6EECF244321}">
-                <p14:modId xmlns:p14="http://schemas.microsoft.com/office/powerpoint/2010/main" val="2491421513"/>
+                <p14:modId xmlns:p14="http://schemas.microsoft.com/office/powerpoint/2010/main" val="1609933335"/>
               </p:ext>
             </p:extLst>
           </p:nvPr>
         </p:nvGraphicFramePr>
         <p:xfrm>
-          <a:off x="992777" y="2721746"/>
-          <a:ext cx="9709877" cy="2524125"/>
+          <a:off x="2165928" y="2798618"/>
+          <a:ext cx="8585201" cy="3565897"/>
         </p:xfrm>
         <a:graphic>
           <a:graphicData uri="http://schemas.openxmlformats.org/drawingml/2006/table">
             <a:tbl>
-              <a:tblPr>
-                <a:tableStyleId>{00A15C55-8517-42AA-B614-E9B94910E393}</a:tableStyleId>
+              <a:tblPr firstRow="1" bandRow="1">
+                <a:tableStyleId>{93296810-A885-4BE3-A3E7-6D5BEEA58F35}</a:tableStyleId>
               </a:tblPr>
               <a:tblGrid>
-                <a:gridCol w="1140823">
+                <a:gridCol w="1034361">
                   <a:extLst>
                     <a:ext uri="{9D8B030D-6E8A-4147-A177-3AD203B41FA5}">
-                      <a16:colId xmlns:a16="http://schemas.microsoft.com/office/drawing/2014/main" val="538816457"/>
+                      <a16:colId xmlns:a16="http://schemas.microsoft.com/office/drawing/2014/main" val="20000"/>
                     </a:ext>
                   </a:extLst>
                 </a:gridCol>
-                <a:gridCol w="772627">
+                <a:gridCol w="2585904">
                   <a:extLst>
                     <a:ext uri="{9D8B030D-6E8A-4147-A177-3AD203B41FA5}">
-                      <a16:colId xmlns:a16="http://schemas.microsoft.com/office/drawing/2014/main" val="2741041100"/>
+                      <a16:colId xmlns:a16="http://schemas.microsoft.com/office/drawing/2014/main" val="20001"/>
                     </a:ext>
                   </a:extLst>
                 </a:gridCol>
-                <a:gridCol w="951557">
+                <a:gridCol w="1241234">
                   <a:extLst>
                     <a:ext uri="{9D8B030D-6E8A-4147-A177-3AD203B41FA5}">
-                      <a16:colId xmlns:a16="http://schemas.microsoft.com/office/drawing/2014/main" val="416037968"/>
+                      <a16:colId xmlns:a16="http://schemas.microsoft.com/office/drawing/2014/main" val="20002"/>
                     </a:ext>
                   </a:extLst>
                 </a:gridCol>
-                <a:gridCol w="837370">
+                <a:gridCol w="1241234">
                   <a:extLst>
                     <a:ext uri="{9D8B030D-6E8A-4147-A177-3AD203B41FA5}">
-                      <a16:colId xmlns:a16="http://schemas.microsoft.com/office/drawing/2014/main" val="1442924179"/>
+                      <a16:colId xmlns:a16="http://schemas.microsoft.com/office/drawing/2014/main" val="20003"/>
                     </a:ext>
                   </a:extLst>
                 </a:gridCol>
-                <a:gridCol w="964245">
+                <a:gridCol w="1241234">
                   <a:extLst>
                     <a:ext uri="{9D8B030D-6E8A-4147-A177-3AD203B41FA5}">
-                      <a16:colId xmlns:a16="http://schemas.microsoft.com/office/drawing/2014/main" val="2677420474"/>
+                      <a16:colId xmlns:a16="http://schemas.microsoft.com/office/drawing/2014/main" val="20004"/>
                     </a:ext>
                   </a:extLst>
                 </a:gridCol>
-                <a:gridCol w="865917">
+                <a:gridCol w="1241234">
                   <a:extLst>
                     <a:ext uri="{9D8B030D-6E8A-4147-A177-3AD203B41FA5}">
-                      <a16:colId xmlns:a16="http://schemas.microsoft.com/office/drawing/2014/main" val="1268523235"/>
-                    </a:ext>
-                  </a:extLst>
-                </a:gridCol>
-                <a:gridCol w="751730">
-                  <a:extLst>
-                    <a:ext uri="{9D8B030D-6E8A-4147-A177-3AD203B41FA5}">
-                      <a16:colId xmlns:a16="http://schemas.microsoft.com/office/drawing/2014/main" val="427030173"/>
-                    </a:ext>
-                  </a:extLst>
-                </a:gridCol>
-                <a:gridCol w="811996">
-                  <a:extLst>
-                    <a:ext uri="{9D8B030D-6E8A-4147-A177-3AD203B41FA5}">
-                      <a16:colId xmlns:a16="http://schemas.microsoft.com/office/drawing/2014/main" val="354625330"/>
-                    </a:ext>
-                  </a:extLst>
-                </a:gridCol>
-                <a:gridCol w="786621">
-                  <a:extLst>
-                    <a:ext uri="{9D8B030D-6E8A-4147-A177-3AD203B41FA5}">
-                      <a16:colId xmlns:a16="http://schemas.microsoft.com/office/drawing/2014/main" val="3803417188"/>
-                    </a:ext>
-                  </a:extLst>
-                </a:gridCol>
-                <a:gridCol w="608997">
-                  <a:extLst>
-                    <a:ext uri="{9D8B030D-6E8A-4147-A177-3AD203B41FA5}">
-                      <a16:colId xmlns:a16="http://schemas.microsoft.com/office/drawing/2014/main" val="4065287843"/>
-                    </a:ext>
-                  </a:extLst>
-                </a:gridCol>
-                <a:gridCol w="608997">
-                  <a:extLst>
-                    <a:ext uri="{9D8B030D-6E8A-4147-A177-3AD203B41FA5}">
-                      <a16:colId xmlns:a16="http://schemas.microsoft.com/office/drawing/2014/main" val="3453666275"/>
-                    </a:ext>
-                  </a:extLst>
-                </a:gridCol>
-                <a:gridCol w="608997">
-                  <a:extLst>
-                    <a:ext uri="{9D8B030D-6E8A-4147-A177-3AD203B41FA5}">
-                      <a16:colId xmlns:a16="http://schemas.microsoft.com/office/drawing/2014/main" val="630049333"/>
+                      <a16:colId xmlns:a16="http://schemas.microsoft.com/office/drawing/2014/main" val="20005"/>
                     </a:ext>
                   </a:extLst>
                 </a:gridCol>
               </a:tblGrid>
-              <a:tr h="245886">
+              <a:tr h="580495">
                 <a:tc>
                   <a:txBody>
                     <a:bodyPr/>
                     <a:lstStyle/>
                     <a:p>
-                      <a:pPr algn="l" fontAlgn="b"/>
-                      <a:r>
-                        <a:rPr lang="zh-TW" altLang="en-US" sz="1600" u="none" strike="noStrike" dirty="0">
-                          <a:effectLst/>
-                          <a:latin typeface="標楷體" panose="03000509000000000000" pitchFamily="65" charset="-120"/>
-                          <a:ea typeface="標楷體" panose="03000509000000000000" pitchFamily="65" charset="-120"/>
-                        </a:rPr>
-                        <a:t>頻率</a:t>
-                      </a:r>
-                      <a:r>
-                        <a:rPr lang="en-US" altLang="zh-TW" sz="1600" u="none" strike="noStrike" dirty="0">
-                          <a:effectLst/>
-                          <a:latin typeface="標楷體" panose="03000509000000000000" pitchFamily="65" charset="-120"/>
-                          <a:ea typeface="標楷體" panose="03000509000000000000" pitchFamily="65" charset="-120"/>
-                        </a:rPr>
-                        <a:t>(</a:t>
-                      </a:r>
-                      <a:r>
-                        <a:rPr lang="en-US" sz="1600" u="none" strike="noStrike" dirty="0" err="1">
-                          <a:effectLst/>
-                          <a:latin typeface="標楷體" panose="03000509000000000000" pitchFamily="65" charset="-120"/>
-                          <a:ea typeface="標楷體" panose="03000509000000000000" pitchFamily="65" charset="-120"/>
-                        </a:rPr>
-                        <a:t>hz</a:t>
-                      </a:r>
-                      <a:r>
-                        <a:rPr lang="en-US" sz="1600" u="none" strike="noStrike" dirty="0">
-                          <a:effectLst/>
-                          <a:latin typeface="標楷體" panose="03000509000000000000" pitchFamily="65" charset="-120"/>
-                          <a:ea typeface="標楷體" panose="03000509000000000000" pitchFamily="65" charset="-120"/>
-                        </a:rPr>
-                        <a:t>)</a:t>
-                      </a:r>
-                      <a:endParaRPr lang="en-US" sz="1600" b="1" i="0" u="none" strike="noStrike" dirty="0">
+                      <a:pPr algn="ctr">
+                        <a:defRPr sz="1200" b="1"/>
+                      </a:pPr>
+                      <a:endParaRPr sz="1600" b="0">
                         <a:solidFill>
-                          <a:srgbClr val="FFFFFF"/>
+                          <a:schemeClr val="tx1"/>
                         </a:solidFill>
-                        <a:effectLst/>
-                        <a:latin typeface="標楷體" panose="03000509000000000000" pitchFamily="65" charset="-120"/>
-                        <a:ea typeface="標楷體" panose="03000509000000000000" pitchFamily="65" charset="-120"/>
+                        <a:latin typeface="Times New Roman" panose="02020603050405020304" pitchFamily="18" charset="0"/>
+                        <a:cs typeface="Times New Roman" panose="02020603050405020304" pitchFamily="18" charset="0"/>
                       </a:endParaRPr>
                     </a:p>
                   </a:txBody>
-                  <a:tcPr marL="9525" marR="9525" marT="9525" marB="0" anchor="b">
-                    <a:solidFill>
-                      <a:schemeClr val="accent4"/>
-                    </a:solidFill>
-                  </a:tcPr>
+                  <a:tcPr/>
                 </a:tc>
                 <a:tc>
                   <a:txBody>
                     <a:bodyPr/>
                     <a:lstStyle/>
                     <a:p>
-                      <a:pPr algn="l" fontAlgn="b"/>
-                      <a:r>
-                        <a:rPr lang="en-US" altLang="zh-TW" sz="1400" u="none" strike="noStrike" dirty="0">
-                          <a:effectLst/>
-                          <a:latin typeface="標楷體" panose="03000509000000000000" pitchFamily="65" charset="-120"/>
-                          <a:ea typeface="標楷體" panose="03000509000000000000" pitchFamily="65" charset="-120"/>
-                        </a:rPr>
-                        <a:t>0.1</a:t>
-                      </a:r>
-                      <a:endParaRPr lang="en-US" altLang="zh-TW" sz="1400" b="1" i="0" u="none" strike="noStrike" dirty="0">
+                      <a:pPr algn="ctr">
+                        <a:defRPr sz="1200" b="1"/>
+                      </a:pPr>
+                      <a:endParaRPr sz="1600" b="0" dirty="0">
                         <a:solidFill>
-                          <a:srgbClr val="FFFFFF"/>
+                          <a:schemeClr val="tx1"/>
                         </a:solidFill>
-                        <a:effectLst/>
-                        <a:latin typeface="標楷體" panose="03000509000000000000" pitchFamily="65" charset="-120"/>
-                        <a:ea typeface="標楷體" panose="03000509000000000000" pitchFamily="65" charset="-120"/>
+                        <a:latin typeface="Times New Roman" panose="02020603050405020304" pitchFamily="18" charset="0"/>
+                        <a:cs typeface="Times New Roman" panose="02020603050405020304" pitchFamily="18" charset="0"/>
                       </a:endParaRPr>
                     </a:p>
                   </a:txBody>
-                  <a:tcPr marL="9525" marR="9525" marT="9525" marB="0" anchor="b">
-                    <a:solidFill>
-                      <a:schemeClr val="accent4"/>
-                    </a:solidFill>
-                  </a:tcPr>
+                  <a:tcPr anchor="ctr"/>
                 </a:tc>
                 <a:tc>
                   <a:txBody>
                     <a:bodyPr/>
                     <a:lstStyle/>
                     <a:p>
-                      <a:pPr algn="l" fontAlgn="b"/>
+                      <a:pPr algn="ctr">
+                        <a:defRPr sz="1200" b="1"/>
+                      </a:pPr>
                       <a:r>
-                        <a:rPr lang="en-US" altLang="zh-TW" sz="1400" u="none" strike="noStrike" dirty="0">
-                          <a:effectLst/>
-                          <a:latin typeface="標楷體" panose="03000509000000000000" pitchFamily="65" charset="-120"/>
-                          <a:ea typeface="標楷體" panose="03000509000000000000" pitchFamily="65" charset="-120"/>
+                        <a:rPr sz="1600" b="0" dirty="0" err="1">
+                          <a:solidFill>
+                            <a:schemeClr val="tx1"/>
+                          </a:solidFill>
                         </a:rPr>
-                        <a:t>0.2</a:t>
+                        <a:t>零點</a:t>
                       </a:r>
-                      <a:endParaRPr lang="en-US" altLang="zh-TW" sz="1400" b="1" i="0" u="none" strike="noStrike" dirty="0">
+                      <a:endParaRPr sz="1600" b="0" dirty="0">
                         <a:solidFill>
-                          <a:srgbClr val="FFFFFF"/>
+                          <a:schemeClr val="tx1"/>
                         </a:solidFill>
-                        <a:effectLst/>
-                        <a:latin typeface="標楷體" panose="03000509000000000000" pitchFamily="65" charset="-120"/>
-                        <a:ea typeface="標楷體" panose="03000509000000000000" pitchFamily="65" charset="-120"/>
+                        <a:latin typeface="Times New Roman" panose="02020603050405020304" pitchFamily="18" charset="0"/>
+                        <a:cs typeface="Times New Roman" panose="02020603050405020304" pitchFamily="18" charset="0"/>
                       </a:endParaRPr>
                     </a:p>
                   </a:txBody>
-                  <a:tcPr marL="9525" marR="9525" marT="9525" marB="0" anchor="b">
-                    <a:solidFill>
-                      <a:schemeClr val="accent4"/>
-                    </a:solidFill>
-                  </a:tcPr>
+                  <a:tcPr anchor="ctr"/>
                 </a:tc>
                 <a:tc>
                   <a:txBody>
                     <a:bodyPr/>
                     <a:lstStyle/>
                     <a:p>
-                      <a:pPr algn="l" fontAlgn="b"/>
+                      <a:pPr algn="ctr">
+                        <a:defRPr sz="1200" b="1"/>
+                      </a:pPr>
                       <a:r>
-                        <a:rPr lang="en-US" altLang="zh-TW" sz="1400" u="none" strike="noStrike" dirty="0">
-                          <a:effectLst/>
-                          <a:latin typeface="標楷體" panose="03000509000000000000" pitchFamily="65" charset="-120"/>
-                          <a:ea typeface="標楷體" panose="03000509000000000000" pitchFamily="65" charset="-120"/>
+                        <a:rPr sz="1600" b="0" dirty="0" err="1">
+                          <a:solidFill>
+                            <a:schemeClr val="tx1"/>
+                          </a:solidFill>
                         </a:rPr>
-                        <a:t>0.4</a:t>
+                        <a:t>最大超量</a:t>
                       </a:r>
-                      <a:endParaRPr lang="en-US" altLang="zh-TW" sz="1400" b="1" i="0" u="none" strike="noStrike" dirty="0">
+                      <a:r>
+                        <a:rPr sz="1600" b="0" dirty="0">
+                          <a:solidFill>
+                            <a:schemeClr val="tx1"/>
+                          </a:solidFill>
+                        </a:rPr>
+                        <a:t>[%]</a:t>
+                      </a:r>
+                      <a:endParaRPr sz="1600" b="0" dirty="0">
                         <a:solidFill>
-                          <a:srgbClr val="FFFFFF"/>
+                          <a:schemeClr val="tx1"/>
                         </a:solidFill>
-                        <a:effectLst/>
-                        <a:latin typeface="標楷體" panose="03000509000000000000" pitchFamily="65" charset="-120"/>
-                        <a:ea typeface="標楷體" panose="03000509000000000000" pitchFamily="65" charset="-120"/>
+                        <a:latin typeface="Times New Roman" panose="02020603050405020304" pitchFamily="18" charset="0"/>
+                        <a:cs typeface="Times New Roman" panose="02020603050405020304" pitchFamily="18" charset="0"/>
                       </a:endParaRPr>
                     </a:p>
                   </a:txBody>
-                  <a:tcPr marL="9525" marR="9525" marT="9525" marB="0" anchor="b">
-                    <a:solidFill>
-                      <a:schemeClr val="accent4"/>
-                    </a:solidFill>
-                  </a:tcPr>
+                  <a:tcPr anchor="ctr"/>
                 </a:tc>
                 <a:tc>
                   <a:txBody>
                     <a:bodyPr/>
                     <a:lstStyle/>
                     <a:p>
-                      <a:pPr algn="l" fontAlgn="b"/>
+                      <a:pPr algn="ctr">
+                        <a:defRPr sz="1200" b="1"/>
+                      </a:pPr>
                       <a:r>
-                        <a:rPr lang="en-US" altLang="zh-TW" sz="1400" u="none" strike="noStrike" dirty="0">
-                          <a:effectLst/>
-                          <a:latin typeface="標楷體" panose="03000509000000000000" pitchFamily="65" charset="-120"/>
-                          <a:ea typeface="標楷體" panose="03000509000000000000" pitchFamily="65" charset="-120"/>
+                        <a:rPr sz="1600" b="0" dirty="0" err="1">
+                          <a:solidFill>
+                            <a:schemeClr val="tx1"/>
+                          </a:solidFill>
                         </a:rPr>
-                        <a:t>0.6</a:t>
+                        <a:t>安定時間</a:t>
                       </a:r>
-                      <a:endParaRPr lang="en-US" altLang="zh-TW" sz="1400" b="1" i="0" u="none" strike="noStrike" dirty="0">
+                      <a:r>
+                        <a:rPr sz="1600" b="0" dirty="0">
+                          <a:solidFill>
+                            <a:schemeClr val="tx1"/>
+                          </a:solidFill>
+                        </a:rPr>
+                        <a:t>[</a:t>
+                      </a:r>
+                      <a:r>
+                        <a:rPr sz="1600" b="0" dirty="0" err="1">
+                          <a:solidFill>
+                            <a:schemeClr val="tx1"/>
+                          </a:solidFill>
+                        </a:rPr>
+                        <a:t>ms</a:t>
+                      </a:r>
+                      <a:r>
+                        <a:rPr sz="1600" b="0" dirty="0">
+                          <a:solidFill>
+                            <a:schemeClr val="tx1"/>
+                          </a:solidFill>
+                        </a:rPr>
+                        <a:t>]</a:t>
+                      </a:r>
+                      <a:endParaRPr sz="1600" b="0" dirty="0">
                         <a:solidFill>
-                          <a:srgbClr val="FFFFFF"/>
+                          <a:schemeClr val="tx1"/>
                         </a:solidFill>
-                        <a:effectLst/>
-                        <a:latin typeface="標楷體" panose="03000509000000000000" pitchFamily="65" charset="-120"/>
-                        <a:ea typeface="標楷體" panose="03000509000000000000" pitchFamily="65" charset="-120"/>
+                        <a:latin typeface="Times New Roman" panose="02020603050405020304" pitchFamily="18" charset="0"/>
+                        <a:cs typeface="Times New Roman" panose="02020603050405020304" pitchFamily="18" charset="0"/>
                       </a:endParaRPr>
                     </a:p>
                   </a:txBody>
-                  <a:tcPr marL="9525" marR="9525" marT="9525" marB="0" anchor="b">
-                    <a:solidFill>
-                      <a:schemeClr val="accent4"/>
-                    </a:solidFill>
-                  </a:tcPr>
+                  <a:tcPr anchor="ctr"/>
                 </a:tc>
                 <a:tc>
                   <a:txBody>
                     <a:bodyPr/>
                     <a:lstStyle/>
                     <a:p>
-                      <a:pPr algn="l" fontAlgn="b"/>
+                      <a:pPr algn="ctr">
+                        <a:defRPr sz="1200" b="1"/>
+                      </a:pPr>
                       <a:r>
-                        <a:rPr lang="en-US" altLang="zh-TW" sz="1400" u="none" strike="noStrike" dirty="0">
-                          <a:effectLst/>
-                          <a:latin typeface="標楷體" panose="03000509000000000000" pitchFamily="65" charset="-120"/>
-                          <a:ea typeface="標楷體" panose="03000509000000000000" pitchFamily="65" charset="-120"/>
+                        <a:rPr sz="1600" b="0">
+                          <a:solidFill>
+                            <a:schemeClr val="tx1"/>
+                          </a:solidFill>
                         </a:rPr>
-                        <a:t>0.8</a:t>
+                        <a:t>上升時間[ms]</a:t>
                       </a:r>
-                      <a:endParaRPr lang="en-US" altLang="zh-TW" sz="1400" b="1" i="0" u="none" strike="noStrike" dirty="0">
+                      <a:endParaRPr sz="1600" b="0">
                         <a:solidFill>
-                          <a:srgbClr val="FFFFFF"/>
+                          <a:schemeClr val="tx1"/>
                         </a:solidFill>
-                        <a:effectLst/>
-                        <a:latin typeface="標楷體" panose="03000509000000000000" pitchFamily="65" charset="-120"/>
-                        <a:ea typeface="標楷體" panose="03000509000000000000" pitchFamily="65" charset="-120"/>
+                        <a:latin typeface="Times New Roman" panose="02020603050405020304" pitchFamily="18" charset="0"/>
+                        <a:cs typeface="Times New Roman" panose="02020603050405020304" pitchFamily="18" charset="0"/>
                       </a:endParaRPr>
                     </a:p>
                   </a:txBody>
-                  <a:tcPr marL="9525" marR="9525" marT="9525" marB="0" anchor="b">
-                    <a:solidFill>
-                      <a:schemeClr val="accent4"/>
-                    </a:solidFill>
-                  </a:tcPr>
+                  <a:tcPr anchor="ctr"/>
+                </a:tc>
+                <a:extLst>
+                  <a:ext uri="{0D108BD9-81ED-4DB2-BD59-A6C34878D82A}">
+                    <a16:rowId xmlns:a16="http://schemas.microsoft.com/office/drawing/2014/main" val="10000"/>
+                  </a:ext>
+                </a:extLst>
+              </a:tr>
+              <a:tr h="497566">
+                <a:tc rowSpan="3">
+                  <a:txBody>
+                    <a:bodyPr/>
+                    <a:lstStyle/>
+                    <a:p>
+                      <a:pPr algn="ctr">
+                        <a:defRPr sz="1200"/>
+                      </a:pPr>
+                      <a:r>
+                        <a:rPr sz="1600" b="0" dirty="0">
+                          <a:solidFill>
+                            <a:schemeClr val="tx1"/>
+                          </a:solidFill>
+                        </a:rPr>
+                        <a:t>實</a:t>
+                      </a:r>
+                      <a:endParaRPr lang="en-US" sz="1600" b="0" dirty="0">
+                        <a:solidFill>
+                          <a:schemeClr val="tx1"/>
+                        </a:solidFill>
+                      </a:endParaRPr>
+                    </a:p>
+                    <a:p>
+                      <a:pPr algn="ctr">
+                        <a:defRPr sz="1200"/>
+                      </a:pPr>
+                      <a:r>
+                        <a:rPr sz="1600" b="0" dirty="0">
+                          <a:solidFill>
+                            <a:schemeClr val="tx1"/>
+                          </a:solidFill>
+                        </a:rPr>
+                        <a:t>驗</a:t>
+                      </a:r>
+                      <a:endParaRPr sz="1600" b="0" dirty="0">
+                        <a:solidFill>
+                          <a:schemeClr val="tx1"/>
+                        </a:solidFill>
+                        <a:latin typeface="Times New Roman" panose="02020603050405020304" pitchFamily="18" charset="0"/>
+                        <a:cs typeface="Times New Roman" panose="02020603050405020304" pitchFamily="18" charset="0"/>
+                      </a:endParaRPr>
+                    </a:p>
+                  </a:txBody>
+                  <a:tcPr anchor="ctr"/>
                 </a:tc>
                 <a:tc>
                   <a:txBody>
                     <a:bodyPr/>
                     <a:lstStyle/>
                     <a:p>
-                      <a:pPr algn="l" fontAlgn="b"/>
+                      <a:pPr algn="ctr">
+                        <a:defRPr sz="1200"/>
+                      </a:pPr>
                       <a:r>
-                        <a:rPr lang="en-US" altLang="zh-TW" sz="1400" u="none" strike="noStrike" dirty="0">
-                          <a:effectLst/>
-                          <a:latin typeface="標楷體" panose="03000509000000000000" pitchFamily="65" charset="-120"/>
-                          <a:ea typeface="標楷體" panose="03000509000000000000" pitchFamily="65" charset="-120"/>
+                        <a:rPr sz="1600" b="0" dirty="0" err="1">
+                          <a:solidFill>
+                            <a:schemeClr val="tx1"/>
+                          </a:solidFill>
                         </a:rPr>
-                        <a:t>1</a:t>
+                        <a:t>未加入零點</a:t>
                       </a:r>
-                      <a:endParaRPr lang="en-US" altLang="zh-TW" sz="1400" b="1" i="0" u="none" strike="noStrike" dirty="0">
+                      <a:endParaRPr sz="1600" b="0" dirty="0">
                         <a:solidFill>
-                          <a:srgbClr val="FFFFFF"/>
+                          <a:schemeClr val="tx1"/>
                         </a:solidFill>
-                        <a:effectLst/>
-                        <a:latin typeface="標楷體" panose="03000509000000000000" pitchFamily="65" charset="-120"/>
-                        <a:ea typeface="標楷體" panose="03000509000000000000" pitchFamily="65" charset="-120"/>
+                        <a:latin typeface="Times New Roman" panose="02020603050405020304" pitchFamily="18" charset="0"/>
+                        <a:cs typeface="Times New Roman" panose="02020603050405020304" pitchFamily="18" charset="0"/>
                       </a:endParaRPr>
                     </a:p>
                   </a:txBody>
-                  <a:tcPr marL="9525" marR="9525" marT="9525" marB="0" anchor="b">
-                    <a:solidFill>
-                      <a:schemeClr val="accent4"/>
-                    </a:solidFill>
-                  </a:tcPr>
+                  <a:tcPr anchor="ctr"/>
                 </a:tc>
                 <a:tc>
                   <a:txBody>
                     <a:bodyPr/>
                     <a:lstStyle/>
                     <a:p>
-                      <a:pPr algn="l" fontAlgn="b"/>
+                      <a:pPr algn="ctr">
+                        <a:defRPr sz="1200"/>
+                      </a:pPr>
                       <a:r>
-                        <a:rPr lang="en-US" altLang="zh-TW" sz="1400" u="none" strike="noStrike">
-                          <a:effectLst/>
-                          <a:latin typeface="標楷體" panose="03000509000000000000" pitchFamily="65" charset="-120"/>
-                          <a:ea typeface="標楷體" panose="03000509000000000000" pitchFamily="65" charset="-120"/>
+                        <a:rPr sz="1600" b="0" dirty="0">
+                          <a:solidFill>
+                            <a:schemeClr val="tx1"/>
+                          </a:solidFill>
                         </a:rPr>
-                        <a:t>2</a:t>
+                        <a:t>-</a:t>
                       </a:r>
-                      <a:endParaRPr lang="en-US" altLang="zh-TW" sz="1400" b="1" i="0" u="none" strike="noStrike">
+                      <a:endParaRPr sz="1600" b="0" dirty="0">
                         <a:solidFill>
-                          <a:srgbClr val="FFFFFF"/>
+                          <a:schemeClr val="tx1"/>
                         </a:solidFill>
-                        <a:effectLst/>
-                        <a:latin typeface="標楷體" panose="03000509000000000000" pitchFamily="65" charset="-120"/>
-                        <a:ea typeface="標楷體" panose="03000509000000000000" pitchFamily="65" charset="-120"/>
+                        <a:latin typeface="Times New Roman" panose="02020603050405020304" pitchFamily="18" charset="0"/>
+                        <a:cs typeface="Times New Roman" panose="02020603050405020304" pitchFamily="18" charset="0"/>
                       </a:endParaRPr>
                     </a:p>
                   </a:txBody>
-                  <a:tcPr marL="9525" marR="9525" marT="9525" marB="0" anchor="b">
-                    <a:solidFill>
-                      <a:schemeClr val="accent4"/>
-                    </a:solidFill>
-                  </a:tcPr>
+                  <a:tcPr anchor="ctr"/>
                 </a:tc>
                 <a:tc>
                   <a:txBody>
                     <a:bodyPr/>
                     <a:lstStyle/>
                     <a:p>
-                      <a:pPr algn="l" fontAlgn="b"/>
+                      <a:pPr algn="ctr">
+                        <a:defRPr sz="1200"/>
+                      </a:pPr>
                       <a:r>
-                        <a:rPr lang="en-US" altLang="zh-TW" sz="1400" u="none" strike="noStrike">
-                          <a:effectLst/>
-                          <a:latin typeface="標楷體" panose="03000509000000000000" pitchFamily="65" charset="-120"/>
-                          <a:ea typeface="標楷體" panose="03000509000000000000" pitchFamily="65" charset="-120"/>
+                        <a:rPr sz="1600" b="0">
+                          <a:solidFill>
+                            <a:schemeClr val="tx1"/>
+                          </a:solidFill>
                         </a:rPr>
-                        <a:t>4</a:t>
+                        <a:t>25%</a:t>
                       </a:r>
-                      <a:endParaRPr lang="en-US" altLang="zh-TW" sz="1400" b="1" i="0" u="none" strike="noStrike">
+                      <a:endParaRPr sz="1600" b="0">
                         <a:solidFill>
-                          <a:srgbClr val="FFFFFF"/>
+                          <a:schemeClr val="tx1"/>
                         </a:solidFill>
-                        <a:effectLst/>
-                        <a:latin typeface="標楷體" panose="03000509000000000000" pitchFamily="65" charset="-120"/>
-                        <a:ea typeface="標楷體" panose="03000509000000000000" pitchFamily="65" charset="-120"/>
+                        <a:latin typeface="Times New Roman" panose="02020603050405020304" pitchFamily="18" charset="0"/>
+                        <a:cs typeface="Times New Roman" panose="02020603050405020304" pitchFamily="18" charset="0"/>
                       </a:endParaRPr>
                     </a:p>
                   </a:txBody>
-                  <a:tcPr marL="9525" marR="9525" marT="9525" marB="0" anchor="b">
-                    <a:solidFill>
-                      <a:schemeClr val="accent4"/>
-                    </a:solidFill>
-                  </a:tcPr>
+                  <a:tcPr anchor="ctr"/>
                 </a:tc>
                 <a:tc>
                   <a:txBody>
                     <a:bodyPr/>
                     <a:lstStyle/>
                     <a:p>
-                      <a:pPr algn="l" fontAlgn="b"/>
+                      <a:pPr algn="ctr">
+                        <a:defRPr sz="1200"/>
+                      </a:pPr>
                       <a:r>
-                        <a:rPr lang="en-US" altLang="zh-TW" sz="1400" u="none" strike="noStrike">
-                          <a:effectLst/>
-                          <a:latin typeface="標楷體" panose="03000509000000000000" pitchFamily="65" charset="-120"/>
-                          <a:ea typeface="標楷體" panose="03000509000000000000" pitchFamily="65" charset="-120"/>
+                        <a:rPr sz="1600" b="0">
+                          <a:solidFill>
+                            <a:schemeClr val="tx1"/>
+                          </a:solidFill>
                         </a:rPr>
-                        <a:t>6</a:t>
+                        <a:t>3320</a:t>
                       </a:r>
-                      <a:endParaRPr lang="en-US" altLang="zh-TW" sz="1400" b="1" i="0" u="none" strike="noStrike">
+                      <a:endParaRPr sz="1600" b="0">
                         <a:solidFill>
-                          <a:srgbClr val="FFFFFF"/>
+                          <a:schemeClr val="tx1"/>
                         </a:solidFill>
-                        <a:effectLst/>
-                        <a:latin typeface="標楷體" panose="03000509000000000000" pitchFamily="65" charset="-120"/>
-                        <a:ea typeface="標楷體" panose="03000509000000000000" pitchFamily="65" charset="-120"/>
+                        <a:latin typeface="Times New Roman" panose="02020603050405020304" pitchFamily="18" charset="0"/>
+                        <a:cs typeface="Times New Roman" panose="02020603050405020304" pitchFamily="18" charset="0"/>
                       </a:endParaRPr>
                     </a:p>
                   </a:txBody>
-                  <a:tcPr marL="9525" marR="9525" marT="9525" marB="0" anchor="b">
-                    <a:solidFill>
-                      <a:schemeClr val="accent4"/>
-                    </a:solidFill>
-                  </a:tcPr>
+                  <a:tcPr anchor="ctr"/>
                 </a:tc>
                 <a:tc>
                   <a:txBody>
                     <a:bodyPr/>
                     <a:lstStyle/>
                     <a:p>
-                      <a:pPr algn="l" fontAlgn="b"/>
+                      <a:pPr algn="ctr">
+                        <a:defRPr sz="1200"/>
+                      </a:pPr>
                       <a:r>
-                        <a:rPr lang="en-US" altLang="zh-TW" sz="1400" u="none" strike="noStrike">
-                          <a:effectLst/>
-                          <a:latin typeface="標楷體" panose="03000509000000000000" pitchFamily="65" charset="-120"/>
-                          <a:ea typeface="標楷體" panose="03000509000000000000" pitchFamily="65" charset="-120"/>
+                        <a:rPr sz="1600" b="0">
+                          <a:solidFill>
+                            <a:schemeClr val="tx1"/>
+                          </a:solidFill>
                         </a:rPr>
-                        <a:t>8</a:t>
+                        <a:t>820</a:t>
                       </a:r>
-                      <a:endParaRPr lang="en-US" altLang="zh-TW" sz="1400" b="1" i="0" u="none" strike="noStrike">
+                      <a:endParaRPr sz="1600" b="0">
                         <a:solidFill>
-                          <a:srgbClr val="FFFFFF"/>
+                          <a:schemeClr val="tx1"/>
                         </a:solidFill>
-                        <a:effectLst/>
-                        <a:latin typeface="標楷體" panose="03000509000000000000" pitchFamily="65" charset="-120"/>
-                        <a:ea typeface="標楷體" panose="03000509000000000000" pitchFamily="65" charset="-120"/>
+                        <a:latin typeface="Times New Roman" panose="02020603050405020304" pitchFamily="18" charset="0"/>
+                        <a:cs typeface="Times New Roman" panose="02020603050405020304" pitchFamily="18" charset="0"/>
                       </a:endParaRPr>
                     </a:p>
                   </a:txBody>
-                  <a:tcPr marL="9525" marR="9525" marT="9525" marB="0" anchor="b">
-                    <a:solidFill>
-                      <a:schemeClr val="accent4"/>
-                    </a:solidFill>
-                  </a:tcPr>
+                  <a:tcPr anchor="ctr"/>
+                </a:tc>
+                <a:extLst>
+                  <a:ext uri="{0D108BD9-81ED-4DB2-BD59-A6C34878D82A}">
+                    <a16:rowId xmlns:a16="http://schemas.microsoft.com/office/drawing/2014/main" val="10001"/>
+                  </a:ext>
+                </a:extLst>
+              </a:tr>
+              <a:tr h="497566">
+                <a:tc vMerge="1">
+                  <a:txBody>
+                    <a:bodyPr/>
+                    <a:lstStyle/>
+                    <a:p>
+                      <a:pPr algn="ctr">
+                        <a:defRPr sz="1200"/>
+                      </a:pPr>
+                      <a:endParaRPr dirty="0"/>
+                    </a:p>
+                  </a:txBody>
+                  <a:tcPr/>
                 </a:tc>
                 <a:tc>
                   <a:txBody>
                     <a:bodyPr/>
                     <a:lstStyle/>
                     <a:p>
-                      <a:pPr algn="l" fontAlgn="b"/>
+                      <a:pPr algn="ctr">
+                        <a:defRPr sz="1200"/>
+                      </a:pPr>
                       <a:r>
-                        <a:rPr lang="en-US" altLang="zh-TW" sz="1400" u="none" strike="noStrike" dirty="0">
-                          <a:effectLst/>
-                          <a:latin typeface="標楷體" panose="03000509000000000000" pitchFamily="65" charset="-120"/>
-                          <a:ea typeface="標楷體" panose="03000509000000000000" pitchFamily="65" charset="-120"/>
+                        <a:rPr sz="1600" b="0" dirty="0">
+                          <a:solidFill>
+                            <a:schemeClr val="tx1"/>
+                          </a:solidFill>
                         </a:rPr>
-                        <a:t>10</a:t>
+                        <a:t>Ri = 100K，Ci = 0.1μ</a:t>
                       </a:r>
-                      <a:endParaRPr lang="en-US" altLang="zh-TW" sz="1400" b="1" i="0" u="none" strike="noStrike" dirty="0">
+                      <a:endParaRPr sz="1600" b="0" dirty="0">
                         <a:solidFill>
-                          <a:srgbClr val="FFFFFF"/>
+                          <a:schemeClr val="tx1"/>
                         </a:solidFill>
-                        <a:effectLst/>
-                        <a:latin typeface="標楷體" panose="03000509000000000000" pitchFamily="65" charset="-120"/>
-                        <a:ea typeface="標楷體" panose="03000509000000000000" pitchFamily="65" charset="-120"/>
+                        <a:latin typeface="Times New Roman" panose="02020603050405020304" pitchFamily="18" charset="0"/>
+                        <a:cs typeface="Times New Roman" panose="02020603050405020304" pitchFamily="18" charset="0"/>
                       </a:endParaRPr>
                     </a:p>
                   </a:txBody>
-                  <a:tcPr marL="9525" marR="9525" marT="9525" marB="0" anchor="b">
-                    <a:solidFill>
-                      <a:schemeClr val="accent4"/>
-                    </a:solidFill>
-                  </a:tcPr>
-                </a:tc>
-                <a:extLst>
-                  <a:ext uri="{0D108BD9-81ED-4DB2-BD59-A6C34878D82A}">
-                    <a16:rowId xmlns:a16="http://schemas.microsoft.com/office/drawing/2014/main" val="1331175453"/>
-                  </a:ext>
-                </a:extLst>
-              </a:tr>
-              <a:tr h="213455">
-                <a:tc>
-                  <a:txBody>
-                    <a:bodyPr/>
-                    <a:lstStyle/>
-                    <a:p>
-                      <a:pPr algn="l" fontAlgn="b"/>
-                      <a:r>
-                        <a:rPr lang="el-GR" sz="1600" u="none" strike="noStrike" dirty="0">
-                          <a:effectLst/>
-                          <a:ea typeface="標楷體" panose="03000509000000000000" pitchFamily="65" charset="-120"/>
-                        </a:rPr>
-                        <a:t>ω = 2π</a:t>
-                      </a:r>
-                      <a:r>
-                        <a:rPr lang="en-US" sz="1600" u="none" strike="noStrike" dirty="0">
-                          <a:effectLst/>
-                          <a:latin typeface="標楷體" panose="03000509000000000000" pitchFamily="65" charset="-120"/>
-                          <a:ea typeface="標楷體" panose="03000509000000000000" pitchFamily="65" charset="-120"/>
-                        </a:rPr>
-                        <a:t>f[rad/s]</a:t>
-                      </a:r>
-                      <a:endParaRPr lang="en-US" sz="1600" b="0" i="0" u="none" strike="noStrike" dirty="0">
-                        <a:solidFill>
-                          <a:srgbClr val="000000"/>
-                        </a:solidFill>
-                        <a:effectLst/>
-                        <a:latin typeface="標楷體" panose="03000509000000000000" pitchFamily="65" charset="-120"/>
-                        <a:ea typeface="標楷體" panose="03000509000000000000" pitchFamily="65" charset="-120"/>
-                      </a:endParaRPr>
-                    </a:p>
-                  </a:txBody>
-                  <a:tcPr marL="9525" marR="9525" marT="9525" marB="0" anchor="b"/>
+                  <a:tcPr anchor="ctr"/>
                 </a:tc>
                 <a:tc>
                   <a:txBody>
                     <a:bodyPr/>
                     <a:lstStyle/>
                     <a:p>
-                      <a:pPr algn="r" fontAlgn="b"/>
+                      <a:pPr algn="ctr">
+                        <a:defRPr sz="1200"/>
+                      </a:pPr>
                       <a:r>
-                        <a:rPr lang="en-US" altLang="zh-TW" sz="1400" u="none" strike="noStrike" dirty="0">
-                          <a:effectLst/>
-                          <a:latin typeface="標楷體" panose="03000509000000000000" pitchFamily="65" charset="-120"/>
-                          <a:ea typeface="標楷體" panose="03000509000000000000" pitchFamily="65" charset="-120"/>
+                        <a:rPr sz="1600" b="0" dirty="0">
+                          <a:solidFill>
+                            <a:schemeClr val="tx1"/>
+                          </a:solidFill>
                         </a:rPr>
-                        <a:t>0.63</a:t>
+                        <a:t>-100</a:t>
                       </a:r>
-                      <a:endParaRPr lang="en-US" altLang="zh-TW" sz="1400" b="0" i="0" u="none" strike="noStrike" dirty="0">
+                      <a:endParaRPr sz="1600" b="0" dirty="0">
                         <a:solidFill>
-                          <a:srgbClr val="000000"/>
+                          <a:schemeClr val="tx1"/>
                         </a:solidFill>
-                        <a:effectLst/>
-                        <a:latin typeface="標楷體" panose="03000509000000000000" pitchFamily="65" charset="-120"/>
-                        <a:ea typeface="標楷體" panose="03000509000000000000" pitchFamily="65" charset="-120"/>
+                        <a:latin typeface="Times New Roman" panose="02020603050405020304" pitchFamily="18" charset="0"/>
+                        <a:cs typeface="Times New Roman" panose="02020603050405020304" pitchFamily="18" charset="0"/>
                       </a:endParaRPr>
                     </a:p>
                   </a:txBody>
-                  <a:tcPr marL="9525" marR="9525" marT="9525" marB="0" anchor="b"/>
+                  <a:tcPr anchor="ctr"/>
                 </a:tc>
                 <a:tc>
                   <a:txBody>
                     <a:bodyPr/>
                     <a:lstStyle/>
                     <a:p>
-                      <a:pPr algn="r" fontAlgn="b"/>
+                      <a:pPr algn="ctr">
+                        <a:defRPr sz="1200"/>
+                      </a:pPr>
                       <a:r>
-                        <a:rPr lang="en-US" altLang="zh-TW" sz="1400" u="none" strike="noStrike" dirty="0">
-                          <a:effectLst/>
-                          <a:latin typeface="標楷體" panose="03000509000000000000" pitchFamily="65" charset="-120"/>
-                          <a:ea typeface="標楷體" panose="03000509000000000000" pitchFamily="65" charset="-120"/>
+                        <a:rPr sz="1600" b="0" dirty="0">
+                          <a:solidFill>
+                            <a:schemeClr val="tx1"/>
+                          </a:solidFill>
                         </a:rPr>
-                        <a:t>1.26</a:t>
+                        <a:t>26%</a:t>
                       </a:r>
-                      <a:endParaRPr lang="en-US" altLang="zh-TW" sz="1400" b="0" i="0" u="none" strike="noStrike" dirty="0">
+                      <a:endParaRPr sz="1600" b="0" dirty="0">
                         <a:solidFill>
-                          <a:srgbClr val="000000"/>
+                          <a:schemeClr val="tx1"/>
                         </a:solidFill>
-                        <a:effectLst/>
-                        <a:latin typeface="標楷體" panose="03000509000000000000" pitchFamily="65" charset="-120"/>
-                        <a:ea typeface="標楷體" panose="03000509000000000000" pitchFamily="65" charset="-120"/>
+                        <a:latin typeface="Times New Roman" panose="02020603050405020304" pitchFamily="18" charset="0"/>
+                        <a:cs typeface="Times New Roman" panose="02020603050405020304" pitchFamily="18" charset="0"/>
                       </a:endParaRPr>
                     </a:p>
                   </a:txBody>
-                  <a:tcPr marL="9525" marR="9525" marT="9525" marB="0" anchor="b"/>
+                  <a:tcPr anchor="ctr"/>
                 </a:tc>
                 <a:tc>
                   <a:txBody>
                     <a:bodyPr/>
                     <a:lstStyle/>
                     <a:p>
-                      <a:pPr algn="r" fontAlgn="b"/>
+                      <a:pPr algn="ctr">
+                        <a:defRPr sz="1200"/>
+                      </a:pPr>
                       <a:r>
-                        <a:rPr lang="en-US" altLang="zh-TW" sz="1400" u="none" strike="noStrike">
-                          <a:effectLst/>
-                          <a:latin typeface="標楷體" panose="03000509000000000000" pitchFamily="65" charset="-120"/>
-                          <a:ea typeface="標楷體" panose="03000509000000000000" pitchFamily="65" charset="-120"/>
+                        <a:rPr sz="1600" b="0" dirty="0">
+                          <a:solidFill>
+                            <a:schemeClr val="tx1"/>
+                          </a:solidFill>
                         </a:rPr>
-                        <a:t>2.51</a:t>
+                        <a:t>6000</a:t>
                       </a:r>
-                      <a:endParaRPr lang="en-US" altLang="zh-TW" sz="1400" b="0" i="0" u="none" strike="noStrike">
+                      <a:endParaRPr sz="1600" b="0" dirty="0">
                         <a:solidFill>
-                          <a:srgbClr val="000000"/>
+                          <a:schemeClr val="tx1"/>
                         </a:solidFill>
-                        <a:effectLst/>
-                        <a:latin typeface="標楷體" panose="03000509000000000000" pitchFamily="65" charset="-120"/>
-                        <a:ea typeface="標楷體" panose="03000509000000000000" pitchFamily="65" charset="-120"/>
+                        <a:latin typeface="Times New Roman" panose="02020603050405020304" pitchFamily="18" charset="0"/>
+                        <a:cs typeface="Times New Roman" panose="02020603050405020304" pitchFamily="18" charset="0"/>
                       </a:endParaRPr>
                     </a:p>
                   </a:txBody>
-                  <a:tcPr marL="9525" marR="9525" marT="9525" marB="0" anchor="b"/>
+                  <a:tcPr anchor="ctr"/>
                 </a:tc>
                 <a:tc>
                   <a:txBody>
                     <a:bodyPr/>
                     <a:lstStyle/>
                     <a:p>
-                      <a:pPr algn="r" fontAlgn="b"/>
+                      <a:pPr algn="ctr">
+                        <a:defRPr sz="1200"/>
+                      </a:pPr>
                       <a:r>
-                        <a:rPr lang="en-US" altLang="zh-TW" sz="1400" u="none" strike="noStrike" dirty="0">
-                          <a:effectLst/>
-                          <a:latin typeface="標楷體" panose="03000509000000000000" pitchFamily="65" charset="-120"/>
-                          <a:ea typeface="標楷體" panose="03000509000000000000" pitchFamily="65" charset="-120"/>
+                        <a:rPr sz="1600" b="0">
+                          <a:solidFill>
+                            <a:schemeClr val="tx1"/>
+                          </a:solidFill>
                         </a:rPr>
-                        <a:t>3.77</a:t>
+                        <a:t>580</a:t>
                       </a:r>
-                      <a:endParaRPr lang="en-US" altLang="zh-TW" sz="1400" b="0" i="0" u="none" strike="noStrike" dirty="0">
+                      <a:endParaRPr sz="1600" b="0">
                         <a:solidFill>
-                          <a:srgbClr val="000000"/>
+                          <a:schemeClr val="tx1"/>
                         </a:solidFill>
-                        <a:effectLst/>
-                        <a:latin typeface="標楷體" panose="03000509000000000000" pitchFamily="65" charset="-120"/>
-                        <a:ea typeface="標楷體" panose="03000509000000000000" pitchFamily="65" charset="-120"/>
+                        <a:latin typeface="Times New Roman" panose="02020603050405020304" pitchFamily="18" charset="0"/>
+                        <a:cs typeface="Times New Roman" panose="02020603050405020304" pitchFamily="18" charset="0"/>
                       </a:endParaRPr>
                     </a:p>
                   </a:txBody>
-                  <a:tcPr marL="9525" marR="9525" marT="9525" marB="0" anchor="b"/>
+                  <a:tcPr anchor="ctr"/>
+                </a:tc>
+                <a:extLst>
+                  <a:ext uri="{0D108BD9-81ED-4DB2-BD59-A6C34878D82A}">
+                    <a16:rowId xmlns:a16="http://schemas.microsoft.com/office/drawing/2014/main" val="10002"/>
+                  </a:ext>
+                </a:extLst>
+              </a:tr>
+              <a:tr h="497566">
+                <a:tc vMerge="1">
+                  <a:txBody>
+                    <a:bodyPr/>
+                    <a:lstStyle/>
+                    <a:p>
+                      <a:pPr algn="ctr">
+                        <a:defRPr sz="1200"/>
+                      </a:pPr>
+                      <a:endParaRPr dirty="0"/>
+                    </a:p>
+                  </a:txBody>
+                  <a:tcPr/>
                 </a:tc>
                 <a:tc>
                   <a:txBody>
                     <a:bodyPr/>
                     <a:lstStyle/>
                     <a:p>
-                      <a:pPr algn="r" fontAlgn="b"/>
+                      <a:pPr algn="ctr">
+                        <a:defRPr sz="1200"/>
+                      </a:pPr>
                       <a:r>
-                        <a:rPr lang="en-US" altLang="zh-TW" sz="1400" u="none" strike="noStrike">
-                          <a:effectLst/>
-                          <a:latin typeface="標楷體" panose="03000509000000000000" pitchFamily="65" charset="-120"/>
-                          <a:ea typeface="標楷體" panose="03000509000000000000" pitchFamily="65" charset="-120"/>
+                        <a:rPr sz="1600" b="0" dirty="0">
+                          <a:solidFill>
+                            <a:schemeClr val="tx1"/>
+                          </a:solidFill>
                         </a:rPr>
-                        <a:t>5.03</a:t>
+                        <a:t>Ri = 100K，Ci = 1μ</a:t>
                       </a:r>
-                      <a:endParaRPr lang="en-US" altLang="zh-TW" sz="1400" b="0" i="0" u="none" strike="noStrike">
+                      <a:endParaRPr sz="1600" b="0" dirty="0">
                         <a:solidFill>
-                          <a:srgbClr val="000000"/>
+                          <a:schemeClr val="tx1"/>
                         </a:solidFill>
-                        <a:effectLst/>
-                        <a:latin typeface="標楷體" panose="03000509000000000000" pitchFamily="65" charset="-120"/>
-                        <a:ea typeface="標楷體" panose="03000509000000000000" pitchFamily="65" charset="-120"/>
+                        <a:latin typeface="Times New Roman" panose="02020603050405020304" pitchFamily="18" charset="0"/>
+                        <a:cs typeface="Times New Roman" panose="02020603050405020304" pitchFamily="18" charset="0"/>
                       </a:endParaRPr>
                     </a:p>
                   </a:txBody>
-                  <a:tcPr marL="9525" marR="9525" marT="9525" marB="0" anchor="b"/>
+                  <a:tcPr anchor="ctr"/>
                 </a:tc>
                 <a:tc>
                   <a:txBody>
                     <a:bodyPr/>
                     <a:lstStyle/>
                     <a:p>
-                      <a:pPr algn="r" fontAlgn="b"/>
+                      <a:pPr algn="ctr">
+                        <a:defRPr sz="1200"/>
+                      </a:pPr>
                       <a:r>
-                        <a:rPr lang="en-US" altLang="zh-TW" sz="1400" u="none" strike="noStrike">
-                          <a:effectLst/>
-                          <a:latin typeface="標楷體" panose="03000509000000000000" pitchFamily="65" charset="-120"/>
-                          <a:ea typeface="標楷體" panose="03000509000000000000" pitchFamily="65" charset="-120"/>
+                        <a:rPr sz="1600" b="0">
+                          <a:solidFill>
+                            <a:schemeClr val="tx1"/>
+                          </a:solidFill>
                         </a:rPr>
-                        <a:t>6.28</a:t>
+                        <a:t>-10</a:t>
                       </a:r>
-                      <a:endParaRPr lang="en-US" altLang="zh-TW" sz="1400" b="0" i="0" u="none" strike="noStrike">
+                      <a:endParaRPr sz="1600" b="0">
                         <a:solidFill>
-                          <a:srgbClr val="000000"/>
+                          <a:schemeClr val="tx1"/>
                         </a:solidFill>
-                        <a:effectLst/>
-                        <a:latin typeface="標楷體" panose="03000509000000000000" pitchFamily="65" charset="-120"/>
-                        <a:ea typeface="標楷體" panose="03000509000000000000" pitchFamily="65" charset="-120"/>
+                        <a:latin typeface="Times New Roman" panose="02020603050405020304" pitchFamily="18" charset="0"/>
+                        <a:cs typeface="Times New Roman" panose="02020603050405020304" pitchFamily="18" charset="0"/>
                       </a:endParaRPr>
                     </a:p>
                   </a:txBody>
-                  <a:tcPr marL="9525" marR="9525" marT="9525" marB="0" anchor="b"/>
+                  <a:tcPr anchor="ctr"/>
                 </a:tc>
                 <a:tc>
                   <a:txBody>
                     <a:bodyPr/>
                     <a:lstStyle/>
                     <a:p>
-                      <a:pPr algn="r" fontAlgn="b"/>
+                      <a:pPr algn="ctr">
+                        <a:defRPr sz="1200"/>
+                      </a:pPr>
                       <a:r>
-                        <a:rPr lang="en-US" altLang="zh-TW" sz="1400" u="none" strike="noStrike" dirty="0">
-                          <a:effectLst/>
-                          <a:latin typeface="標楷體" panose="03000509000000000000" pitchFamily="65" charset="-120"/>
-                          <a:ea typeface="標楷體" panose="03000509000000000000" pitchFamily="65" charset="-120"/>
+                        <a:rPr sz="1600" b="0" dirty="0">
+                          <a:solidFill>
+                            <a:schemeClr val="tx1"/>
+                          </a:solidFill>
                         </a:rPr>
-                        <a:t>12.57</a:t>
+                        <a:t>25%</a:t>
                       </a:r>
-                      <a:endParaRPr lang="en-US" altLang="zh-TW" sz="1400" b="0" i="0" u="none" strike="noStrike" dirty="0">
+                      <a:endParaRPr sz="1600" b="0" dirty="0">
                         <a:solidFill>
-                          <a:srgbClr val="000000"/>
+                          <a:schemeClr val="tx1"/>
                         </a:solidFill>
-                        <a:effectLst/>
-                        <a:latin typeface="標楷體" panose="03000509000000000000" pitchFamily="65" charset="-120"/>
-                        <a:ea typeface="標楷體" panose="03000509000000000000" pitchFamily="65" charset="-120"/>
+                        <a:latin typeface="Times New Roman" panose="02020603050405020304" pitchFamily="18" charset="0"/>
+                        <a:cs typeface="Times New Roman" panose="02020603050405020304" pitchFamily="18" charset="0"/>
                       </a:endParaRPr>
                     </a:p>
                   </a:txBody>
-                  <a:tcPr marL="9525" marR="9525" marT="9525" marB="0" anchor="b"/>
+                  <a:tcPr anchor="ctr"/>
                 </a:tc>
                 <a:tc>
                   <a:txBody>
                     <a:bodyPr/>
                     <a:lstStyle/>
                     <a:p>
-                      <a:pPr algn="r" fontAlgn="b"/>
+                      <a:pPr algn="ctr">
+                        <a:defRPr sz="1200"/>
+                      </a:pPr>
                       <a:r>
-                        <a:rPr lang="en-US" altLang="zh-TW" sz="1400" u="none" strike="noStrike" dirty="0">
-                          <a:effectLst/>
-                          <a:latin typeface="標楷體" panose="03000509000000000000" pitchFamily="65" charset="-120"/>
-                          <a:ea typeface="標楷體" panose="03000509000000000000" pitchFamily="65" charset="-120"/>
+                        <a:rPr sz="1600" b="0" dirty="0">
+                          <a:solidFill>
+                            <a:schemeClr val="tx1"/>
+                          </a:solidFill>
                         </a:rPr>
-                        <a:t>25.1</a:t>
+                        <a:t>4680</a:t>
                       </a:r>
-                      <a:endParaRPr lang="en-US" altLang="zh-TW" sz="1400" b="0" i="0" u="none" strike="noStrike" dirty="0">
+                      <a:endParaRPr sz="1600" b="0" dirty="0">
                         <a:solidFill>
-                          <a:srgbClr val="000000"/>
+                          <a:schemeClr val="tx1"/>
                         </a:solidFill>
-                        <a:effectLst/>
-                        <a:latin typeface="標楷體" panose="03000509000000000000" pitchFamily="65" charset="-120"/>
-                        <a:ea typeface="標楷體" panose="03000509000000000000" pitchFamily="65" charset="-120"/>
+                        <a:latin typeface="Times New Roman" panose="02020603050405020304" pitchFamily="18" charset="0"/>
+                        <a:cs typeface="Times New Roman" panose="02020603050405020304" pitchFamily="18" charset="0"/>
                       </a:endParaRPr>
                     </a:p>
                   </a:txBody>
-                  <a:tcPr marL="9525" marR="9525" marT="9525" marB="0" anchor="b"/>
+                  <a:tcPr anchor="ctr"/>
                 </a:tc>
                 <a:tc>
                   <a:txBody>
                     <a:bodyPr/>
                     <a:lstStyle/>
                     <a:p>
-                      <a:pPr algn="r" fontAlgn="b"/>
+                      <a:pPr algn="ctr">
+                        <a:defRPr sz="1200"/>
+                      </a:pPr>
                       <a:r>
-                        <a:rPr lang="en-US" altLang="zh-TW" sz="1400" u="none" strike="noStrike" dirty="0">
-                          <a:effectLst/>
-                          <a:latin typeface="標楷體" panose="03000509000000000000" pitchFamily="65" charset="-120"/>
-                          <a:ea typeface="標楷體" panose="03000509000000000000" pitchFamily="65" charset="-120"/>
+                        <a:rPr sz="1600" b="0">
+                          <a:solidFill>
+                            <a:schemeClr val="tx1"/>
+                          </a:solidFill>
                         </a:rPr>
-                        <a:t>37.7</a:t>
+                        <a:t>460</a:t>
                       </a:r>
-                      <a:endParaRPr lang="en-US" altLang="zh-TW" sz="1400" b="0" i="0" u="none" strike="noStrike" dirty="0">
+                      <a:endParaRPr sz="1600" b="0">
                         <a:solidFill>
-                          <a:srgbClr val="000000"/>
+                          <a:schemeClr val="tx1"/>
                         </a:solidFill>
-                        <a:effectLst/>
-                        <a:latin typeface="標楷體" panose="03000509000000000000" pitchFamily="65" charset="-120"/>
-                        <a:ea typeface="標楷體" panose="03000509000000000000" pitchFamily="65" charset="-120"/>
+                        <a:latin typeface="Times New Roman" panose="02020603050405020304" pitchFamily="18" charset="0"/>
+                        <a:cs typeface="Times New Roman" panose="02020603050405020304" pitchFamily="18" charset="0"/>
                       </a:endParaRPr>
                     </a:p>
                   </a:txBody>
-                  <a:tcPr marL="9525" marR="9525" marT="9525" marB="0" anchor="b"/>
+                  <a:tcPr anchor="ctr"/>
+                </a:tc>
+                <a:extLst>
+                  <a:ext uri="{0D108BD9-81ED-4DB2-BD59-A6C34878D82A}">
+                    <a16:rowId xmlns:a16="http://schemas.microsoft.com/office/drawing/2014/main" val="10003"/>
+                  </a:ext>
+                </a:extLst>
+              </a:tr>
+              <a:tr h="497566">
+                <a:tc rowSpan="3">
+                  <a:txBody>
+                    <a:bodyPr/>
+                    <a:lstStyle/>
+                    <a:p>
+                      <a:pPr algn="ctr">
+                        <a:defRPr sz="1200"/>
+                      </a:pPr>
+                      <a:r>
+                        <a:rPr sz="1600" b="0" dirty="0">
+                          <a:solidFill>
+                            <a:schemeClr val="tx1"/>
+                          </a:solidFill>
+                        </a:rPr>
+                        <a:t>模</a:t>
+                      </a:r>
+                      <a:endParaRPr lang="en-US" sz="1600" b="0" dirty="0">
+                        <a:solidFill>
+                          <a:schemeClr val="tx1"/>
+                        </a:solidFill>
+                      </a:endParaRPr>
+                    </a:p>
+                    <a:p>
+                      <a:pPr algn="ctr">
+                        <a:defRPr sz="1200"/>
+                      </a:pPr>
+                      <a:r>
+                        <a:rPr sz="1600" b="0" dirty="0">
+                          <a:solidFill>
+                            <a:schemeClr val="tx1"/>
+                          </a:solidFill>
+                        </a:rPr>
+                        <a:t>擬</a:t>
+                      </a:r>
+                      <a:endParaRPr sz="1600" b="0" dirty="0">
+                        <a:solidFill>
+                          <a:schemeClr val="tx1"/>
+                        </a:solidFill>
+                        <a:latin typeface="Times New Roman" panose="02020603050405020304" pitchFamily="18" charset="0"/>
+                        <a:cs typeface="Times New Roman" panose="02020603050405020304" pitchFamily="18" charset="0"/>
+                      </a:endParaRPr>
+                    </a:p>
+                  </a:txBody>
+                  <a:tcPr anchor="ctr"/>
                 </a:tc>
                 <a:tc>
                   <a:txBody>
                     <a:bodyPr/>
                     <a:lstStyle/>
                     <a:p>
-                      <a:pPr algn="r" fontAlgn="b"/>
+                      <a:pPr algn="ctr">
+                        <a:defRPr sz="1200"/>
+                      </a:pPr>
                       <a:r>
-                        <a:rPr lang="en-US" altLang="zh-TW" sz="1400" u="none" strike="noStrike" dirty="0">
-                          <a:effectLst/>
-                          <a:latin typeface="標楷體" panose="03000509000000000000" pitchFamily="65" charset="-120"/>
-                          <a:ea typeface="標楷體" panose="03000509000000000000" pitchFamily="65" charset="-120"/>
+                        <a:rPr sz="1600" b="0">
+                          <a:solidFill>
+                            <a:schemeClr val="tx1"/>
+                          </a:solidFill>
                         </a:rPr>
-                        <a:t>50.3</a:t>
+                        <a:t>未加入零點</a:t>
                       </a:r>
-                      <a:endParaRPr lang="en-US" altLang="zh-TW" sz="1400" b="0" i="0" u="none" strike="noStrike" dirty="0">
+                      <a:endParaRPr sz="1600" b="0">
                         <a:solidFill>
-                          <a:srgbClr val="000000"/>
+                          <a:schemeClr val="tx1"/>
                         </a:solidFill>
-                        <a:effectLst/>
-                        <a:latin typeface="標楷體" panose="03000509000000000000" pitchFamily="65" charset="-120"/>
-                        <a:ea typeface="標楷體" panose="03000509000000000000" pitchFamily="65" charset="-120"/>
+                        <a:latin typeface="Times New Roman" panose="02020603050405020304" pitchFamily="18" charset="0"/>
+                        <a:cs typeface="Times New Roman" panose="02020603050405020304" pitchFamily="18" charset="0"/>
                       </a:endParaRPr>
                     </a:p>
                   </a:txBody>
-                  <a:tcPr marL="9525" marR="9525" marT="9525" marB="0" anchor="b"/>
+                  <a:tcPr anchor="ctr"/>
                 </a:tc>
                 <a:tc>
                   <a:txBody>
                     <a:bodyPr/>
                     <a:lstStyle/>
                     <a:p>
-                      <a:pPr algn="r" fontAlgn="b"/>
+                      <a:pPr algn="ctr">
+                        <a:defRPr sz="1200"/>
+                      </a:pPr>
                       <a:r>
-                        <a:rPr lang="en-US" altLang="zh-TW" sz="1400" u="none" strike="noStrike">
-                          <a:effectLst/>
-                          <a:latin typeface="標楷體" panose="03000509000000000000" pitchFamily="65" charset="-120"/>
-                          <a:ea typeface="標楷體" panose="03000509000000000000" pitchFamily="65" charset="-120"/>
+                        <a:rPr sz="1600" b="0">
+                          <a:solidFill>
+                            <a:schemeClr val="tx1"/>
+                          </a:solidFill>
                         </a:rPr>
-                        <a:t>62.8</a:t>
+                        <a:t>-</a:t>
                       </a:r>
-                      <a:endParaRPr lang="en-US" altLang="zh-TW" sz="1400" b="0" i="0" u="none" strike="noStrike">
+                      <a:endParaRPr sz="1600" b="0">
                         <a:solidFill>
-                          <a:srgbClr val="000000"/>
+                          <a:schemeClr val="tx1"/>
                         </a:solidFill>
-                        <a:effectLst/>
-                        <a:latin typeface="標楷體" panose="03000509000000000000" pitchFamily="65" charset="-120"/>
-                        <a:ea typeface="標楷體" panose="03000509000000000000" pitchFamily="65" charset="-120"/>
+                        <a:latin typeface="Times New Roman" panose="02020603050405020304" pitchFamily="18" charset="0"/>
+                        <a:cs typeface="Times New Roman" panose="02020603050405020304" pitchFamily="18" charset="0"/>
                       </a:endParaRPr>
                     </a:p>
                   </a:txBody>
-                  <a:tcPr marL="9525" marR="9525" marT="9525" marB="0" anchor="b"/>
-                </a:tc>
-                <a:extLst>
-                  <a:ext uri="{0D108BD9-81ED-4DB2-BD59-A6C34878D82A}">
-                    <a16:rowId xmlns:a16="http://schemas.microsoft.com/office/drawing/2014/main" val="3696473676"/>
-                  </a:ext>
-                </a:extLst>
-              </a:tr>
-              <a:tr h="245886">
-                <a:tc>
-                  <a:txBody>
-                    <a:bodyPr/>
-                    <a:lstStyle/>
-                    <a:p>
-                      <a:pPr algn="l" fontAlgn="b"/>
-                      <a:r>
-                        <a:rPr lang="en-US" sz="1600" u="none" strike="noStrike">
-                          <a:effectLst/>
-                          <a:latin typeface="標楷體" panose="03000509000000000000" pitchFamily="65" charset="-120"/>
-                          <a:ea typeface="標楷體" panose="03000509000000000000" pitchFamily="65" charset="-120"/>
-                        </a:rPr>
-                        <a:t>A [V]</a:t>
-                      </a:r>
-                      <a:endParaRPr lang="en-US" sz="1600" b="0" i="0" u="none" strike="noStrike">
-                        <a:solidFill>
-                          <a:srgbClr val="000000"/>
-                        </a:solidFill>
-                        <a:effectLst/>
-                        <a:latin typeface="標楷體" panose="03000509000000000000" pitchFamily="65" charset="-120"/>
-                        <a:ea typeface="標楷體" panose="03000509000000000000" pitchFamily="65" charset="-120"/>
-                      </a:endParaRPr>
-                    </a:p>
-                  </a:txBody>
-                  <a:tcPr marL="9525" marR="9525" marT="9525" marB="0" anchor="b"/>
+                  <a:tcPr anchor="ctr"/>
                 </a:tc>
                 <a:tc>
                   <a:txBody>
                     <a:bodyPr/>
                     <a:lstStyle/>
                     <a:p>
-                      <a:pPr algn="r" fontAlgn="b"/>
+                      <a:pPr algn="ctr">
+                        <a:defRPr sz="1200"/>
+                      </a:pPr>
                       <a:r>
-                        <a:rPr lang="en-US" altLang="zh-TW" sz="1400" u="none" strike="noStrike">
-                          <a:effectLst/>
-                          <a:latin typeface="標楷體" panose="03000509000000000000" pitchFamily="65" charset="-120"/>
-                          <a:ea typeface="標楷體" panose="03000509000000000000" pitchFamily="65" charset="-120"/>
+                        <a:rPr sz="1600" b="0">
+                          <a:solidFill>
+                            <a:schemeClr val="tx1"/>
+                          </a:solidFill>
                         </a:rPr>
-                        <a:t>5.15</a:t>
+                        <a:t>62%</a:t>
                       </a:r>
-                      <a:endParaRPr lang="en-US" altLang="zh-TW" sz="1400" b="0" i="0" u="none" strike="noStrike">
+                      <a:endParaRPr sz="1600" b="0">
                         <a:solidFill>
-                          <a:srgbClr val="000000"/>
+                          <a:schemeClr val="tx1"/>
                         </a:solidFill>
-                        <a:effectLst/>
-                        <a:latin typeface="標楷體" panose="03000509000000000000" pitchFamily="65" charset="-120"/>
-                        <a:ea typeface="標楷體" panose="03000509000000000000" pitchFamily="65" charset="-120"/>
+                        <a:latin typeface="Times New Roman" panose="02020603050405020304" pitchFamily="18" charset="0"/>
+                        <a:cs typeface="Times New Roman" panose="02020603050405020304" pitchFamily="18" charset="0"/>
                       </a:endParaRPr>
                     </a:p>
                   </a:txBody>
-                  <a:tcPr marL="9525" marR="9525" marT="9525" marB="0" anchor="b"/>
+                  <a:tcPr anchor="ctr"/>
                 </a:tc>
                 <a:tc>
                   <a:txBody>
                     <a:bodyPr/>
                     <a:lstStyle/>
                     <a:p>
-                      <a:pPr algn="r" fontAlgn="b"/>
+                      <a:pPr algn="ctr">
+                        <a:defRPr sz="1200"/>
+                      </a:pPr>
                       <a:r>
-                        <a:rPr lang="en-US" altLang="zh-TW" sz="1400" u="none" strike="noStrike">
-                          <a:effectLst/>
-                          <a:latin typeface="標楷體" panose="03000509000000000000" pitchFamily="65" charset="-120"/>
-                          <a:ea typeface="標楷體" panose="03000509000000000000" pitchFamily="65" charset="-120"/>
+                        <a:rPr sz="1600" b="0" dirty="0">
+                          <a:solidFill>
+                            <a:schemeClr val="tx1"/>
+                          </a:solidFill>
                         </a:rPr>
-                        <a:t>5.15</a:t>
+                        <a:t>5000</a:t>
                       </a:r>
-                      <a:endParaRPr lang="en-US" altLang="zh-TW" sz="1400" b="0" i="0" u="none" strike="noStrike">
+                      <a:endParaRPr sz="1600" b="0" dirty="0">
                         <a:solidFill>
-                          <a:srgbClr val="000000"/>
+                          <a:schemeClr val="tx1"/>
                         </a:solidFill>
-                        <a:effectLst/>
-                        <a:latin typeface="標楷體" panose="03000509000000000000" pitchFamily="65" charset="-120"/>
-                        <a:ea typeface="標楷體" panose="03000509000000000000" pitchFamily="65" charset="-120"/>
+                        <a:latin typeface="Times New Roman" panose="02020603050405020304" pitchFamily="18" charset="0"/>
+                        <a:cs typeface="Times New Roman" panose="02020603050405020304" pitchFamily="18" charset="0"/>
                       </a:endParaRPr>
                     </a:p>
                   </a:txBody>
-                  <a:tcPr marL="9525" marR="9525" marT="9525" marB="0" anchor="b"/>
+                  <a:tcPr anchor="ctr"/>
                 </a:tc>
                 <a:tc>
                   <a:txBody>
                     <a:bodyPr/>
                     <a:lstStyle/>
                     <a:p>
-                      <a:pPr algn="r" fontAlgn="b"/>
+                      <a:pPr algn="ctr">
+                        <a:defRPr sz="1200"/>
+                      </a:pPr>
                       <a:r>
-                        <a:rPr lang="en-US" altLang="zh-TW" sz="1400" u="none" strike="noStrike">
-                          <a:effectLst/>
-                          <a:latin typeface="標楷體" panose="03000509000000000000" pitchFamily="65" charset="-120"/>
-                          <a:ea typeface="標楷體" panose="03000509000000000000" pitchFamily="65" charset="-120"/>
+                        <a:rPr sz="1600" b="0">
+                          <a:solidFill>
+                            <a:schemeClr val="tx1"/>
+                          </a:solidFill>
                         </a:rPr>
-                        <a:t>5</a:t>
+                        <a:t>666</a:t>
                       </a:r>
-                      <a:endParaRPr lang="en-US" altLang="zh-TW" sz="1400" b="0" i="0" u="none" strike="noStrike">
+                      <a:endParaRPr sz="1600" b="0">
                         <a:solidFill>
-                          <a:srgbClr val="000000"/>
+                          <a:schemeClr val="tx1"/>
                         </a:solidFill>
-                        <a:effectLst/>
-                        <a:latin typeface="標楷體" panose="03000509000000000000" pitchFamily="65" charset="-120"/>
-                        <a:ea typeface="標楷體" panose="03000509000000000000" pitchFamily="65" charset="-120"/>
+                        <a:latin typeface="Times New Roman" panose="02020603050405020304" pitchFamily="18" charset="0"/>
+                        <a:cs typeface="Times New Roman" panose="02020603050405020304" pitchFamily="18" charset="0"/>
                       </a:endParaRPr>
                     </a:p>
                   </a:txBody>
-                  <a:tcPr marL="9525" marR="9525" marT="9525" marB="0" anchor="b"/>
+                  <a:tcPr anchor="ctr"/>
+                </a:tc>
+                <a:extLst>
+                  <a:ext uri="{0D108BD9-81ED-4DB2-BD59-A6C34878D82A}">
+                    <a16:rowId xmlns:a16="http://schemas.microsoft.com/office/drawing/2014/main" val="10004"/>
+                  </a:ext>
+                </a:extLst>
+              </a:tr>
+              <a:tr h="497566">
+                <a:tc vMerge="1">
+                  <a:txBody>
+                    <a:bodyPr/>
+                    <a:lstStyle/>
+                    <a:p>
+                      <a:pPr algn="ctr">
+                        <a:defRPr sz="1200"/>
+                      </a:pPr>
+                      <a:endParaRPr dirty="0"/>
+                    </a:p>
+                  </a:txBody>
+                  <a:tcPr/>
                 </a:tc>
                 <a:tc>
                   <a:txBody>
                     <a:bodyPr/>
                     <a:lstStyle/>
                     <a:p>
-                      <a:pPr algn="r" fontAlgn="b"/>
+                      <a:pPr algn="ctr">
+                        <a:defRPr sz="1200"/>
+                      </a:pPr>
                       <a:r>
-                        <a:rPr lang="en-US" altLang="zh-TW" sz="1400" u="none" strike="noStrike">
-                          <a:effectLst/>
-                          <a:latin typeface="標楷體" panose="03000509000000000000" pitchFamily="65" charset="-120"/>
-                          <a:ea typeface="標楷體" panose="03000509000000000000" pitchFamily="65" charset="-120"/>
+                        <a:rPr sz="1600" b="0">
+                          <a:solidFill>
+                            <a:schemeClr val="tx1"/>
+                          </a:solidFill>
                         </a:rPr>
-                        <a:t>5.3</a:t>
+                        <a:t>Ri = 100K，Ci = 0.1μ</a:t>
                       </a:r>
-                      <a:endParaRPr lang="en-US" altLang="zh-TW" sz="1400" b="0" i="0" u="none" strike="noStrike">
+                      <a:endParaRPr sz="1600" b="0">
                         <a:solidFill>
-                          <a:srgbClr val="000000"/>
+                          <a:schemeClr val="tx1"/>
                         </a:solidFill>
-                        <a:effectLst/>
-                        <a:latin typeface="標楷體" panose="03000509000000000000" pitchFamily="65" charset="-120"/>
-                        <a:ea typeface="標楷體" panose="03000509000000000000" pitchFamily="65" charset="-120"/>
+                        <a:latin typeface="Times New Roman" panose="02020603050405020304" pitchFamily="18" charset="0"/>
+                        <a:cs typeface="Times New Roman" panose="02020603050405020304" pitchFamily="18" charset="0"/>
                       </a:endParaRPr>
                     </a:p>
                   </a:txBody>
-                  <a:tcPr marL="9525" marR="9525" marT="9525" marB="0" anchor="b"/>
+                  <a:tcPr anchor="ctr"/>
                 </a:tc>
                 <a:tc>
                   <a:txBody>
                     <a:bodyPr/>
                     <a:lstStyle/>
                     <a:p>
-                      <a:pPr algn="r" fontAlgn="b"/>
+                      <a:pPr algn="ctr">
+                        <a:defRPr sz="1200"/>
+                      </a:pPr>
                       <a:r>
-                        <a:rPr lang="en-US" altLang="zh-TW" sz="1400" u="none" strike="noStrike" dirty="0">
-                          <a:effectLst/>
-                          <a:latin typeface="標楷體" panose="03000509000000000000" pitchFamily="65" charset="-120"/>
-                          <a:ea typeface="標楷體" panose="03000509000000000000" pitchFamily="65" charset="-120"/>
+                        <a:rPr sz="1600" b="0">
+                          <a:solidFill>
+                            <a:schemeClr val="tx1"/>
+                          </a:solidFill>
                         </a:rPr>
-                        <a:t>5.3</a:t>
+                        <a:t>-10</a:t>
                       </a:r>
-                      <a:endParaRPr lang="en-US" altLang="zh-TW" sz="1400" b="0" i="0" u="none" strike="noStrike" dirty="0">
+                      <a:endParaRPr sz="1600" b="0">
                         <a:solidFill>
-                          <a:srgbClr val="000000"/>
+                          <a:schemeClr val="tx1"/>
                         </a:solidFill>
-                        <a:effectLst/>
-                        <a:latin typeface="標楷體" panose="03000509000000000000" pitchFamily="65" charset="-120"/>
-                        <a:ea typeface="標楷體" panose="03000509000000000000" pitchFamily="65" charset="-120"/>
+                        <a:latin typeface="Times New Roman" panose="02020603050405020304" pitchFamily="18" charset="0"/>
+                        <a:cs typeface="Times New Roman" panose="02020603050405020304" pitchFamily="18" charset="0"/>
                       </a:endParaRPr>
                     </a:p>
                   </a:txBody>
-                  <a:tcPr marL="9525" marR="9525" marT="9525" marB="0" anchor="b"/>
+                  <a:tcPr anchor="ctr"/>
                 </a:tc>
                 <a:tc>
                   <a:txBody>
                     <a:bodyPr/>
                     <a:lstStyle/>
                     <a:p>
-                      <a:pPr algn="r" fontAlgn="b"/>
+                      <a:pPr algn="ctr">
+                        <a:defRPr sz="1200"/>
+                      </a:pPr>
                       <a:r>
-                        <a:rPr lang="en-US" altLang="zh-TW" sz="1400" u="none" strike="noStrike">
-                          <a:effectLst/>
-                          <a:latin typeface="標楷體" panose="03000509000000000000" pitchFamily="65" charset="-120"/>
-                          <a:ea typeface="標楷體" panose="03000509000000000000" pitchFamily="65" charset="-120"/>
+                        <a:rPr sz="1600" b="0">
+                          <a:solidFill>
+                            <a:schemeClr val="tx1"/>
+                          </a:solidFill>
                         </a:rPr>
-                        <a:t>5.15</a:t>
+                        <a:t>63%</a:t>
                       </a:r>
-                      <a:endParaRPr lang="en-US" altLang="zh-TW" sz="1400" b="0" i="0" u="none" strike="noStrike">
+                      <a:endParaRPr sz="1600" b="0">
                         <a:solidFill>
-                          <a:srgbClr val="000000"/>
+                          <a:schemeClr val="tx1"/>
                         </a:solidFill>
-                        <a:effectLst/>
-                        <a:latin typeface="標楷體" panose="03000509000000000000" pitchFamily="65" charset="-120"/>
-                        <a:ea typeface="標楷體" panose="03000509000000000000" pitchFamily="65" charset="-120"/>
+                        <a:latin typeface="Times New Roman" panose="02020603050405020304" pitchFamily="18" charset="0"/>
+                        <a:cs typeface="Times New Roman" panose="02020603050405020304" pitchFamily="18" charset="0"/>
                       </a:endParaRPr>
                     </a:p>
                   </a:txBody>
-                  <a:tcPr marL="9525" marR="9525" marT="9525" marB="0" anchor="b"/>
+                  <a:tcPr anchor="ctr"/>
                 </a:tc>
                 <a:tc>
                   <a:txBody>
                     <a:bodyPr/>
                     <a:lstStyle/>
                     <a:p>
-                      <a:pPr algn="r" fontAlgn="b"/>
+                      <a:pPr algn="ctr">
+                        <a:defRPr sz="1200"/>
+                      </a:pPr>
                       <a:r>
-                        <a:rPr lang="en-US" altLang="zh-TW" sz="1400" u="none" strike="noStrike">
-                          <a:effectLst/>
-                          <a:latin typeface="標楷體" panose="03000509000000000000" pitchFamily="65" charset="-120"/>
-                          <a:ea typeface="標楷體" panose="03000509000000000000" pitchFamily="65" charset="-120"/>
+                        <a:rPr sz="1600" b="0" dirty="0">
+                          <a:solidFill>
+                            <a:schemeClr val="tx1"/>
+                          </a:solidFill>
                         </a:rPr>
-                        <a:t>5.15</a:t>
+                        <a:t>5200</a:t>
                       </a:r>
-                      <a:endParaRPr lang="en-US" altLang="zh-TW" sz="1400" b="0" i="0" u="none" strike="noStrike">
+                      <a:endParaRPr sz="1600" b="0" dirty="0">
                         <a:solidFill>
-                          <a:srgbClr val="000000"/>
+                          <a:schemeClr val="tx1"/>
                         </a:solidFill>
-                        <a:effectLst/>
-                        <a:latin typeface="標楷體" panose="03000509000000000000" pitchFamily="65" charset="-120"/>
-                        <a:ea typeface="標楷體" panose="03000509000000000000" pitchFamily="65" charset="-120"/>
+                        <a:latin typeface="Times New Roman" panose="02020603050405020304" pitchFamily="18" charset="0"/>
+                        <a:cs typeface="Times New Roman" panose="02020603050405020304" pitchFamily="18" charset="0"/>
                       </a:endParaRPr>
                     </a:p>
                   </a:txBody>
-                  <a:tcPr marL="9525" marR="9525" marT="9525" marB="0" anchor="b"/>
+                  <a:tcPr anchor="ctr"/>
                 </a:tc>
                 <a:tc>
                   <a:txBody>
                     <a:bodyPr/>
                     <a:lstStyle/>
                     <a:p>
-                      <a:pPr algn="r" fontAlgn="b"/>
+                      <a:pPr algn="ctr">
+                        <a:defRPr sz="1200"/>
+                      </a:pPr>
                       <a:r>
-                        <a:rPr lang="en-US" altLang="zh-TW" sz="1400" u="none" strike="noStrike">
-                          <a:effectLst/>
-                          <a:latin typeface="標楷體" panose="03000509000000000000" pitchFamily="65" charset="-120"/>
-                          <a:ea typeface="標楷體" panose="03000509000000000000" pitchFamily="65" charset="-120"/>
+                        <a:rPr sz="1600" b="0" dirty="0">
+                          <a:solidFill>
+                            <a:schemeClr val="tx1"/>
+                          </a:solidFill>
                         </a:rPr>
-                        <a:t>5.15</a:t>
+                        <a:t>640</a:t>
                       </a:r>
-                      <a:endParaRPr lang="en-US" altLang="zh-TW" sz="1400" b="0" i="0" u="none" strike="noStrike">
+                      <a:endParaRPr sz="1600" b="0" dirty="0">
                         <a:solidFill>
-                          <a:srgbClr val="000000"/>
+                          <a:schemeClr val="tx1"/>
                         </a:solidFill>
-                        <a:effectLst/>
-                        <a:latin typeface="標楷體" panose="03000509000000000000" pitchFamily="65" charset="-120"/>
-                        <a:ea typeface="標楷體" panose="03000509000000000000" pitchFamily="65" charset="-120"/>
+                        <a:latin typeface="Times New Roman" panose="02020603050405020304" pitchFamily="18" charset="0"/>
+                        <a:cs typeface="Times New Roman" panose="02020603050405020304" pitchFamily="18" charset="0"/>
                       </a:endParaRPr>
                     </a:p>
                   </a:txBody>
-                  <a:tcPr marL="9525" marR="9525" marT="9525" marB="0" anchor="b"/>
+                  <a:tcPr anchor="ctr"/>
+                </a:tc>
+                <a:extLst>
+                  <a:ext uri="{0D108BD9-81ED-4DB2-BD59-A6C34878D82A}">
+                    <a16:rowId xmlns:a16="http://schemas.microsoft.com/office/drawing/2014/main" val="10005"/>
+                  </a:ext>
+                </a:extLst>
+              </a:tr>
+              <a:tr h="497572">
+                <a:tc vMerge="1">
+                  <a:txBody>
+                    <a:bodyPr/>
+                    <a:lstStyle/>
+                    <a:p>
+                      <a:pPr algn="ctr">
+                        <a:defRPr sz="1200"/>
+                      </a:pPr>
+                      <a:endParaRPr dirty="0"/>
+                    </a:p>
+                  </a:txBody>
+                  <a:tcPr/>
                 </a:tc>
                 <a:tc>
                   <a:txBody>
                     <a:bodyPr/>
                     <a:lstStyle/>
                     <a:p>
-                      <a:pPr algn="r" fontAlgn="b"/>
+                      <a:pPr algn="ctr">
+                        <a:defRPr sz="1200"/>
+                      </a:pPr>
                       <a:r>
-                        <a:rPr lang="en-US" altLang="zh-TW" sz="1400" u="none" strike="noStrike">
-                          <a:effectLst/>
-                          <a:latin typeface="標楷體" panose="03000509000000000000" pitchFamily="65" charset="-120"/>
-                          <a:ea typeface="標楷體" panose="03000509000000000000" pitchFamily="65" charset="-120"/>
+                        <a:rPr sz="1600" b="0">
+                          <a:solidFill>
+                            <a:schemeClr val="tx1"/>
+                          </a:solidFill>
                         </a:rPr>
-                        <a:t>5.25</a:t>
+                        <a:t>Ri = 100K，Ci = 1μ</a:t>
                       </a:r>
-                      <a:endParaRPr lang="en-US" altLang="zh-TW" sz="1400" b="0" i="0" u="none" strike="noStrike">
+                      <a:endParaRPr sz="1600" b="0">
                         <a:solidFill>
-                          <a:srgbClr val="000000"/>
+                          <a:schemeClr val="tx1"/>
                         </a:solidFill>
-                        <a:effectLst/>
-                        <a:latin typeface="標楷體" panose="03000509000000000000" pitchFamily="65" charset="-120"/>
-                        <a:ea typeface="標楷體" panose="03000509000000000000" pitchFamily="65" charset="-120"/>
+                        <a:latin typeface="Times New Roman" panose="02020603050405020304" pitchFamily="18" charset="0"/>
+                        <a:cs typeface="Times New Roman" panose="02020603050405020304" pitchFamily="18" charset="0"/>
                       </a:endParaRPr>
                     </a:p>
                   </a:txBody>
-                  <a:tcPr marL="9525" marR="9525" marT="9525" marB="0" anchor="b"/>
+                  <a:tcPr anchor="ctr"/>
                 </a:tc>
                 <a:tc>
                   <a:txBody>
                     <a:bodyPr/>
                     <a:lstStyle/>
                     <a:p>
-                      <a:pPr algn="r" fontAlgn="b"/>
+                      <a:pPr algn="ctr">
+                        <a:defRPr sz="1200"/>
+                      </a:pPr>
                       <a:r>
-                        <a:rPr lang="en-US" altLang="zh-TW" sz="1400" u="none" strike="noStrike">
-                          <a:effectLst/>
-                          <a:latin typeface="標楷體" panose="03000509000000000000" pitchFamily="65" charset="-120"/>
-                          <a:ea typeface="標楷體" panose="03000509000000000000" pitchFamily="65" charset="-120"/>
+                        <a:rPr sz="1600" b="0">
+                          <a:solidFill>
+                            <a:schemeClr val="tx1"/>
+                          </a:solidFill>
                         </a:rPr>
-                        <a:t>5.03</a:t>
+                        <a:t>-10</a:t>
                       </a:r>
-                      <a:endParaRPr lang="en-US" altLang="zh-TW" sz="1400" b="0" i="0" u="none" strike="noStrike">
+                      <a:endParaRPr sz="1600" b="0">
                         <a:solidFill>
-                          <a:srgbClr val="000000"/>
+                          <a:schemeClr val="tx1"/>
                         </a:solidFill>
-                        <a:effectLst/>
-                        <a:latin typeface="標楷體" panose="03000509000000000000" pitchFamily="65" charset="-120"/>
-                        <a:ea typeface="標楷體" panose="03000509000000000000" pitchFamily="65" charset="-120"/>
+                        <a:latin typeface="Times New Roman" panose="02020603050405020304" pitchFamily="18" charset="0"/>
+                        <a:cs typeface="Times New Roman" panose="02020603050405020304" pitchFamily="18" charset="0"/>
                       </a:endParaRPr>
                     </a:p>
                   </a:txBody>
-                  <a:tcPr marL="9525" marR="9525" marT="9525" marB="0" anchor="b"/>
+                  <a:tcPr anchor="ctr"/>
                 </a:tc>
                 <a:tc>
                   <a:txBody>
                     <a:bodyPr/>
                     <a:lstStyle/>
                     <a:p>
-                      <a:pPr algn="r" fontAlgn="b"/>
+                      <a:pPr algn="ctr">
+                        <a:defRPr sz="1200"/>
+                      </a:pPr>
                       <a:r>
-                        <a:rPr lang="en-US" altLang="zh-TW" sz="1400" u="none" strike="noStrike">
-                          <a:effectLst/>
-                          <a:latin typeface="標楷體" panose="03000509000000000000" pitchFamily="65" charset="-120"/>
-                          <a:ea typeface="標楷體" panose="03000509000000000000" pitchFamily="65" charset="-120"/>
+                        <a:rPr sz="1600" b="0" dirty="0">
+                          <a:solidFill>
+                            <a:schemeClr val="tx1"/>
+                          </a:solidFill>
                         </a:rPr>
-                        <a:t>5</a:t>
+                        <a:t>40%</a:t>
                       </a:r>
-                      <a:endParaRPr lang="en-US" altLang="zh-TW" sz="1400" b="0" i="0" u="none" strike="noStrike">
+                      <a:endParaRPr sz="1600" b="0" dirty="0">
                         <a:solidFill>
-                          <a:srgbClr val="000000"/>
+                          <a:schemeClr val="tx1"/>
                         </a:solidFill>
-                        <a:effectLst/>
-                        <a:latin typeface="標楷體" panose="03000509000000000000" pitchFamily="65" charset="-120"/>
-                        <a:ea typeface="標楷體" panose="03000509000000000000" pitchFamily="65" charset="-120"/>
+                        <a:latin typeface="Times New Roman" panose="02020603050405020304" pitchFamily="18" charset="0"/>
+                        <a:cs typeface="Times New Roman" panose="02020603050405020304" pitchFamily="18" charset="0"/>
                       </a:endParaRPr>
                     </a:p>
                   </a:txBody>
-                  <a:tcPr marL="9525" marR="9525" marT="9525" marB="0" anchor="b"/>
-                </a:tc>
-                <a:extLst>
-                  <a:ext uri="{0D108BD9-81ED-4DB2-BD59-A6C34878D82A}">
-                    <a16:rowId xmlns:a16="http://schemas.microsoft.com/office/drawing/2014/main" val="2849800664"/>
-                  </a:ext>
-                </a:extLst>
-              </a:tr>
-              <a:tr h="245886">
-                <a:tc>
-                  <a:txBody>
-                    <a:bodyPr/>
-                    <a:lstStyle/>
-                    <a:p>
-                      <a:pPr algn="l" fontAlgn="b"/>
-                      <a:r>
-                        <a:rPr lang="en-US" sz="1600" u="none" strike="noStrike">
-                          <a:effectLst/>
-                          <a:latin typeface="標楷體" panose="03000509000000000000" pitchFamily="65" charset="-120"/>
-                          <a:ea typeface="標楷體" panose="03000509000000000000" pitchFamily="65" charset="-120"/>
-                        </a:rPr>
-                        <a:t>B [V]</a:t>
-                      </a:r>
-                      <a:endParaRPr lang="en-US" sz="1600" b="0" i="0" u="none" strike="noStrike">
-                        <a:solidFill>
-                          <a:srgbClr val="000000"/>
-                        </a:solidFill>
-                        <a:effectLst/>
-                        <a:latin typeface="標楷體" panose="03000509000000000000" pitchFamily="65" charset="-120"/>
-                        <a:ea typeface="標楷體" panose="03000509000000000000" pitchFamily="65" charset="-120"/>
-                      </a:endParaRPr>
-                    </a:p>
-                  </a:txBody>
-                  <a:tcPr marL="9525" marR="9525" marT="9525" marB="0" anchor="b"/>
+                  <a:tcPr anchor="ctr"/>
                 </a:tc>
                 <a:tc>
                   <a:txBody>
                     <a:bodyPr/>
                     <a:lstStyle/>
                     <a:p>
-                      <a:pPr algn="r" fontAlgn="b"/>
+                      <a:pPr algn="ctr">
+                        <a:defRPr sz="1200"/>
+                      </a:pPr>
                       <a:r>
-                        <a:rPr lang="en-US" altLang="zh-TW" sz="1400" u="none" strike="noStrike">
-                          <a:effectLst/>
-                          <a:latin typeface="標楷體" panose="03000509000000000000" pitchFamily="65" charset="-120"/>
-                          <a:ea typeface="標楷體" panose="03000509000000000000" pitchFamily="65" charset="-120"/>
+                        <a:rPr sz="1600" b="0">
+                          <a:solidFill>
+                            <a:schemeClr val="tx1"/>
+                          </a:solidFill>
                         </a:rPr>
-                        <a:t>4.95</a:t>
+                        <a:t>4100</a:t>
                       </a:r>
-                      <a:endParaRPr lang="en-US" altLang="zh-TW" sz="1400" b="0" i="0" u="none" strike="noStrike">
+                      <a:endParaRPr sz="1600" b="0">
                         <a:solidFill>
-                          <a:srgbClr val="000000"/>
+                          <a:schemeClr val="tx1"/>
                         </a:solidFill>
-                        <a:effectLst/>
-                        <a:latin typeface="標楷體" panose="03000509000000000000" pitchFamily="65" charset="-120"/>
-                        <a:ea typeface="標楷體" panose="03000509000000000000" pitchFamily="65" charset="-120"/>
+                        <a:latin typeface="Times New Roman" panose="02020603050405020304" pitchFamily="18" charset="0"/>
+                        <a:cs typeface="Times New Roman" panose="02020603050405020304" pitchFamily="18" charset="0"/>
                       </a:endParaRPr>
                     </a:p>
                   </a:txBody>
-                  <a:tcPr marL="9525" marR="9525" marT="9525" marB="0" anchor="b"/>
+                  <a:tcPr anchor="ctr"/>
                 </a:tc>
                 <a:tc>
                   <a:txBody>
                     <a:bodyPr/>
                     <a:lstStyle/>
                     <a:p>
-                      <a:pPr algn="r" fontAlgn="b"/>
+                      <a:pPr algn="ctr">
+                        <a:defRPr sz="1200"/>
+                      </a:pPr>
                       <a:r>
-                        <a:rPr lang="en-US" altLang="zh-TW" sz="1400" u="none" strike="noStrike">
-                          <a:effectLst/>
-                          <a:latin typeface="標楷體" panose="03000509000000000000" pitchFamily="65" charset="-120"/>
-                          <a:ea typeface="標楷體" panose="03000509000000000000" pitchFamily="65" charset="-120"/>
+                        <a:rPr sz="1600" b="0" dirty="0">
+                          <a:solidFill>
+                            <a:schemeClr val="tx1"/>
+                          </a:solidFill>
                         </a:rPr>
-                        <a:t>5.1</a:t>
+                        <a:t>650</a:t>
                       </a:r>
-                      <a:endParaRPr lang="en-US" altLang="zh-TW" sz="1400" b="0" i="0" u="none" strike="noStrike">
+                      <a:endParaRPr sz="1600" b="0" dirty="0">
                         <a:solidFill>
-                          <a:srgbClr val="000000"/>
+                          <a:schemeClr val="tx1"/>
                         </a:solidFill>
-                        <a:effectLst/>
-                        <a:latin typeface="標楷體" panose="03000509000000000000" pitchFamily="65" charset="-120"/>
-                        <a:ea typeface="標楷體" panose="03000509000000000000" pitchFamily="65" charset="-120"/>
+                        <a:latin typeface="Times New Roman" panose="02020603050405020304" pitchFamily="18" charset="0"/>
+                        <a:cs typeface="Times New Roman" panose="02020603050405020304" pitchFamily="18" charset="0"/>
                       </a:endParaRPr>
                     </a:p>
                   </a:txBody>
-                  <a:tcPr marL="9525" marR="9525" marT="9525" marB="0" anchor="b"/>
-                </a:tc>
-                <a:tc>
-                  <a:txBody>
-                    <a:bodyPr/>
-                    <a:lstStyle/>
-                    <a:p>
-                      <a:pPr algn="r" fontAlgn="b"/>
-                      <a:r>
-                        <a:rPr lang="en-US" altLang="zh-TW" sz="1400" u="none" strike="noStrike">
-                          <a:effectLst/>
-                          <a:latin typeface="標楷體" panose="03000509000000000000" pitchFamily="65" charset="-120"/>
-                          <a:ea typeface="標楷體" panose="03000509000000000000" pitchFamily="65" charset="-120"/>
-                        </a:rPr>
-                        <a:t>4.2</a:t>
-                      </a:r>
-                      <a:endParaRPr lang="en-US" altLang="zh-TW" sz="1400" b="0" i="0" u="none" strike="noStrike">
-                        <a:solidFill>
-                          <a:srgbClr val="000000"/>
-                        </a:solidFill>
-                        <a:effectLst/>
-                        <a:latin typeface="標楷體" panose="03000509000000000000" pitchFamily="65" charset="-120"/>
-                        <a:ea typeface="標楷體" panose="03000509000000000000" pitchFamily="65" charset="-120"/>
-                      </a:endParaRPr>
-                    </a:p>
-                  </a:txBody>
-                  <a:tcPr marL="9525" marR="9525" marT="9525" marB="0" anchor="b"/>
-                </a:tc>
-                <a:tc>
-                  <a:txBody>
-                    <a:bodyPr/>
-                    <a:lstStyle/>
-                    <a:p>
-                      <a:pPr algn="r" fontAlgn="b"/>
-                      <a:r>
-                        <a:rPr lang="en-US" altLang="zh-TW" sz="1400" u="none" strike="noStrike" dirty="0">
-                          <a:effectLst/>
-                          <a:latin typeface="標楷體" panose="03000509000000000000" pitchFamily="65" charset="-120"/>
-                          <a:ea typeface="標楷體" panose="03000509000000000000" pitchFamily="65" charset="-120"/>
-                        </a:rPr>
-                        <a:t>3.05</a:t>
-                      </a:r>
-                      <a:endParaRPr lang="en-US" altLang="zh-TW" sz="1400" b="0" i="0" u="none" strike="noStrike" dirty="0">
-                        <a:solidFill>
-                          <a:srgbClr val="000000"/>
-                        </a:solidFill>
-                        <a:effectLst/>
-                        <a:latin typeface="標楷體" panose="03000509000000000000" pitchFamily="65" charset="-120"/>
-                        <a:ea typeface="標楷體" panose="03000509000000000000" pitchFamily="65" charset="-120"/>
-                      </a:endParaRPr>
-                    </a:p>
-                  </a:txBody>
-                  <a:tcPr marL="9525" marR="9525" marT="9525" marB="0" anchor="b"/>
-                </a:tc>
-                <a:tc>
-                  <a:txBody>
-                    <a:bodyPr/>
-                    <a:lstStyle/>
-                    <a:p>
-                      <a:pPr algn="r" fontAlgn="b"/>
-                      <a:r>
-                        <a:rPr lang="en-US" altLang="zh-TW" sz="1400" u="none" strike="noStrike">
-                          <a:effectLst/>
-                          <a:latin typeface="標楷體" panose="03000509000000000000" pitchFamily="65" charset="-120"/>
-                          <a:ea typeface="標楷體" panose="03000509000000000000" pitchFamily="65" charset="-120"/>
-                        </a:rPr>
-                        <a:t>2.4</a:t>
-                      </a:r>
-                      <a:endParaRPr lang="en-US" altLang="zh-TW" sz="1400" b="0" i="0" u="none" strike="noStrike">
-                        <a:solidFill>
-                          <a:srgbClr val="000000"/>
-                        </a:solidFill>
-                        <a:effectLst/>
-                        <a:latin typeface="標楷體" panose="03000509000000000000" pitchFamily="65" charset="-120"/>
-                        <a:ea typeface="標楷體" panose="03000509000000000000" pitchFamily="65" charset="-120"/>
-                      </a:endParaRPr>
-                    </a:p>
-                  </a:txBody>
-                  <a:tcPr marL="9525" marR="9525" marT="9525" marB="0" anchor="b"/>
-                </a:tc>
-                <a:tc>
-                  <a:txBody>
-                    <a:bodyPr/>
-                    <a:lstStyle/>
-                    <a:p>
-                      <a:pPr algn="r" fontAlgn="b"/>
-                      <a:r>
-                        <a:rPr lang="en-US" altLang="zh-TW" sz="1400" u="none" strike="noStrike">
-                          <a:effectLst/>
-                          <a:latin typeface="標楷體" panose="03000509000000000000" pitchFamily="65" charset="-120"/>
-                          <a:ea typeface="標楷體" panose="03000509000000000000" pitchFamily="65" charset="-120"/>
-                        </a:rPr>
-                        <a:t>1.85</a:t>
-                      </a:r>
-                      <a:endParaRPr lang="en-US" altLang="zh-TW" sz="1400" b="0" i="0" u="none" strike="noStrike">
-                        <a:solidFill>
-                          <a:srgbClr val="000000"/>
-                        </a:solidFill>
-                        <a:effectLst/>
-                        <a:latin typeface="標楷體" panose="03000509000000000000" pitchFamily="65" charset="-120"/>
-                        <a:ea typeface="標楷體" panose="03000509000000000000" pitchFamily="65" charset="-120"/>
-                      </a:endParaRPr>
-                    </a:p>
-                  </a:txBody>
-                  <a:tcPr marL="9525" marR="9525" marT="9525" marB="0" anchor="b"/>
-                </a:tc>
-                <a:tc>
-                  <a:txBody>
-                    <a:bodyPr/>
-                    <a:lstStyle/>
-                    <a:p>
-                      <a:pPr algn="r" fontAlgn="b"/>
-                      <a:r>
-                        <a:rPr lang="en-US" altLang="zh-TW" sz="1400" u="none" strike="noStrike">
-                          <a:effectLst/>
-                          <a:latin typeface="標楷體" panose="03000509000000000000" pitchFamily="65" charset="-120"/>
-                          <a:ea typeface="標楷體" panose="03000509000000000000" pitchFamily="65" charset="-120"/>
-                        </a:rPr>
-                        <a:t>1.05</a:t>
-                      </a:r>
-                      <a:endParaRPr lang="en-US" altLang="zh-TW" sz="1400" b="0" i="0" u="none" strike="noStrike">
-                        <a:solidFill>
-                          <a:srgbClr val="000000"/>
-                        </a:solidFill>
-                        <a:effectLst/>
-                        <a:latin typeface="標楷體" panose="03000509000000000000" pitchFamily="65" charset="-120"/>
-                        <a:ea typeface="標楷體" panose="03000509000000000000" pitchFamily="65" charset="-120"/>
-                      </a:endParaRPr>
-                    </a:p>
-                  </a:txBody>
-                  <a:tcPr marL="9525" marR="9525" marT="9525" marB="0" anchor="b"/>
-                </a:tc>
-                <a:tc>
-                  <a:txBody>
-                    <a:bodyPr/>
-                    <a:lstStyle/>
-                    <a:p>
-                      <a:pPr algn="r" fontAlgn="b"/>
-                      <a:r>
-                        <a:rPr lang="en-US" altLang="zh-TW" sz="1400" u="none" strike="noStrike">
-                          <a:effectLst/>
-                          <a:latin typeface="標楷體" panose="03000509000000000000" pitchFamily="65" charset="-120"/>
-                          <a:ea typeface="標楷體" panose="03000509000000000000" pitchFamily="65" charset="-120"/>
-                        </a:rPr>
-                        <a:t>0.65</a:t>
-                      </a:r>
-                      <a:endParaRPr lang="en-US" altLang="zh-TW" sz="1400" b="0" i="0" u="none" strike="noStrike">
-                        <a:solidFill>
-                          <a:srgbClr val="000000"/>
-                        </a:solidFill>
-                        <a:effectLst/>
-                        <a:latin typeface="標楷體" panose="03000509000000000000" pitchFamily="65" charset="-120"/>
-                        <a:ea typeface="標楷體" panose="03000509000000000000" pitchFamily="65" charset="-120"/>
-                      </a:endParaRPr>
-                    </a:p>
-                  </a:txBody>
-                  <a:tcPr marL="9525" marR="9525" marT="9525" marB="0" anchor="b"/>
-                </a:tc>
-                <a:tc>
-                  <a:txBody>
-                    <a:bodyPr/>
-                    <a:lstStyle/>
-                    <a:p>
-                      <a:pPr algn="r" fontAlgn="b"/>
-                      <a:r>
-                        <a:rPr lang="en-US" altLang="zh-TW" sz="1400" u="none" strike="noStrike">
-                          <a:effectLst/>
-                          <a:latin typeface="標楷體" panose="03000509000000000000" pitchFamily="65" charset="-120"/>
-                          <a:ea typeface="標楷體" panose="03000509000000000000" pitchFamily="65" charset="-120"/>
-                        </a:rPr>
-                        <a:t>0.4</a:t>
-                      </a:r>
-                      <a:endParaRPr lang="en-US" altLang="zh-TW" sz="1400" b="0" i="0" u="none" strike="noStrike">
-                        <a:solidFill>
-                          <a:srgbClr val="000000"/>
-                        </a:solidFill>
-                        <a:effectLst/>
-                        <a:latin typeface="標楷體" panose="03000509000000000000" pitchFamily="65" charset="-120"/>
-                        <a:ea typeface="標楷體" panose="03000509000000000000" pitchFamily="65" charset="-120"/>
-                      </a:endParaRPr>
-                    </a:p>
-                  </a:txBody>
-                  <a:tcPr marL="9525" marR="9525" marT="9525" marB="0" anchor="b"/>
-                </a:tc>
-                <a:tc>
-                  <a:txBody>
-                    <a:bodyPr/>
-                    <a:lstStyle/>
-                    <a:p>
-                      <a:pPr algn="r" fontAlgn="b"/>
-                      <a:r>
-                        <a:rPr lang="en-US" altLang="zh-TW" sz="1400" u="none" strike="noStrike">
-                          <a:effectLst/>
-                          <a:latin typeface="標楷體" panose="03000509000000000000" pitchFamily="65" charset="-120"/>
-                          <a:ea typeface="標楷體" panose="03000509000000000000" pitchFamily="65" charset="-120"/>
-                        </a:rPr>
-                        <a:t>0.6</a:t>
-                      </a:r>
-                      <a:endParaRPr lang="en-US" altLang="zh-TW" sz="1400" b="0" i="0" u="none" strike="noStrike">
-                        <a:solidFill>
-                          <a:srgbClr val="000000"/>
-                        </a:solidFill>
-                        <a:effectLst/>
-                        <a:latin typeface="標楷體" panose="03000509000000000000" pitchFamily="65" charset="-120"/>
-                        <a:ea typeface="標楷體" panose="03000509000000000000" pitchFamily="65" charset="-120"/>
-                      </a:endParaRPr>
-                    </a:p>
-                  </a:txBody>
-                  <a:tcPr marL="9525" marR="9525" marT="9525" marB="0" anchor="b"/>
-                </a:tc>
-                <a:tc>
-                  <a:txBody>
-                    <a:bodyPr/>
-                    <a:lstStyle/>
-                    <a:p>
-                      <a:pPr algn="r" fontAlgn="b"/>
-                      <a:r>
-                        <a:rPr lang="en-US" altLang="zh-TW" sz="1400" u="none" strike="noStrike">
-                          <a:effectLst/>
-                          <a:latin typeface="標楷體" panose="03000509000000000000" pitchFamily="65" charset="-120"/>
-                          <a:ea typeface="標楷體" panose="03000509000000000000" pitchFamily="65" charset="-120"/>
-                        </a:rPr>
-                        <a:t>0.6</a:t>
-                      </a:r>
-                      <a:endParaRPr lang="en-US" altLang="zh-TW" sz="1400" b="0" i="0" u="none" strike="noStrike">
-                        <a:solidFill>
-                          <a:srgbClr val="000000"/>
-                        </a:solidFill>
-                        <a:effectLst/>
-                        <a:latin typeface="標楷體" panose="03000509000000000000" pitchFamily="65" charset="-120"/>
-                        <a:ea typeface="標楷體" panose="03000509000000000000" pitchFamily="65" charset="-120"/>
-                      </a:endParaRPr>
-                    </a:p>
-                  </a:txBody>
-                  <a:tcPr marL="9525" marR="9525" marT="9525" marB="0" anchor="b"/>
+                  <a:tcPr anchor="ctr"/>
                 </a:tc>
                 <a:extLst>
                   <a:ext uri="{0D108BD9-81ED-4DB2-BD59-A6C34878D82A}">
-                    <a16:rowId xmlns:a16="http://schemas.microsoft.com/office/drawing/2014/main" val="989023610"/>
-                  </a:ext>
-                </a:extLst>
-              </a:tr>
-              <a:tr h="245886">
-                <a:tc>
-                  <a:txBody>
-                    <a:bodyPr/>
-                    <a:lstStyle/>
-                    <a:p>
-                      <a:pPr algn="l" fontAlgn="b"/>
-                      <a:r>
-                        <a:rPr lang="en-US" sz="1600" u="none" strike="noStrike">
-                          <a:effectLst/>
-                          <a:latin typeface="標楷體" panose="03000509000000000000" pitchFamily="65" charset="-120"/>
-                          <a:ea typeface="標楷體" panose="03000509000000000000" pitchFamily="65" charset="-120"/>
-                        </a:rPr>
-                        <a:t>𝑇1 [sec]</a:t>
-                      </a:r>
-                      <a:endParaRPr lang="en-US" sz="1600" b="0" i="0" u="none" strike="noStrike">
-                        <a:solidFill>
-                          <a:srgbClr val="000000"/>
-                        </a:solidFill>
-                        <a:effectLst/>
-                        <a:latin typeface="標楷體" panose="03000509000000000000" pitchFamily="65" charset="-120"/>
-                        <a:ea typeface="標楷體" panose="03000509000000000000" pitchFamily="65" charset="-120"/>
-                      </a:endParaRPr>
-                    </a:p>
-                  </a:txBody>
-                  <a:tcPr marL="9525" marR="9525" marT="9525" marB="0" anchor="b"/>
-                </a:tc>
-                <a:tc>
-                  <a:txBody>
-                    <a:bodyPr/>
-                    <a:lstStyle/>
-                    <a:p>
-                      <a:pPr algn="r" fontAlgn="b"/>
-                      <a:r>
-                        <a:rPr lang="en-US" altLang="zh-TW" sz="1400" u="none" strike="noStrike">
-                          <a:effectLst/>
-                          <a:latin typeface="標楷體" panose="03000509000000000000" pitchFamily="65" charset="-120"/>
-                          <a:ea typeface="標楷體" panose="03000509000000000000" pitchFamily="65" charset="-120"/>
-                        </a:rPr>
-                        <a:t>4.9</a:t>
-                      </a:r>
-                      <a:endParaRPr lang="en-US" altLang="zh-TW" sz="1400" b="0" i="0" u="none" strike="noStrike">
-                        <a:solidFill>
-                          <a:srgbClr val="000000"/>
-                        </a:solidFill>
-                        <a:effectLst/>
-                        <a:latin typeface="標楷體" panose="03000509000000000000" pitchFamily="65" charset="-120"/>
-                        <a:ea typeface="標楷體" panose="03000509000000000000" pitchFamily="65" charset="-120"/>
-                      </a:endParaRPr>
-                    </a:p>
-                  </a:txBody>
-                  <a:tcPr marL="9525" marR="9525" marT="9525" marB="0" anchor="b"/>
-                </a:tc>
-                <a:tc>
-                  <a:txBody>
-                    <a:bodyPr/>
-                    <a:lstStyle/>
-                    <a:p>
-                      <a:pPr algn="r" fontAlgn="b"/>
-                      <a:r>
-                        <a:rPr lang="en-US" altLang="zh-TW" sz="1400" u="none" strike="noStrike" dirty="0">
-                          <a:effectLst/>
-                          <a:latin typeface="標楷體" panose="03000509000000000000" pitchFamily="65" charset="-120"/>
-                          <a:ea typeface="標楷體" panose="03000509000000000000" pitchFamily="65" charset="-120"/>
-                        </a:rPr>
-                        <a:t>2.9</a:t>
-                      </a:r>
-                      <a:endParaRPr lang="en-US" altLang="zh-TW" sz="1400" b="0" i="0" u="none" strike="noStrike" dirty="0">
-                        <a:solidFill>
-                          <a:srgbClr val="000000"/>
-                        </a:solidFill>
-                        <a:effectLst/>
-                        <a:latin typeface="標楷體" panose="03000509000000000000" pitchFamily="65" charset="-120"/>
-                        <a:ea typeface="標楷體" panose="03000509000000000000" pitchFamily="65" charset="-120"/>
-                      </a:endParaRPr>
-                    </a:p>
-                  </a:txBody>
-                  <a:tcPr marL="9525" marR="9525" marT="9525" marB="0" anchor="b"/>
-                </a:tc>
-                <a:tc>
-                  <a:txBody>
-                    <a:bodyPr/>
-                    <a:lstStyle/>
-                    <a:p>
-                      <a:pPr algn="r" fontAlgn="b"/>
-                      <a:r>
-                        <a:rPr lang="en-US" altLang="zh-TW" sz="1400" u="none" strike="noStrike">
-                          <a:effectLst/>
-                          <a:latin typeface="標楷體" panose="03000509000000000000" pitchFamily="65" charset="-120"/>
-                          <a:ea typeface="標楷體" panose="03000509000000000000" pitchFamily="65" charset="-120"/>
-                        </a:rPr>
-                        <a:t>1.2</a:t>
-                      </a:r>
-                      <a:endParaRPr lang="en-US" altLang="zh-TW" sz="1400" b="0" i="0" u="none" strike="noStrike">
-                        <a:solidFill>
-                          <a:srgbClr val="000000"/>
-                        </a:solidFill>
-                        <a:effectLst/>
-                        <a:latin typeface="標楷體" panose="03000509000000000000" pitchFamily="65" charset="-120"/>
-                        <a:ea typeface="標楷體" panose="03000509000000000000" pitchFamily="65" charset="-120"/>
-                      </a:endParaRPr>
-                    </a:p>
-                  </a:txBody>
-                  <a:tcPr marL="9525" marR="9525" marT="9525" marB="0" anchor="b"/>
-                </a:tc>
-                <a:tc>
-                  <a:txBody>
-                    <a:bodyPr/>
-                    <a:lstStyle/>
-                    <a:p>
-                      <a:pPr algn="r" fontAlgn="b"/>
-                      <a:r>
-                        <a:rPr lang="en-US" altLang="zh-TW" sz="1400" u="none" strike="noStrike">
-                          <a:effectLst/>
-                          <a:latin typeface="標楷體" panose="03000509000000000000" pitchFamily="65" charset="-120"/>
-                          <a:ea typeface="標楷體" panose="03000509000000000000" pitchFamily="65" charset="-120"/>
-                        </a:rPr>
-                        <a:t>0.81</a:t>
-                      </a:r>
-                      <a:endParaRPr lang="en-US" altLang="zh-TW" sz="1400" b="0" i="0" u="none" strike="noStrike">
-                        <a:solidFill>
-                          <a:srgbClr val="000000"/>
-                        </a:solidFill>
-                        <a:effectLst/>
-                        <a:latin typeface="標楷體" panose="03000509000000000000" pitchFamily="65" charset="-120"/>
-                        <a:ea typeface="標楷體" panose="03000509000000000000" pitchFamily="65" charset="-120"/>
-                      </a:endParaRPr>
-                    </a:p>
-                  </a:txBody>
-                  <a:tcPr marL="9525" marR="9525" marT="9525" marB="0" anchor="b"/>
-                </a:tc>
-                <a:tc>
-                  <a:txBody>
-                    <a:bodyPr/>
-                    <a:lstStyle/>
-                    <a:p>
-                      <a:pPr algn="r" fontAlgn="b"/>
-                      <a:r>
-                        <a:rPr lang="en-US" altLang="zh-TW" sz="1400" u="none" strike="noStrike">
-                          <a:effectLst/>
-                          <a:latin typeface="標楷體" panose="03000509000000000000" pitchFamily="65" charset="-120"/>
-                          <a:ea typeface="標楷體" panose="03000509000000000000" pitchFamily="65" charset="-120"/>
-                        </a:rPr>
-                        <a:t>0.63</a:t>
-                      </a:r>
-                      <a:endParaRPr lang="en-US" altLang="zh-TW" sz="1400" b="0" i="0" u="none" strike="noStrike">
-                        <a:solidFill>
-                          <a:srgbClr val="000000"/>
-                        </a:solidFill>
-                        <a:effectLst/>
-                        <a:latin typeface="標楷體" panose="03000509000000000000" pitchFamily="65" charset="-120"/>
-                        <a:ea typeface="標楷體" panose="03000509000000000000" pitchFamily="65" charset="-120"/>
-                      </a:endParaRPr>
-                    </a:p>
-                  </a:txBody>
-                  <a:tcPr marL="9525" marR="9525" marT="9525" marB="0" anchor="b"/>
-                </a:tc>
-                <a:tc>
-                  <a:txBody>
-                    <a:bodyPr/>
-                    <a:lstStyle/>
-                    <a:p>
-                      <a:pPr algn="r" fontAlgn="b"/>
-                      <a:r>
-                        <a:rPr lang="en-US" altLang="zh-TW" sz="1400" u="none" strike="noStrike" dirty="0">
-                          <a:effectLst/>
-                          <a:latin typeface="標楷體" panose="03000509000000000000" pitchFamily="65" charset="-120"/>
-                          <a:ea typeface="標楷體" panose="03000509000000000000" pitchFamily="65" charset="-120"/>
-                        </a:rPr>
-                        <a:t>0.462</a:t>
-                      </a:r>
-                      <a:endParaRPr lang="en-US" altLang="zh-TW" sz="1400" b="0" i="0" u="none" strike="noStrike" dirty="0">
-                        <a:solidFill>
-                          <a:srgbClr val="000000"/>
-                        </a:solidFill>
-                        <a:effectLst/>
-                        <a:latin typeface="標楷體" panose="03000509000000000000" pitchFamily="65" charset="-120"/>
-                        <a:ea typeface="標楷體" panose="03000509000000000000" pitchFamily="65" charset="-120"/>
-                      </a:endParaRPr>
-                    </a:p>
-                  </a:txBody>
-                  <a:tcPr marL="9525" marR="9525" marT="9525" marB="0" anchor="b"/>
-                </a:tc>
-                <a:tc>
-                  <a:txBody>
-                    <a:bodyPr/>
-                    <a:lstStyle/>
-                    <a:p>
-                      <a:pPr algn="r" fontAlgn="b"/>
-                      <a:r>
-                        <a:rPr lang="en-US" altLang="zh-TW" sz="1400" u="none" strike="noStrike" dirty="0">
-                          <a:effectLst/>
-                          <a:latin typeface="標楷體" panose="03000509000000000000" pitchFamily="65" charset="-120"/>
-                          <a:ea typeface="標楷體" panose="03000509000000000000" pitchFamily="65" charset="-120"/>
-                        </a:rPr>
-                        <a:t>0.24</a:t>
-                      </a:r>
-                      <a:endParaRPr lang="en-US" altLang="zh-TW" sz="1400" b="0" i="0" u="none" strike="noStrike" dirty="0">
-                        <a:solidFill>
-                          <a:srgbClr val="000000"/>
-                        </a:solidFill>
-                        <a:effectLst/>
-                        <a:latin typeface="標楷體" panose="03000509000000000000" pitchFamily="65" charset="-120"/>
-                        <a:ea typeface="標楷體" panose="03000509000000000000" pitchFamily="65" charset="-120"/>
-                      </a:endParaRPr>
-                    </a:p>
-                  </a:txBody>
-                  <a:tcPr marL="9525" marR="9525" marT="9525" marB="0" anchor="b"/>
-                </a:tc>
-                <a:tc>
-                  <a:txBody>
-                    <a:bodyPr/>
-                    <a:lstStyle/>
-                    <a:p>
-                      <a:pPr algn="r" fontAlgn="b"/>
-                      <a:r>
-                        <a:rPr lang="en-US" altLang="zh-TW" sz="1400" u="none" strike="noStrike">
-                          <a:effectLst/>
-                          <a:latin typeface="標楷體" panose="03000509000000000000" pitchFamily="65" charset="-120"/>
-                          <a:ea typeface="標楷體" panose="03000509000000000000" pitchFamily="65" charset="-120"/>
-                        </a:rPr>
-                        <a:t>0.122</a:t>
-                      </a:r>
-                      <a:endParaRPr lang="en-US" altLang="zh-TW" sz="1400" b="0" i="0" u="none" strike="noStrike">
-                        <a:solidFill>
-                          <a:srgbClr val="000000"/>
-                        </a:solidFill>
-                        <a:effectLst/>
-                        <a:latin typeface="標楷體" panose="03000509000000000000" pitchFamily="65" charset="-120"/>
-                        <a:ea typeface="標楷體" panose="03000509000000000000" pitchFamily="65" charset="-120"/>
-                      </a:endParaRPr>
-                    </a:p>
-                  </a:txBody>
-                  <a:tcPr marL="9525" marR="9525" marT="9525" marB="0" anchor="b"/>
-                </a:tc>
-                <a:tc>
-                  <a:txBody>
-                    <a:bodyPr/>
-                    <a:lstStyle/>
-                    <a:p>
-                      <a:pPr algn="r" fontAlgn="b"/>
-                      <a:r>
-                        <a:rPr lang="en-US" altLang="zh-TW" sz="1400" u="none" strike="noStrike">
-                          <a:effectLst/>
-                          <a:latin typeface="標楷體" panose="03000509000000000000" pitchFamily="65" charset="-120"/>
-                          <a:ea typeface="標楷體" panose="03000509000000000000" pitchFamily="65" charset="-120"/>
-                        </a:rPr>
-                        <a:t>0.083</a:t>
-                      </a:r>
-                      <a:endParaRPr lang="en-US" altLang="zh-TW" sz="1400" b="0" i="0" u="none" strike="noStrike">
-                        <a:solidFill>
-                          <a:srgbClr val="000000"/>
-                        </a:solidFill>
-                        <a:effectLst/>
-                        <a:latin typeface="標楷體" panose="03000509000000000000" pitchFamily="65" charset="-120"/>
-                        <a:ea typeface="標楷體" panose="03000509000000000000" pitchFamily="65" charset="-120"/>
-                      </a:endParaRPr>
-                    </a:p>
-                  </a:txBody>
-                  <a:tcPr marL="9525" marR="9525" marT="9525" marB="0" anchor="b"/>
-                </a:tc>
-                <a:tc>
-                  <a:txBody>
-                    <a:bodyPr/>
-                    <a:lstStyle/>
-                    <a:p>
-                      <a:pPr algn="r" fontAlgn="b"/>
-                      <a:r>
-                        <a:rPr lang="en-US" altLang="zh-TW" sz="1400" u="none" strike="noStrike">
-                          <a:effectLst/>
-                          <a:latin typeface="標楷體" panose="03000509000000000000" pitchFamily="65" charset="-120"/>
-                          <a:ea typeface="標楷體" panose="03000509000000000000" pitchFamily="65" charset="-120"/>
-                        </a:rPr>
-                        <a:t>0.063</a:t>
-                      </a:r>
-                      <a:endParaRPr lang="en-US" altLang="zh-TW" sz="1400" b="0" i="0" u="none" strike="noStrike">
-                        <a:solidFill>
-                          <a:srgbClr val="000000"/>
-                        </a:solidFill>
-                        <a:effectLst/>
-                        <a:latin typeface="標楷體" panose="03000509000000000000" pitchFamily="65" charset="-120"/>
-                        <a:ea typeface="標楷體" panose="03000509000000000000" pitchFamily="65" charset="-120"/>
-                      </a:endParaRPr>
-                    </a:p>
-                  </a:txBody>
-                  <a:tcPr marL="9525" marR="9525" marT="9525" marB="0" anchor="b"/>
-                </a:tc>
-                <a:tc>
-                  <a:txBody>
-                    <a:bodyPr/>
-                    <a:lstStyle/>
-                    <a:p>
-                      <a:pPr algn="r" fontAlgn="b"/>
-                      <a:r>
-                        <a:rPr lang="en-US" altLang="zh-TW" sz="1400" u="none" strike="noStrike">
-                          <a:effectLst/>
-                          <a:latin typeface="標楷體" panose="03000509000000000000" pitchFamily="65" charset="-120"/>
-                          <a:ea typeface="標楷體" panose="03000509000000000000" pitchFamily="65" charset="-120"/>
-                        </a:rPr>
-                        <a:t>0.047</a:t>
-                      </a:r>
-                      <a:endParaRPr lang="en-US" altLang="zh-TW" sz="1400" b="0" i="0" u="none" strike="noStrike">
-                        <a:solidFill>
-                          <a:srgbClr val="000000"/>
-                        </a:solidFill>
-                        <a:effectLst/>
-                        <a:latin typeface="標楷體" panose="03000509000000000000" pitchFamily="65" charset="-120"/>
-                        <a:ea typeface="標楷體" panose="03000509000000000000" pitchFamily="65" charset="-120"/>
-                      </a:endParaRPr>
-                    </a:p>
-                  </a:txBody>
-                  <a:tcPr marL="9525" marR="9525" marT="9525" marB="0" anchor="b"/>
-                </a:tc>
-                <a:extLst>
-                  <a:ext uri="{0D108BD9-81ED-4DB2-BD59-A6C34878D82A}">
-                    <a16:rowId xmlns:a16="http://schemas.microsoft.com/office/drawing/2014/main" val="3089605726"/>
-                  </a:ext>
-                </a:extLst>
-              </a:tr>
-              <a:tr h="245886">
-                <a:tc>
-                  <a:txBody>
-                    <a:bodyPr/>
-                    <a:lstStyle/>
-                    <a:p>
-                      <a:pPr algn="l" fontAlgn="b"/>
-                      <a:r>
-                        <a:rPr lang="en-US" sz="1600" u="none" strike="noStrike">
-                          <a:effectLst/>
-                          <a:latin typeface="標楷體" panose="03000509000000000000" pitchFamily="65" charset="-120"/>
-                          <a:ea typeface="標楷體" panose="03000509000000000000" pitchFamily="65" charset="-120"/>
-                        </a:rPr>
-                        <a:t>𝑇2 [sec]</a:t>
-                      </a:r>
-                      <a:endParaRPr lang="en-US" sz="1600" b="0" i="0" u="none" strike="noStrike">
-                        <a:solidFill>
-                          <a:srgbClr val="000000"/>
-                        </a:solidFill>
-                        <a:effectLst/>
-                        <a:latin typeface="標楷體" panose="03000509000000000000" pitchFamily="65" charset="-120"/>
-                        <a:ea typeface="標楷體" panose="03000509000000000000" pitchFamily="65" charset="-120"/>
-                      </a:endParaRPr>
-                    </a:p>
-                  </a:txBody>
-                  <a:tcPr marL="9525" marR="9525" marT="9525" marB="0" anchor="b"/>
-                </a:tc>
-                <a:tc>
-                  <a:txBody>
-                    <a:bodyPr/>
-                    <a:lstStyle/>
-                    <a:p>
-                      <a:pPr algn="r" fontAlgn="b"/>
-                      <a:r>
-                        <a:rPr lang="en-US" altLang="zh-TW" sz="1400" u="none" strike="noStrike">
-                          <a:effectLst/>
-                          <a:latin typeface="標楷體" panose="03000509000000000000" pitchFamily="65" charset="-120"/>
-                          <a:ea typeface="標楷體" panose="03000509000000000000" pitchFamily="65" charset="-120"/>
-                        </a:rPr>
-                        <a:t>0.38</a:t>
-                      </a:r>
-                      <a:endParaRPr lang="en-US" altLang="zh-TW" sz="1400" b="0" i="0" u="none" strike="noStrike">
-                        <a:solidFill>
-                          <a:srgbClr val="000000"/>
-                        </a:solidFill>
-                        <a:effectLst/>
-                        <a:latin typeface="標楷體" panose="03000509000000000000" pitchFamily="65" charset="-120"/>
-                        <a:ea typeface="標楷體" panose="03000509000000000000" pitchFamily="65" charset="-120"/>
-                      </a:endParaRPr>
-                    </a:p>
-                  </a:txBody>
-                  <a:tcPr marL="9525" marR="9525" marT="9525" marB="0" anchor="b"/>
-                </a:tc>
-                <a:tc>
-                  <a:txBody>
-                    <a:bodyPr/>
-                    <a:lstStyle/>
-                    <a:p>
-                      <a:pPr algn="r" fontAlgn="b"/>
-                      <a:r>
-                        <a:rPr lang="en-US" altLang="zh-TW" sz="1400" u="none" strike="noStrike">
-                          <a:effectLst/>
-                          <a:latin typeface="標楷體" panose="03000509000000000000" pitchFamily="65" charset="-120"/>
-                          <a:ea typeface="標楷體" panose="03000509000000000000" pitchFamily="65" charset="-120"/>
-                        </a:rPr>
-                        <a:t>0.32</a:t>
-                      </a:r>
-                      <a:endParaRPr lang="en-US" altLang="zh-TW" sz="1400" b="0" i="0" u="none" strike="noStrike">
-                        <a:solidFill>
-                          <a:srgbClr val="000000"/>
-                        </a:solidFill>
-                        <a:effectLst/>
-                        <a:latin typeface="標楷體" panose="03000509000000000000" pitchFamily="65" charset="-120"/>
-                        <a:ea typeface="標楷體" panose="03000509000000000000" pitchFamily="65" charset="-120"/>
-                      </a:endParaRPr>
-                    </a:p>
-                  </a:txBody>
-                  <a:tcPr marL="9525" marR="9525" marT="9525" marB="0" anchor="b"/>
-                </a:tc>
-                <a:tc>
-                  <a:txBody>
-                    <a:bodyPr/>
-                    <a:lstStyle/>
-                    <a:p>
-                      <a:pPr algn="r" fontAlgn="b"/>
-                      <a:r>
-                        <a:rPr lang="en-US" altLang="zh-TW" sz="1400" u="none" strike="noStrike">
-                          <a:effectLst/>
-                          <a:latin typeface="標楷體" panose="03000509000000000000" pitchFamily="65" charset="-120"/>
-                          <a:ea typeface="標楷體" panose="03000509000000000000" pitchFamily="65" charset="-120"/>
-                        </a:rPr>
-                        <a:t>0.22</a:t>
-                      </a:r>
-                      <a:endParaRPr lang="en-US" altLang="zh-TW" sz="1400" b="0" i="0" u="none" strike="noStrike">
-                        <a:solidFill>
-                          <a:srgbClr val="000000"/>
-                        </a:solidFill>
-                        <a:effectLst/>
-                        <a:latin typeface="標楷體" panose="03000509000000000000" pitchFamily="65" charset="-120"/>
-                        <a:ea typeface="標楷體" panose="03000509000000000000" pitchFamily="65" charset="-120"/>
-                      </a:endParaRPr>
-                    </a:p>
-                  </a:txBody>
-                  <a:tcPr marL="9525" marR="9525" marT="9525" marB="0" anchor="b"/>
-                </a:tc>
-                <a:tc>
-                  <a:txBody>
-                    <a:bodyPr/>
-                    <a:lstStyle/>
-                    <a:p>
-                      <a:pPr algn="r" fontAlgn="b"/>
-                      <a:r>
-                        <a:rPr lang="en-US" altLang="zh-TW" sz="1400" u="none" strike="noStrike">
-                          <a:effectLst/>
-                          <a:latin typeface="標楷體" panose="03000509000000000000" pitchFamily="65" charset="-120"/>
-                          <a:ea typeface="標楷體" panose="03000509000000000000" pitchFamily="65" charset="-120"/>
-                        </a:rPr>
-                        <a:t>0.25</a:t>
-                      </a:r>
-                      <a:endParaRPr lang="en-US" altLang="zh-TW" sz="1400" b="0" i="0" u="none" strike="noStrike">
-                        <a:solidFill>
-                          <a:srgbClr val="000000"/>
-                        </a:solidFill>
-                        <a:effectLst/>
-                        <a:latin typeface="標楷體" panose="03000509000000000000" pitchFamily="65" charset="-120"/>
-                        <a:ea typeface="標楷體" panose="03000509000000000000" pitchFamily="65" charset="-120"/>
-                      </a:endParaRPr>
-                    </a:p>
-                  </a:txBody>
-                  <a:tcPr marL="9525" marR="9525" marT="9525" marB="0" anchor="b"/>
-                </a:tc>
-                <a:tc>
-                  <a:txBody>
-                    <a:bodyPr/>
-                    <a:lstStyle/>
-                    <a:p>
-                      <a:pPr algn="r" fontAlgn="b"/>
-                      <a:r>
-                        <a:rPr lang="en-US" altLang="zh-TW" sz="1400" u="none" strike="noStrike">
-                          <a:effectLst/>
-                          <a:latin typeface="標楷體" panose="03000509000000000000" pitchFamily="65" charset="-120"/>
-                          <a:ea typeface="標楷體" panose="03000509000000000000" pitchFamily="65" charset="-120"/>
-                        </a:rPr>
-                        <a:t>0.235</a:t>
-                      </a:r>
-                      <a:endParaRPr lang="en-US" altLang="zh-TW" sz="1400" b="0" i="0" u="none" strike="noStrike">
-                        <a:solidFill>
-                          <a:srgbClr val="000000"/>
-                        </a:solidFill>
-                        <a:effectLst/>
-                        <a:latin typeface="標楷體" panose="03000509000000000000" pitchFamily="65" charset="-120"/>
-                        <a:ea typeface="標楷體" panose="03000509000000000000" pitchFamily="65" charset="-120"/>
-                      </a:endParaRPr>
-                    </a:p>
-                  </a:txBody>
-                  <a:tcPr marL="9525" marR="9525" marT="9525" marB="0" anchor="b"/>
-                </a:tc>
-                <a:tc>
-                  <a:txBody>
-                    <a:bodyPr/>
-                    <a:lstStyle/>
-                    <a:p>
-                      <a:pPr algn="r" fontAlgn="b"/>
-                      <a:r>
-                        <a:rPr lang="en-US" altLang="zh-TW" sz="1400" u="none" strike="noStrike">
-                          <a:effectLst/>
-                          <a:latin typeface="標楷體" panose="03000509000000000000" pitchFamily="65" charset="-120"/>
-                          <a:ea typeface="標楷體" panose="03000509000000000000" pitchFamily="65" charset="-120"/>
-                        </a:rPr>
-                        <a:t>0.278</a:t>
-                      </a:r>
-                      <a:endParaRPr lang="en-US" altLang="zh-TW" sz="1400" b="0" i="0" u="none" strike="noStrike">
-                        <a:solidFill>
-                          <a:srgbClr val="000000"/>
-                        </a:solidFill>
-                        <a:effectLst/>
-                        <a:latin typeface="標楷體" panose="03000509000000000000" pitchFamily="65" charset="-120"/>
-                        <a:ea typeface="標楷體" panose="03000509000000000000" pitchFamily="65" charset="-120"/>
-                      </a:endParaRPr>
-                    </a:p>
-                  </a:txBody>
-                  <a:tcPr marL="9525" marR="9525" marT="9525" marB="0" anchor="b"/>
-                </a:tc>
-                <a:tc>
-                  <a:txBody>
-                    <a:bodyPr/>
-                    <a:lstStyle/>
-                    <a:p>
-                      <a:pPr algn="r" fontAlgn="b"/>
-                      <a:r>
-                        <a:rPr lang="en-US" altLang="zh-TW" sz="1400" u="none" strike="noStrike" dirty="0">
-                          <a:effectLst/>
-                          <a:latin typeface="標楷體" panose="03000509000000000000" pitchFamily="65" charset="-120"/>
-                          <a:ea typeface="標楷體" panose="03000509000000000000" pitchFamily="65" charset="-120"/>
-                        </a:rPr>
-                        <a:t>0.12</a:t>
-                      </a:r>
-                      <a:endParaRPr lang="en-US" altLang="zh-TW" sz="1400" b="0" i="0" u="none" strike="noStrike" dirty="0">
-                        <a:solidFill>
-                          <a:srgbClr val="000000"/>
-                        </a:solidFill>
-                        <a:effectLst/>
-                        <a:latin typeface="標楷體" panose="03000509000000000000" pitchFamily="65" charset="-120"/>
-                        <a:ea typeface="標楷體" panose="03000509000000000000" pitchFamily="65" charset="-120"/>
-                      </a:endParaRPr>
-                    </a:p>
-                  </a:txBody>
-                  <a:tcPr marL="9525" marR="9525" marT="9525" marB="0" anchor="b"/>
-                </a:tc>
-                <a:tc>
-                  <a:txBody>
-                    <a:bodyPr/>
-                    <a:lstStyle/>
-                    <a:p>
-                      <a:pPr algn="r" fontAlgn="b"/>
-                      <a:r>
-                        <a:rPr lang="en-US" altLang="zh-TW" sz="1400" u="none" strike="noStrike" dirty="0">
-                          <a:effectLst/>
-                          <a:latin typeface="標楷體" panose="03000509000000000000" pitchFamily="65" charset="-120"/>
-                          <a:ea typeface="標楷體" panose="03000509000000000000" pitchFamily="65" charset="-120"/>
-                        </a:rPr>
-                        <a:t>0.061</a:t>
-                      </a:r>
-                      <a:endParaRPr lang="en-US" altLang="zh-TW" sz="1400" b="0" i="0" u="none" strike="noStrike" dirty="0">
-                        <a:solidFill>
-                          <a:srgbClr val="000000"/>
-                        </a:solidFill>
-                        <a:effectLst/>
-                        <a:latin typeface="標楷體" panose="03000509000000000000" pitchFamily="65" charset="-120"/>
-                        <a:ea typeface="標楷體" panose="03000509000000000000" pitchFamily="65" charset="-120"/>
-                      </a:endParaRPr>
-                    </a:p>
-                  </a:txBody>
-                  <a:tcPr marL="9525" marR="9525" marT="9525" marB="0" anchor="b"/>
-                </a:tc>
-                <a:tc>
-                  <a:txBody>
-                    <a:bodyPr/>
-                    <a:lstStyle/>
-                    <a:p>
-                      <a:pPr algn="r" fontAlgn="b"/>
-                      <a:r>
-                        <a:rPr lang="en-US" altLang="zh-TW" sz="1400" u="none" strike="noStrike">
-                          <a:effectLst/>
-                          <a:latin typeface="標楷體" panose="03000509000000000000" pitchFamily="65" charset="-120"/>
-                          <a:ea typeface="標楷體" panose="03000509000000000000" pitchFamily="65" charset="-120"/>
-                        </a:rPr>
-                        <a:t>0.039</a:t>
-                      </a:r>
-                      <a:endParaRPr lang="en-US" altLang="zh-TW" sz="1400" b="0" i="0" u="none" strike="noStrike">
-                        <a:solidFill>
-                          <a:srgbClr val="000000"/>
-                        </a:solidFill>
-                        <a:effectLst/>
-                        <a:latin typeface="標楷體" panose="03000509000000000000" pitchFamily="65" charset="-120"/>
-                        <a:ea typeface="標楷體" panose="03000509000000000000" pitchFamily="65" charset="-120"/>
-                      </a:endParaRPr>
-                    </a:p>
-                  </a:txBody>
-                  <a:tcPr marL="9525" marR="9525" marT="9525" marB="0" anchor="b"/>
-                </a:tc>
-                <a:tc>
-                  <a:txBody>
-                    <a:bodyPr/>
-                    <a:lstStyle/>
-                    <a:p>
-                      <a:pPr algn="r" fontAlgn="b"/>
-                      <a:r>
-                        <a:rPr lang="en-US" altLang="zh-TW" sz="1400" u="none" strike="noStrike">
-                          <a:effectLst/>
-                          <a:latin typeface="標楷體" panose="03000509000000000000" pitchFamily="65" charset="-120"/>
-                          <a:ea typeface="標楷體" panose="03000509000000000000" pitchFamily="65" charset="-120"/>
-                        </a:rPr>
-                        <a:t>0.033</a:t>
-                      </a:r>
-                      <a:endParaRPr lang="en-US" altLang="zh-TW" sz="1400" b="0" i="0" u="none" strike="noStrike">
-                        <a:solidFill>
-                          <a:srgbClr val="000000"/>
-                        </a:solidFill>
-                        <a:effectLst/>
-                        <a:latin typeface="標楷體" panose="03000509000000000000" pitchFamily="65" charset="-120"/>
-                        <a:ea typeface="標楷體" panose="03000509000000000000" pitchFamily="65" charset="-120"/>
-                      </a:endParaRPr>
-                    </a:p>
-                  </a:txBody>
-                  <a:tcPr marL="9525" marR="9525" marT="9525" marB="0" anchor="b"/>
-                </a:tc>
-                <a:tc>
-                  <a:txBody>
-                    <a:bodyPr/>
-                    <a:lstStyle/>
-                    <a:p>
-                      <a:pPr algn="r" fontAlgn="b"/>
-                      <a:r>
-                        <a:rPr lang="en-US" altLang="zh-TW" sz="1400" u="none" strike="noStrike">
-                          <a:effectLst/>
-                          <a:latin typeface="標楷體" panose="03000509000000000000" pitchFamily="65" charset="-120"/>
-                          <a:ea typeface="標楷體" panose="03000509000000000000" pitchFamily="65" charset="-120"/>
-                        </a:rPr>
-                        <a:t>0.024</a:t>
-                      </a:r>
-                      <a:endParaRPr lang="en-US" altLang="zh-TW" sz="1400" b="0" i="0" u="none" strike="noStrike">
-                        <a:solidFill>
-                          <a:srgbClr val="000000"/>
-                        </a:solidFill>
-                        <a:effectLst/>
-                        <a:latin typeface="標楷體" panose="03000509000000000000" pitchFamily="65" charset="-120"/>
-                        <a:ea typeface="標楷體" panose="03000509000000000000" pitchFamily="65" charset="-120"/>
-                      </a:endParaRPr>
-                    </a:p>
-                  </a:txBody>
-                  <a:tcPr marL="9525" marR="9525" marT="9525" marB="0" anchor="b"/>
-                </a:tc>
-                <a:extLst>
-                  <a:ext uri="{0D108BD9-81ED-4DB2-BD59-A6C34878D82A}">
-                    <a16:rowId xmlns:a16="http://schemas.microsoft.com/office/drawing/2014/main" val="2958517933"/>
-                  </a:ext>
-                </a:extLst>
-              </a:tr>
-              <a:tr h="245886">
-                <a:tc>
-                  <a:txBody>
-                    <a:bodyPr/>
-                    <a:lstStyle/>
-                    <a:p>
-                      <a:pPr algn="l" fontAlgn="b"/>
-                      <a:r>
-                        <a:rPr lang="zh-TW" altLang="en-US" sz="1600" u="none" strike="noStrike">
-                          <a:effectLst/>
-                          <a:latin typeface="標楷體" panose="03000509000000000000" pitchFamily="65" charset="-120"/>
-                          <a:ea typeface="標楷體" panose="03000509000000000000" pitchFamily="65" charset="-120"/>
-                        </a:rPr>
-                        <a:t>增益</a:t>
-                      </a:r>
-                      <a:endParaRPr lang="zh-TW" altLang="en-US" sz="1600" b="0" i="0" u="none" strike="noStrike">
-                        <a:solidFill>
-                          <a:srgbClr val="000000"/>
-                        </a:solidFill>
-                        <a:effectLst/>
-                        <a:latin typeface="標楷體" panose="03000509000000000000" pitchFamily="65" charset="-120"/>
-                        <a:ea typeface="標楷體" panose="03000509000000000000" pitchFamily="65" charset="-120"/>
-                      </a:endParaRPr>
-                    </a:p>
-                  </a:txBody>
-                  <a:tcPr marL="9525" marR="9525" marT="9525" marB="0" anchor="b"/>
-                </a:tc>
-                <a:tc>
-                  <a:txBody>
-                    <a:bodyPr/>
-                    <a:lstStyle/>
-                    <a:p>
-                      <a:pPr algn="r" fontAlgn="b"/>
-                      <a:r>
-                        <a:rPr lang="en-US" altLang="zh-TW" sz="1400" u="none" strike="noStrike">
-                          <a:effectLst/>
-                          <a:latin typeface="標楷體" panose="03000509000000000000" pitchFamily="65" charset="-120"/>
-                          <a:ea typeface="標楷體" panose="03000509000000000000" pitchFamily="65" charset="-120"/>
-                        </a:rPr>
-                        <a:t>0.96</a:t>
-                      </a:r>
-                      <a:endParaRPr lang="en-US" altLang="zh-TW" sz="1400" b="0" i="0" u="none" strike="noStrike">
-                        <a:solidFill>
-                          <a:srgbClr val="000000"/>
-                        </a:solidFill>
-                        <a:effectLst/>
-                        <a:latin typeface="標楷體" panose="03000509000000000000" pitchFamily="65" charset="-120"/>
-                        <a:ea typeface="標楷體" panose="03000509000000000000" pitchFamily="65" charset="-120"/>
-                      </a:endParaRPr>
-                    </a:p>
-                  </a:txBody>
-                  <a:tcPr marL="9525" marR="9525" marT="9525" marB="0" anchor="b"/>
-                </a:tc>
-                <a:tc>
-                  <a:txBody>
-                    <a:bodyPr/>
-                    <a:lstStyle/>
-                    <a:p>
-                      <a:pPr algn="r" fontAlgn="b"/>
-                      <a:r>
-                        <a:rPr lang="en-US" altLang="zh-TW" sz="1400" u="none" strike="noStrike">
-                          <a:effectLst/>
-                          <a:latin typeface="標楷體" panose="03000509000000000000" pitchFamily="65" charset="-120"/>
-                          <a:ea typeface="標楷體" panose="03000509000000000000" pitchFamily="65" charset="-120"/>
-                        </a:rPr>
-                        <a:t>0.99</a:t>
-                      </a:r>
-                      <a:endParaRPr lang="en-US" altLang="zh-TW" sz="1400" b="0" i="0" u="none" strike="noStrike">
-                        <a:solidFill>
-                          <a:srgbClr val="000000"/>
-                        </a:solidFill>
-                        <a:effectLst/>
-                        <a:latin typeface="標楷體" panose="03000509000000000000" pitchFamily="65" charset="-120"/>
-                        <a:ea typeface="標楷體" panose="03000509000000000000" pitchFamily="65" charset="-120"/>
-                      </a:endParaRPr>
-                    </a:p>
-                  </a:txBody>
-                  <a:tcPr marL="9525" marR="9525" marT="9525" marB="0" anchor="b"/>
-                </a:tc>
-                <a:tc>
-                  <a:txBody>
-                    <a:bodyPr/>
-                    <a:lstStyle/>
-                    <a:p>
-                      <a:pPr algn="r" fontAlgn="b"/>
-                      <a:r>
-                        <a:rPr lang="en-US" altLang="zh-TW" sz="1400" u="none" strike="noStrike">
-                          <a:effectLst/>
-                          <a:latin typeface="標楷體" panose="03000509000000000000" pitchFamily="65" charset="-120"/>
-                          <a:ea typeface="標楷體" panose="03000509000000000000" pitchFamily="65" charset="-120"/>
-                        </a:rPr>
-                        <a:t>0.84</a:t>
-                      </a:r>
-                      <a:endParaRPr lang="en-US" altLang="zh-TW" sz="1400" b="0" i="0" u="none" strike="noStrike">
-                        <a:solidFill>
-                          <a:srgbClr val="000000"/>
-                        </a:solidFill>
-                        <a:effectLst/>
-                        <a:latin typeface="標楷體" panose="03000509000000000000" pitchFamily="65" charset="-120"/>
-                        <a:ea typeface="標楷體" panose="03000509000000000000" pitchFamily="65" charset="-120"/>
-                      </a:endParaRPr>
-                    </a:p>
-                  </a:txBody>
-                  <a:tcPr marL="9525" marR="9525" marT="9525" marB="0" anchor="b"/>
-                </a:tc>
-                <a:tc>
-                  <a:txBody>
-                    <a:bodyPr/>
-                    <a:lstStyle/>
-                    <a:p>
-                      <a:pPr algn="r" fontAlgn="b"/>
-                      <a:r>
-                        <a:rPr lang="en-US" altLang="zh-TW" sz="1400" u="none" strike="noStrike">
-                          <a:effectLst/>
-                          <a:latin typeface="標楷體" panose="03000509000000000000" pitchFamily="65" charset="-120"/>
-                          <a:ea typeface="標楷體" panose="03000509000000000000" pitchFamily="65" charset="-120"/>
-                        </a:rPr>
-                        <a:t>0.58</a:t>
-                      </a:r>
-                      <a:endParaRPr lang="en-US" altLang="zh-TW" sz="1400" b="0" i="0" u="none" strike="noStrike">
-                        <a:solidFill>
-                          <a:srgbClr val="000000"/>
-                        </a:solidFill>
-                        <a:effectLst/>
-                        <a:latin typeface="標楷體" panose="03000509000000000000" pitchFamily="65" charset="-120"/>
-                        <a:ea typeface="標楷體" panose="03000509000000000000" pitchFamily="65" charset="-120"/>
-                      </a:endParaRPr>
-                    </a:p>
-                  </a:txBody>
-                  <a:tcPr marL="9525" marR="9525" marT="9525" marB="0" anchor="b"/>
-                </a:tc>
-                <a:tc>
-                  <a:txBody>
-                    <a:bodyPr/>
-                    <a:lstStyle/>
-                    <a:p>
-                      <a:pPr algn="r" fontAlgn="b"/>
-                      <a:r>
-                        <a:rPr lang="en-US" altLang="zh-TW" sz="1400" u="none" strike="noStrike">
-                          <a:effectLst/>
-                          <a:latin typeface="標楷體" panose="03000509000000000000" pitchFamily="65" charset="-120"/>
-                          <a:ea typeface="標楷體" panose="03000509000000000000" pitchFamily="65" charset="-120"/>
-                        </a:rPr>
-                        <a:t>0.45</a:t>
-                      </a:r>
-                      <a:endParaRPr lang="en-US" altLang="zh-TW" sz="1400" b="0" i="0" u="none" strike="noStrike">
-                        <a:solidFill>
-                          <a:srgbClr val="000000"/>
-                        </a:solidFill>
-                        <a:effectLst/>
-                        <a:latin typeface="標楷體" panose="03000509000000000000" pitchFamily="65" charset="-120"/>
-                        <a:ea typeface="標楷體" panose="03000509000000000000" pitchFamily="65" charset="-120"/>
-                      </a:endParaRPr>
-                    </a:p>
-                  </a:txBody>
-                  <a:tcPr marL="9525" marR="9525" marT="9525" marB="0" anchor="b"/>
-                </a:tc>
-                <a:tc>
-                  <a:txBody>
-                    <a:bodyPr/>
-                    <a:lstStyle/>
-                    <a:p>
-                      <a:pPr algn="r" fontAlgn="b"/>
-                      <a:r>
-                        <a:rPr lang="en-US" altLang="zh-TW" sz="1400" u="none" strike="noStrike">
-                          <a:effectLst/>
-                          <a:latin typeface="標楷體" panose="03000509000000000000" pitchFamily="65" charset="-120"/>
-                          <a:ea typeface="標楷體" panose="03000509000000000000" pitchFamily="65" charset="-120"/>
-                        </a:rPr>
-                        <a:t>0.36</a:t>
-                      </a:r>
-                      <a:endParaRPr lang="en-US" altLang="zh-TW" sz="1400" b="0" i="0" u="none" strike="noStrike">
-                        <a:solidFill>
-                          <a:srgbClr val="000000"/>
-                        </a:solidFill>
-                        <a:effectLst/>
-                        <a:latin typeface="標楷體" panose="03000509000000000000" pitchFamily="65" charset="-120"/>
-                        <a:ea typeface="標楷體" panose="03000509000000000000" pitchFamily="65" charset="-120"/>
-                      </a:endParaRPr>
-                    </a:p>
-                  </a:txBody>
-                  <a:tcPr marL="9525" marR="9525" marT="9525" marB="0" anchor="b"/>
-                </a:tc>
-                <a:tc>
-                  <a:txBody>
-                    <a:bodyPr/>
-                    <a:lstStyle/>
-                    <a:p>
-                      <a:pPr algn="r" fontAlgn="b"/>
-                      <a:r>
-                        <a:rPr lang="en-US" altLang="zh-TW" sz="1400" u="none" strike="noStrike">
-                          <a:effectLst/>
-                          <a:latin typeface="標楷體" panose="03000509000000000000" pitchFamily="65" charset="-120"/>
-                          <a:ea typeface="標楷體" panose="03000509000000000000" pitchFamily="65" charset="-120"/>
-                        </a:rPr>
-                        <a:t>0.21</a:t>
-                      </a:r>
-                      <a:endParaRPr lang="en-US" altLang="zh-TW" sz="1400" b="0" i="0" u="none" strike="noStrike">
-                        <a:solidFill>
-                          <a:srgbClr val="000000"/>
-                        </a:solidFill>
-                        <a:effectLst/>
-                        <a:latin typeface="標楷體" panose="03000509000000000000" pitchFamily="65" charset="-120"/>
-                        <a:ea typeface="標楷體" panose="03000509000000000000" pitchFamily="65" charset="-120"/>
-                      </a:endParaRPr>
-                    </a:p>
-                  </a:txBody>
-                  <a:tcPr marL="9525" marR="9525" marT="9525" marB="0" anchor="b"/>
-                </a:tc>
-                <a:tc>
-                  <a:txBody>
-                    <a:bodyPr/>
-                    <a:lstStyle/>
-                    <a:p>
-                      <a:pPr algn="r" fontAlgn="b"/>
-                      <a:r>
-                        <a:rPr lang="en-US" altLang="zh-TW" sz="1400" u="none" strike="noStrike">
-                          <a:effectLst/>
-                          <a:latin typeface="標楷體" panose="03000509000000000000" pitchFamily="65" charset="-120"/>
-                          <a:ea typeface="標楷體" panose="03000509000000000000" pitchFamily="65" charset="-120"/>
-                        </a:rPr>
-                        <a:t>0.126</a:t>
-                      </a:r>
-                      <a:endParaRPr lang="en-US" altLang="zh-TW" sz="1400" b="0" i="0" u="none" strike="noStrike">
-                        <a:solidFill>
-                          <a:srgbClr val="000000"/>
-                        </a:solidFill>
-                        <a:effectLst/>
-                        <a:latin typeface="標楷體" panose="03000509000000000000" pitchFamily="65" charset="-120"/>
-                        <a:ea typeface="標楷體" panose="03000509000000000000" pitchFamily="65" charset="-120"/>
-                      </a:endParaRPr>
-                    </a:p>
-                  </a:txBody>
-                  <a:tcPr marL="9525" marR="9525" marT="9525" marB="0" anchor="b"/>
-                </a:tc>
-                <a:tc>
-                  <a:txBody>
-                    <a:bodyPr/>
-                    <a:lstStyle/>
-                    <a:p>
-                      <a:pPr algn="r" fontAlgn="b"/>
-                      <a:r>
-                        <a:rPr lang="en-US" altLang="zh-TW" sz="1400" u="none" strike="noStrike" dirty="0">
-                          <a:effectLst/>
-                          <a:latin typeface="標楷體" panose="03000509000000000000" pitchFamily="65" charset="-120"/>
-                          <a:ea typeface="標楷體" panose="03000509000000000000" pitchFamily="65" charset="-120"/>
-                        </a:rPr>
-                        <a:t>0.076</a:t>
-                      </a:r>
-                      <a:endParaRPr lang="en-US" altLang="zh-TW" sz="1400" b="0" i="0" u="none" strike="noStrike" dirty="0">
-                        <a:solidFill>
-                          <a:srgbClr val="000000"/>
-                        </a:solidFill>
-                        <a:effectLst/>
-                        <a:latin typeface="標楷體" panose="03000509000000000000" pitchFamily="65" charset="-120"/>
-                        <a:ea typeface="標楷體" panose="03000509000000000000" pitchFamily="65" charset="-120"/>
-                      </a:endParaRPr>
-                    </a:p>
-                  </a:txBody>
-                  <a:tcPr marL="9525" marR="9525" marT="9525" marB="0" anchor="b"/>
-                </a:tc>
-                <a:tc>
-                  <a:txBody>
-                    <a:bodyPr/>
-                    <a:lstStyle/>
-                    <a:p>
-                      <a:pPr algn="r" fontAlgn="b"/>
-                      <a:r>
-                        <a:rPr lang="en-US" altLang="zh-TW" sz="1400" u="none" strike="noStrike" dirty="0">
-                          <a:effectLst/>
-                          <a:latin typeface="標楷體" panose="03000509000000000000" pitchFamily="65" charset="-120"/>
-                          <a:ea typeface="標楷體" panose="03000509000000000000" pitchFamily="65" charset="-120"/>
-                        </a:rPr>
-                        <a:t>0.119</a:t>
-                      </a:r>
-                      <a:endParaRPr lang="en-US" altLang="zh-TW" sz="1400" b="0" i="0" u="none" strike="noStrike" dirty="0">
-                        <a:solidFill>
-                          <a:srgbClr val="000000"/>
-                        </a:solidFill>
-                        <a:effectLst/>
-                        <a:latin typeface="標楷體" panose="03000509000000000000" pitchFamily="65" charset="-120"/>
-                        <a:ea typeface="標楷體" panose="03000509000000000000" pitchFamily="65" charset="-120"/>
-                      </a:endParaRPr>
-                    </a:p>
-                  </a:txBody>
-                  <a:tcPr marL="9525" marR="9525" marT="9525" marB="0" anchor="b"/>
-                </a:tc>
-                <a:tc>
-                  <a:txBody>
-                    <a:bodyPr/>
-                    <a:lstStyle/>
-                    <a:p>
-                      <a:pPr algn="r" fontAlgn="b"/>
-                      <a:r>
-                        <a:rPr lang="en-US" altLang="zh-TW" sz="1400" u="none" strike="noStrike">
-                          <a:effectLst/>
-                          <a:latin typeface="標楷體" panose="03000509000000000000" pitchFamily="65" charset="-120"/>
-                          <a:ea typeface="標楷體" panose="03000509000000000000" pitchFamily="65" charset="-120"/>
-                        </a:rPr>
-                        <a:t>0.12</a:t>
-                      </a:r>
-                      <a:endParaRPr lang="en-US" altLang="zh-TW" sz="1400" b="0" i="0" u="none" strike="noStrike">
-                        <a:solidFill>
-                          <a:srgbClr val="000000"/>
-                        </a:solidFill>
-                        <a:effectLst/>
-                        <a:latin typeface="標楷體" panose="03000509000000000000" pitchFamily="65" charset="-120"/>
-                        <a:ea typeface="標楷體" panose="03000509000000000000" pitchFamily="65" charset="-120"/>
-                      </a:endParaRPr>
-                    </a:p>
-                  </a:txBody>
-                  <a:tcPr marL="9525" marR="9525" marT="9525" marB="0" anchor="b"/>
-                </a:tc>
-                <a:extLst>
-                  <a:ext uri="{0D108BD9-81ED-4DB2-BD59-A6C34878D82A}">
-                    <a16:rowId xmlns:a16="http://schemas.microsoft.com/office/drawing/2014/main" val="65979916"/>
-                  </a:ext>
-                </a:extLst>
-              </a:tr>
-              <a:tr h="245886">
-                <a:tc>
-                  <a:txBody>
-                    <a:bodyPr/>
-                    <a:lstStyle/>
-                    <a:p>
-                      <a:pPr algn="l" fontAlgn="b"/>
-                      <a:r>
-                        <a:rPr lang="zh-TW" altLang="en-US" sz="1600" u="none" strike="noStrike">
-                          <a:effectLst/>
-                          <a:latin typeface="標楷體" panose="03000509000000000000" pitchFamily="65" charset="-120"/>
-                          <a:ea typeface="標楷體" panose="03000509000000000000" pitchFamily="65" charset="-120"/>
-                        </a:rPr>
-                        <a:t>增益</a:t>
-                      </a:r>
-                      <a:r>
-                        <a:rPr lang="en-US" altLang="zh-TW" sz="1600" u="none" strike="noStrike">
-                          <a:effectLst/>
-                          <a:latin typeface="標楷體" panose="03000509000000000000" pitchFamily="65" charset="-120"/>
-                          <a:ea typeface="標楷體" panose="03000509000000000000" pitchFamily="65" charset="-120"/>
-                        </a:rPr>
-                        <a:t>(</a:t>
-                      </a:r>
-                      <a:r>
-                        <a:rPr lang="en-US" sz="1600" u="none" strike="noStrike">
-                          <a:effectLst/>
-                          <a:latin typeface="標楷體" panose="03000509000000000000" pitchFamily="65" charset="-120"/>
-                          <a:ea typeface="標楷體" panose="03000509000000000000" pitchFamily="65" charset="-120"/>
-                        </a:rPr>
-                        <a:t>db)</a:t>
-                      </a:r>
-                      <a:endParaRPr lang="en-US" sz="1600" b="0" i="0" u="none" strike="noStrike">
-                        <a:solidFill>
-                          <a:srgbClr val="000000"/>
-                        </a:solidFill>
-                        <a:effectLst/>
-                        <a:latin typeface="標楷體" panose="03000509000000000000" pitchFamily="65" charset="-120"/>
-                        <a:ea typeface="標楷體" panose="03000509000000000000" pitchFamily="65" charset="-120"/>
-                      </a:endParaRPr>
-                    </a:p>
-                  </a:txBody>
-                  <a:tcPr marL="9525" marR="9525" marT="9525" marB="0" anchor="b"/>
-                </a:tc>
-                <a:tc>
-                  <a:txBody>
-                    <a:bodyPr/>
-                    <a:lstStyle/>
-                    <a:p>
-                      <a:pPr algn="r" fontAlgn="b"/>
-                      <a:r>
-                        <a:rPr lang="en-US" altLang="zh-TW" sz="1400" u="none" strike="noStrike">
-                          <a:effectLst/>
-                          <a:latin typeface="標楷體" panose="03000509000000000000" pitchFamily="65" charset="-120"/>
-                          <a:ea typeface="標楷體" panose="03000509000000000000" pitchFamily="65" charset="-120"/>
-                        </a:rPr>
-                        <a:t>-0.35</a:t>
-                      </a:r>
-                      <a:endParaRPr lang="en-US" altLang="zh-TW" sz="1400" b="0" i="0" u="none" strike="noStrike">
-                        <a:solidFill>
-                          <a:srgbClr val="000000"/>
-                        </a:solidFill>
-                        <a:effectLst/>
-                        <a:latin typeface="標楷體" panose="03000509000000000000" pitchFamily="65" charset="-120"/>
-                        <a:ea typeface="標楷體" panose="03000509000000000000" pitchFamily="65" charset="-120"/>
-                      </a:endParaRPr>
-                    </a:p>
-                  </a:txBody>
-                  <a:tcPr marL="9525" marR="9525" marT="9525" marB="0" anchor="b"/>
-                </a:tc>
-                <a:tc>
-                  <a:txBody>
-                    <a:bodyPr/>
-                    <a:lstStyle/>
-                    <a:p>
-                      <a:pPr algn="r" fontAlgn="b"/>
-                      <a:r>
-                        <a:rPr lang="en-US" altLang="zh-TW" sz="1400" u="none" strike="noStrike" dirty="0">
-                          <a:effectLst/>
-                          <a:latin typeface="標楷體" panose="03000509000000000000" pitchFamily="65" charset="-120"/>
-                          <a:ea typeface="標楷體" panose="03000509000000000000" pitchFamily="65" charset="-120"/>
-                        </a:rPr>
-                        <a:t>-0.09</a:t>
-                      </a:r>
-                      <a:endParaRPr lang="en-US" altLang="zh-TW" sz="1400" b="0" i="0" u="none" strike="noStrike" dirty="0">
-                        <a:solidFill>
-                          <a:srgbClr val="000000"/>
-                        </a:solidFill>
-                        <a:effectLst/>
-                        <a:latin typeface="標楷體" panose="03000509000000000000" pitchFamily="65" charset="-120"/>
-                        <a:ea typeface="標楷體" panose="03000509000000000000" pitchFamily="65" charset="-120"/>
-                      </a:endParaRPr>
-                    </a:p>
-                  </a:txBody>
-                  <a:tcPr marL="9525" marR="9525" marT="9525" marB="0" anchor="b"/>
-                </a:tc>
-                <a:tc>
-                  <a:txBody>
-                    <a:bodyPr/>
-                    <a:lstStyle/>
-                    <a:p>
-                      <a:pPr algn="r" fontAlgn="b"/>
-                      <a:r>
-                        <a:rPr lang="en-US" altLang="zh-TW" sz="1400" u="none" strike="noStrike">
-                          <a:effectLst/>
-                          <a:latin typeface="標楷體" panose="03000509000000000000" pitchFamily="65" charset="-120"/>
-                          <a:ea typeface="標楷體" panose="03000509000000000000" pitchFamily="65" charset="-120"/>
-                        </a:rPr>
-                        <a:t>-1.5</a:t>
-                      </a:r>
-                      <a:endParaRPr lang="en-US" altLang="zh-TW" sz="1400" b="0" i="0" u="none" strike="noStrike">
-                        <a:solidFill>
-                          <a:srgbClr val="000000"/>
-                        </a:solidFill>
-                        <a:effectLst/>
-                        <a:latin typeface="標楷體" panose="03000509000000000000" pitchFamily="65" charset="-120"/>
-                        <a:ea typeface="標楷體" panose="03000509000000000000" pitchFamily="65" charset="-120"/>
-                      </a:endParaRPr>
-                    </a:p>
-                  </a:txBody>
-                  <a:tcPr marL="9525" marR="9525" marT="9525" marB="0" anchor="b"/>
-                </a:tc>
-                <a:tc>
-                  <a:txBody>
-                    <a:bodyPr/>
-                    <a:lstStyle/>
-                    <a:p>
-                      <a:pPr algn="r" fontAlgn="b"/>
-                      <a:r>
-                        <a:rPr lang="en-US" altLang="zh-TW" sz="1400" u="none" strike="noStrike">
-                          <a:effectLst/>
-                          <a:latin typeface="標楷體" panose="03000509000000000000" pitchFamily="65" charset="-120"/>
-                          <a:ea typeface="標楷體" panose="03000509000000000000" pitchFamily="65" charset="-120"/>
-                        </a:rPr>
-                        <a:t>-4.7</a:t>
-                      </a:r>
-                      <a:endParaRPr lang="en-US" altLang="zh-TW" sz="1400" b="0" i="0" u="none" strike="noStrike">
-                        <a:solidFill>
-                          <a:srgbClr val="000000"/>
-                        </a:solidFill>
-                        <a:effectLst/>
-                        <a:latin typeface="標楷體" panose="03000509000000000000" pitchFamily="65" charset="-120"/>
-                        <a:ea typeface="標楷體" panose="03000509000000000000" pitchFamily="65" charset="-120"/>
-                      </a:endParaRPr>
-                    </a:p>
-                  </a:txBody>
-                  <a:tcPr marL="9525" marR="9525" marT="9525" marB="0" anchor="b"/>
-                </a:tc>
-                <a:tc>
-                  <a:txBody>
-                    <a:bodyPr/>
-                    <a:lstStyle/>
-                    <a:p>
-                      <a:pPr algn="r" fontAlgn="b"/>
-                      <a:r>
-                        <a:rPr lang="en-US" altLang="zh-TW" sz="1400" u="none" strike="noStrike">
-                          <a:effectLst/>
-                          <a:latin typeface="標楷體" panose="03000509000000000000" pitchFamily="65" charset="-120"/>
-                          <a:ea typeface="標楷體" panose="03000509000000000000" pitchFamily="65" charset="-120"/>
-                        </a:rPr>
-                        <a:t>-6.9</a:t>
-                      </a:r>
-                      <a:endParaRPr lang="en-US" altLang="zh-TW" sz="1400" b="0" i="0" u="none" strike="noStrike">
-                        <a:solidFill>
-                          <a:srgbClr val="000000"/>
-                        </a:solidFill>
-                        <a:effectLst/>
-                        <a:latin typeface="標楷體" panose="03000509000000000000" pitchFamily="65" charset="-120"/>
-                        <a:ea typeface="標楷體" panose="03000509000000000000" pitchFamily="65" charset="-120"/>
-                      </a:endParaRPr>
-                    </a:p>
-                  </a:txBody>
-                  <a:tcPr marL="9525" marR="9525" marT="9525" marB="0" anchor="b"/>
-                </a:tc>
-                <a:tc>
-                  <a:txBody>
-                    <a:bodyPr/>
-                    <a:lstStyle/>
-                    <a:p>
-                      <a:pPr algn="r" fontAlgn="b"/>
-                      <a:r>
-                        <a:rPr lang="en-US" altLang="zh-TW" sz="1400" u="none" strike="noStrike">
-                          <a:effectLst/>
-                          <a:latin typeface="標楷體" panose="03000509000000000000" pitchFamily="65" charset="-120"/>
-                          <a:ea typeface="標楷體" panose="03000509000000000000" pitchFamily="65" charset="-120"/>
-                        </a:rPr>
-                        <a:t>-8.9</a:t>
-                      </a:r>
-                      <a:endParaRPr lang="en-US" altLang="zh-TW" sz="1400" b="0" i="0" u="none" strike="noStrike">
-                        <a:solidFill>
-                          <a:srgbClr val="000000"/>
-                        </a:solidFill>
-                        <a:effectLst/>
-                        <a:latin typeface="標楷體" panose="03000509000000000000" pitchFamily="65" charset="-120"/>
-                        <a:ea typeface="標楷體" panose="03000509000000000000" pitchFamily="65" charset="-120"/>
-                      </a:endParaRPr>
-                    </a:p>
-                  </a:txBody>
-                  <a:tcPr marL="9525" marR="9525" marT="9525" marB="0" anchor="b"/>
-                </a:tc>
-                <a:tc>
-                  <a:txBody>
-                    <a:bodyPr/>
-                    <a:lstStyle/>
-                    <a:p>
-                      <a:pPr algn="r" fontAlgn="b"/>
-                      <a:r>
-                        <a:rPr lang="en-US" altLang="zh-TW" sz="1400" u="none" strike="noStrike">
-                          <a:effectLst/>
-                          <a:latin typeface="標楷體" panose="03000509000000000000" pitchFamily="65" charset="-120"/>
-                          <a:ea typeface="標楷體" panose="03000509000000000000" pitchFamily="65" charset="-120"/>
-                        </a:rPr>
-                        <a:t>-13.5</a:t>
-                      </a:r>
-                      <a:endParaRPr lang="en-US" altLang="zh-TW" sz="1400" b="0" i="0" u="none" strike="noStrike">
-                        <a:solidFill>
-                          <a:srgbClr val="000000"/>
-                        </a:solidFill>
-                        <a:effectLst/>
-                        <a:latin typeface="標楷體" panose="03000509000000000000" pitchFamily="65" charset="-120"/>
-                        <a:ea typeface="標楷體" panose="03000509000000000000" pitchFamily="65" charset="-120"/>
-                      </a:endParaRPr>
-                    </a:p>
-                  </a:txBody>
-                  <a:tcPr marL="9525" marR="9525" marT="9525" marB="0" anchor="b"/>
-                </a:tc>
-                <a:tc>
-                  <a:txBody>
-                    <a:bodyPr/>
-                    <a:lstStyle/>
-                    <a:p>
-                      <a:pPr algn="r" fontAlgn="b"/>
-                      <a:r>
-                        <a:rPr lang="en-US" altLang="zh-TW" sz="1400" u="none" strike="noStrike">
-                          <a:effectLst/>
-                          <a:latin typeface="標楷體" panose="03000509000000000000" pitchFamily="65" charset="-120"/>
-                          <a:ea typeface="標楷體" panose="03000509000000000000" pitchFamily="65" charset="-120"/>
-                        </a:rPr>
-                        <a:t>-17.9</a:t>
-                      </a:r>
-                      <a:endParaRPr lang="en-US" altLang="zh-TW" sz="1400" b="0" i="0" u="none" strike="noStrike">
-                        <a:solidFill>
-                          <a:srgbClr val="000000"/>
-                        </a:solidFill>
-                        <a:effectLst/>
-                        <a:latin typeface="標楷體" panose="03000509000000000000" pitchFamily="65" charset="-120"/>
-                        <a:ea typeface="標楷體" panose="03000509000000000000" pitchFamily="65" charset="-120"/>
-                      </a:endParaRPr>
-                    </a:p>
-                  </a:txBody>
-                  <a:tcPr marL="9525" marR="9525" marT="9525" marB="0" anchor="b"/>
-                </a:tc>
-                <a:tc>
-                  <a:txBody>
-                    <a:bodyPr/>
-                    <a:lstStyle/>
-                    <a:p>
-                      <a:pPr algn="r" fontAlgn="b"/>
-                      <a:r>
-                        <a:rPr lang="en-US" altLang="zh-TW" sz="1400" u="none" strike="noStrike" dirty="0">
-                          <a:effectLst/>
-                          <a:latin typeface="標楷體" panose="03000509000000000000" pitchFamily="65" charset="-120"/>
-                          <a:ea typeface="標楷體" panose="03000509000000000000" pitchFamily="65" charset="-120"/>
-                        </a:rPr>
-                        <a:t>-22.4</a:t>
-                      </a:r>
-                      <a:endParaRPr lang="en-US" altLang="zh-TW" sz="1400" b="0" i="0" u="none" strike="noStrike" dirty="0">
-                        <a:solidFill>
-                          <a:srgbClr val="000000"/>
-                        </a:solidFill>
-                        <a:effectLst/>
-                        <a:latin typeface="標楷體" panose="03000509000000000000" pitchFamily="65" charset="-120"/>
-                        <a:ea typeface="標楷體" panose="03000509000000000000" pitchFamily="65" charset="-120"/>
-                      </a:endParaRPr>
-                    </a:p>
-                  </a:txBody>
-                  <a:tcPr marL="9525" marR="9525" marT="9525" marB="0" anchor="b"/>
-                </a:tc>
-                <a:tc>
-                  <a:txBody>
-                    <a:bodyPr/>
-                    <a:lstStyle/>
-                    <a:p>
-                      <a:pPr algn="r" fontAlgn="b"/>
-                      <a:r>
-                        <a:rPr lang="en-US" altLang="zh-TW" sz="1400" u="none" strike="noStrike" dirty="0">
-                          <a:effectLst/>
-                          <a:latin typeface="標楷體" panose="03000509000000000000" pitchFamily="65" charset="-120"/>
-                          <a:ea typeface="標楷體" panose="03000509000000000000" pitchFamily="65" charset="-120"/>
-                        </a:rPr>
-                        <a:t>-18.5</a:t>
-                      </a:r>
-                      <a:endParaRPr lang="en-US" altLang="zh-TW" sz="1400" b="0" i="0" u="none" strike="noStrike" dirty="0">
-                        <a:solidFill>
-                          <a:srgbClr val="000000"/>
-                        </a:solidFill>
-                        <a:effectLst/>
-                        <a:latin typeface="標楷體" panose="03000509000000000000" pitchFamily="65" charset="-120"/>
-                        <a:ea typeface="標楷體" panose="03000509000000000000" pitchFamily="65" charset="-120"/>
-                      </a:endParaRPr>
-                    </a:p>
-                  </a:txBody>
-                  <a:tcPr marL="9525" marR="9525" marT="9525" marB="0" anchor="b"/>
-                </a:tc>
-                <a:tc>
-                  <a:txBody>
-                    <a:bodyPr/>
-                    <a:lstStyle/>
-                    <a:p>
-                      <a:pPr algn="r" fontAlgn="b"/>
-                      <a:r>
-                        <a:rPr lang="en-US" altLang="zh-TW" sz="1400" u="none" strike="noStrike" dirty="0">
-                          <a:effectLst/>
-                          <a:latin typeface="標楷體" panose="03000509000000000000" pitchFamily="65" charset="-120"/>
-                          <a:ea typeface="標楷體" panose="03000509000000000000" pitchFamily="65" charset="-120"/>
-                        </a:rPr>
-                        <a:t>-18.4</a:t>
-                      </a:r>
-                      <a:endParaRPr lang="en-US" altLang="zh-TW" sz="1400" b="0" i="0" u="none" strike="noStrike" dirty="0">
-                        <a:solidFill>
-                          <a:srgbClr val="000000"/>
-                        </a:solidFill>
-                        <a:effectLst/>
-                        <a:latin typeface="標楷體" panose="03000509000000000000" pitchFamily="65" charset="-120"/>
-                        <a:ea typeface="標楷體" panose="03000509000000000000" pitchFamily="65" charset="-120"/>
-                      </a:endParaRPr>
-                    </a:p>
-                  </a:txBody>
-                  <a:tcPr marL="9525" marR="9525" marT="9525" marB="0" anchor="b"/>
-                </a:tc>
-                <a:extLst>
-                  <a:ext uri="{0D108BD9-81ED-4DB2-BD59-A6C34878D82A}">
-                    <a16:rowId xmlns:a16="http://schemas.microsoft.com/office/drawing/2014/main" val="3463821328"/>
-                  </a:ext>
-                </a:extLst>
-              </a:tr>
-              <a:tr h="245886">
-                <a:tc>
-                  <a:txBody>
-                    <a:bodyPr/>
-                    <a:lstStyle/>
-                    <a:p>
-                      <a:pPr algn="l" fontAlgn="b"/>
-                      <a:r>
-                        <a:rPr lang="zh-TW" altLang="en-US" sz="1600" u="none" strike="noStrike" dirty="0">
-                          <a:effectLst/>
-                          <a:latin typeface="標楷體" panose="03000509000000000000" pitchFamily="65" charset="-120"/>
-                          <a:ea typeface="標楷體" panose="03000509000000000000" pitchFamily="65" charset="-120"/>
-                        </a:rPr>
-                        <a:t>相位</a:t>
-                      </a:r>
-                      <a:r>
-                        <a:rPr lang="en-US" altLang="zh-TW" sz="1600" u="none" strike="noStrike" dirty="0">
-                          <a:effectLst/>
-                          <a:latin typeface="標楷體" panose="03000509000000000000" pitchFamily="65" charset="-120"/>
-                          <a:ea typeface="標楷體" panose="03000509000000000000" pitchFamily="65" charset="-120"/>
-                        </a:rPr>
-                        <a:t>(</a:t>
-                      </a:r>
-                      <a:r>
-                        <a:rPr lang="en-US" sz="1600" u="none" strike="noStrike" dirty="0">
-                          <a:effectLst/>
-                          <a:latin typeface="標楷體" panose="03000509000000000000" pitchFamily="65" charset="-120"/>
-                          <a:ea typeface="標楷體" panose="03000509000000000000" pitchFamily="65" charset="-120"/>
-                        </a:rPr>
-                        <a:t>deg)</a:t>
-                      </a:r>
-                      <a:endParaRPr lang="en-US" sz="1600" b="0" i="0" u="none" strike="noStrike" dirty="0">
-                        <a:solidFill>
-                          <a:srgbClr val="000000"/>
-                        </a:solidFill>
-                        <a:effectLst/>
-                        <a:latin typeface="標楷體" panose="03000509000000000000" pitchFamily="65" charset="-120"/>
-                        <a:ea typeface="標楷體" panose="03000509000000000000" pitchFamily="65" charset="-120"/>
-                      </a:endParaRPr>
-                    </a:p>
-                  </a:txBody>
-                  <a:tcPr marL="9525" marR="9525" marT="9525" marB="0" anchor="b"/>
-                </a:tc>
-                <a:tc>
-                  <a:txBody>
-                    <a:bodyPr/>
-                    <a:lstStyle/>
-                    <a:p>
-                      <a:pPr algn="r" fontAlgn="b"/>
-                      <a:r>
-                        <a:rPr lang="en-US" altLang="zh-TW" sz="1400" u="none" strike="noStrike">
-                          <a:effectLst/>
-                          <a:latin typeface="標楷體" panose="03000509000000000000" pitchFamily="65" charset="-120"/>
-                          <a:ea typeface="標楷體" panose="03000509000000000000" pitchFamily="65" charset="-120"/>
-                        </a:rPr>
-                        <a:t>-13.95</a:t>
-                      </a:r>
-                      <a:endParaRPr lang="en-US" altLang="zh-TW" sz="1400" b="0" i="0" u="none" strike="noStrike">
-                        <a:solidFill>
-                          <a:srgbClr val="000000"/>
-                        </a:solidFill>
-                        <a:effectLst/>
-                        <a:latin typeface="標楷體" panose="03000509000000000000" pitchFamily="65" charset="-120"/>
-                        <a:ea typeface="標楷體" panose="03000509000000000000" pitchFamily="65" charset="-120"/>
-                      </a:endParaRPr>
-                    </a:p>
-                  </a:txBody>
-                  <a:tcPr marL="9525" marR="9525" marT="9525" marB="0" anchor="b"/>
-                </a:tc>
-                <a:tc>
-                  <a:txBody>
-                    <a:bodyPr/>
-                    <a:lstStyle/>
-                    <a:p>
-                      <a:pPr algn="r" fontAlgn="b"/>
-                      <a:r>
-                        <a:rPr lang="en-US" altLang="zh-TW" sz="1400" u="none" strike="noStrike">
-                          <a:effectLst/>
-                          <a:latin typeface="標楷體" panose="03000509000000000000" pitchFamily="65" charset="-120"/>
-                          <a:ea typeface="標楷體" panose="03000509000000000000" pitchFamily="65" charset="-120"/>
-                        </a:rPr>
-                        <a:t>-19.86</a:t>
-                      </a:r>
-                      <a:endParaRPr lang="en-US" altLang="zh-TW" sz="1400" b="0" i="0" u="none" strike="noStrike">
-                        <a:solidFill>
-                          <a:srgbClr val="000000"/>
-                        </a:solidFill>
-                        <a:effectLst/>
-                        <a:latin typeface="標楷體" panose="03000509000000000000" pitchFamily="65" charset="-120"/>
-                        <a:ea typeface="標楷體" panose="03000509000000000000" pitchFamily="65" charset="-120"/>
-                      </a:endParaRPr>
-                    </a:p>
-                  </a:txBody>
-                  <a:tcPr marL="9525" marR="9525" marT="9525" marB="0" anchor="b"/>
-                </a:tc>
-                <a:tc>
-                  <a:txBody>
-                    <a:bodyPr/>
-                    <a:lstStyle/>
-                    <a:p>
-                      <a:pPr algn="r" fontAlgn="b"/>
-                      <a:r>
-                        <a:rPr lang="en-US" altLang="zh-TW" sz="1400" u="none" strike="noStrike">
-                          <a:effectLst/>
-                          <a:latin typeface="標楷體" panose="03000509000000000000" pitchFamily="65" charset="-120"/>
-                          <a:ea typeface="標楷體" panose="03000509000000000000" pitchFamily="65" charset="-120"/>
-                        </a:rPr>
-                        <a:t>-33</a:t>
-                      </a:r>
-                      <a:endParaRPr lang="en-US" altLang="zh-TW" sz="1400" b="0" i="0" u="none" strike="noStrike">
-                        <a:solidFill>
-                          <a:srgbClr val="000000"/>
-                        </a:solidFill>
-                        <a:effectLst/>
-                        <a:latin typeface="標楷體" panose="03000509000000000000" pitchFamily="65" charset="-120"/>
-                        <a:ea typeface="標楷體" panose="03000509000000000000" pitchFamily="65" charset="-120"/>
-                      </a:endParaRPr>
-                    </a:p>
-                  </a:txBody>
-                  <a:tcPr marL="9525" marR="9525" marT="9525" marB="0" anchor="b"/>
-                </a:tc>
-                <a:tc>
-                  <a:txBody>
-                    <a:bodyPr/>
-                    <a:lstStyle/>
-                    <a:p>
-                      <a:pPr algn="r" fontAlgn="b"/>
-                      <a:r>
-                        <a:rPr lang="en-US" altLang="zh-TW" sz="1400" u="none" strike="noStrike">
-                          <a:effectLst/>
-                          <a:latin typeface="標楷體" panose="03000509000000000000" pitchFamily="65" charset="-120"/>
-                          <a:ea typeface="標楷體" panose="03000509000000000000" pitchFamily="65" charset="-120"/>
-                        </a:rPr>
-                        <a:t>-55.6</a:t>
-                      </a:r>
-                      <a:endParaRPr lang="en-US" altLang="zh-TW" sz="1400" b="0" i="0" u="none" strike="noStrike">
-                        <a:solidFill>
-                          <a:srgbClr val="000000"/>
-                        </a:solidFill>
-                        <a:effectLst/>
-                        <a:latin typeface="標楷體" panose="03000509000000000000" pitchFamily="65" charset="-120"/>
-                        <a:ea typeface="標楷體" panose="03000509000000000000" pitchFamily="65" charset="-120"/>
-                      </a:endParaRPr>
-                    </a:p>
-                  </a:txBody>
-                  <a:tcPr marL="9525" marR="9525" marT="9525" marB="0" anchor="b"/>
-                </a:tc>
-                <a:tc>
-                  <a:txBody>
-                    <a:bodyPr/>
-                    <a:lstStyle/>
-                    <a:p>
-                      <a:pPr algn="r" fontAlgn="b"/>
-                      <a:r>
-                        <a:rPr lang="en-US" altLang="zh-TW" sz="1400" u="none" strike="noStrike">
-                          <a:effectLst/>
-                          <a:latin typeface="標楷體" panose="03000509000000000000" pitchFamily="65" charset="-120"/>
-                          <a:ea typeface="標楷體" panose="03000509000000000000" pitchFamily="65" charset="-120"/>
-                        </a:rPr>
-                        <a:t>-67.14</a:t>
-                      </a:r>
-                      <a:endParaRPr lang="en-US" altLang="zh-TW" sz="1400" b="0" i="0" u="none" strike="noStrike">
-                        <a:solidFill>
-                          <a:srgbClr val="000000"/>
-                        </a:solidFill>
-                        <a:effectLst/>
-                        <a:latin typeface="標楷體" panose="03000509000000000000" pitchFamily="65" charset="-120"/>
-                        <a:ea typeface="標楷體" panose="03000509000000000000" pitchFamily="65" charset="-120"/>
-                      </a:endParaRPr>
-                    </a:p>
-                  </a:txBody>
-                  <a:tcPr marL="9525" marR="9525" marT="9525" marB="0" anchor="b"/>
-                </a:tc>
-                <a:tc>
-                  <a:txBody>
-                    <a:bodyPr/>
-                    <a:lstStyle/>
-                    <a:p>
-                      <a:pPr algn="r" fontAlgn="b"/>
-                      <a:r>
-                        <a:rPr lang="en-US" altLang="zh-TW" sz="1400" u="none" strike="noStrike">
-                          <a:effectLst/>
-                          <a:latin typeface="標楷體" panose="03000509000000000000" pitchFamily="65" charset="-120"/>
-                          <a:ea typeface="標楷體" panose="03000509000000000000" pitchFamily="65" charset="-120"/>
-                        </a:rPr>
-                        <a:t>-108.3</a:t>
-                      </a:r>
-                      <a:endParaRPr lang="en-US" altLang="zh-TW" sz="1400" b="0" i="0" u="none" strike="noStrike">
-                        <a:solidFill>
-                          <a:srgbClr val="000000"/>
-                        </a:solidFill>
-                        <a:effectLst/>
-                        <a:latin typeface="標楷體" panose="03000509000000000000" pitchFamily="65" charset="-120"/>
-                        <a:ea typeface="標楷體" panose="03000509000000000000" pitchFamily="65" charset="-120"/>
-                      </a:endParaRPr>
-                    </a:p>
-                  </a:txBody>
-                  <a:tcPr marL="9525" marR="9525" marT="9525" marB="0" anchor="b"/>
-                </a:tc>
-                <a:tc>
-                  <a:txBody>
-                    <a:bodyPr/>
-                    <a:lstStyle/>
-                    <a:p>
-                      <a:pPr algn="r" fontAlgn="b"/>
-                      <a:r>
-                        <a:rPr lang="en-US" altLang="zh-TW" sz="1400" u="none" strike="noStrike">
-                          <a:effectLst/>
-                          <a:latin typeface="標楷體" panose="03000509000000000000" pitchFamily="65" charset="-120"/>
-                          <a:ea typeface="標楷體" panose="03000509000000000000" pitchFamily="65" charset="-120"/>
-                        </a:rPr>
-                        <a:t>-90</a:t>
-                      </a:r>
-                      <a:endParaRPr lang="en-US" altLang="zh-TW" sz="1400" b="0" i="0" u="none" strike="noStrike">
-                        <a:solidFill>
-                          <a:srgbClr val="000000"/>
-                        </a:solidFill>
-                        <a:effectLst/>
-                        <a:latin typeface="標楷體" panose="03000509000000000000" pitchFamily="65" charset="-120"/>
-                        <a:ea typeface="標楷體" panose="03000509000000000000" pitchFamily="65" charset="-120"/>
-                      </a:endParaRPr>
-                    </a:p>
-                  </a:txBody>
-                  <a:tcPr marL="9525" marR="9525" marT="9525" marB="0" anchor="b"/>
-                </a:tc>
-                <a:tc>
-                  <a:txBody>
-                    <a:bodyPr/>
-                    <a:lstStyle/>
-                    <a:p>
-                      <a:pPr algn="r" fontAlgn="b"/>
-                      <a:r>
-                        <a:rPr lang="en-US" altLang="zh-TW" sz="1400" u="none" strike="noStrike">
-                          <a:effectLst/>
-                          <a:latin typeface="標楷體" panose="03000509000000000000" pitchFamily="65" charset="-120"/>
-                          <a:ea typeface="標楷體" panose="03000509000000000000" pitchFamily="65" charset="-120"/>
-                        </a:rPr>
-                        <a:t>-90</a:t>
-                      </a:r>
-                      <a:endParaRPr lang="en-US" altLang="zh-TW" sz="1400" b="0" i="0" u="none" strike="noStrike">
-                        <a:solidFill>
-                          <a:srgbClr val="000000"/>
-                        </a:solidFill>
-                        <a:effectLst/>
-                        <a:latin typeface="標楷體" panose="03000509000000000000" pitchFamily="65" charset="-120"/>
-                        <a:ea typeface="標楷體" panose="03000509000000000000" pitchFamily="65" charset="-120"/>
-                      </a:endParaRPr>
-                    </a:p>
-                  </a:txBody>
-                  <a:tcPr marL="9525" marR="9525" marT="9525" marB="0" anchor="b"/>
-                </a:tc>
-                <a:tc>
-                  <a:txBody>
-                    <a:bodyPr/>
-                    <a:lstStyle/>
-                    <a:p>
-                      <a:pPr algn="r" fontAlgn="b"/>
-                      <a:r>
-                        <a:rPr lang="en-US" altLang="zh-TW" sz="1400" u="none" strike="noStrike">
-                          <a:effectLst/>
-                          <a:latin typeface="標楷體" panose="03000509000000000000" pitchFamily="65" charset="-120"/>
-                          <a:ea typeface="標楷體" panose="03000509000000000000" pitchFamily="65" charset="-120"/>
-                        </a:rPr>
-                        <a:t>-84.5</a:t>
-                      </a:r>
-                      <a:endParaRPr lang="en-US" altLang="zh-TW" sz="1400" b="0" i="0" u="none" strike="noStrike">
-                        <a:solidFill>
-                          <a:srgbClr val="000000"/>
-                        </a:solidFill>
-                        <a:effectLst/>
-                        <a:latin typeface="標楷體" panose="03000509000000000000" pitchFamily="65" charset="-120"/>
-                        <a:ea typeface="標楷體" panose="03000509000000000000" pitchFamily="65" charset="-120"/>
-                      </a:endParaRPr>
-                    </a:p>
-                  </a:txBody>
-                  <a:tcPr marL="9525" marR="9525" marT="9525" marB="0" anchor="b"/>
-                </a:tc>
-                <a:tc>
-                  <a:txBody>
-                    <a:bodyPr/>
-                    <a:lstStyle/>
-                    <a:p>
-                      <a:pPr algn="r" fontAlgn="b"/>
-                      <a:r>
-                        <a:rPr lang="en-US" altLang="zh-TW" sz="1400" u="none" strike="noStrike">
-                          <a:effectLst/>
-                          <a:latin typeface="標楷體" panose="03000509000000000000" pitchFamily="65" charset="-120"/>
-                          <a:ea typeface="標楷體" panose="03000509000000000000" pitchFamily="65" charset="-120"/>
-                        </a:rPr>
-                        <a:t>-94.28</a:t>
-                      </a:r>
-                      <a:endParaRPr lang="en-US" altLang="zh-TW" sz="1400" b="0" i="0" u="none" strike="noStrike">
-                        <a:solidFill>
-                          <a:srgbClr val="000000"/>
-                        </a:solidFill>
-                        <a:effectLst/>
-                        <a:latin typeface="標楷體" panose="03000509000000000000" pitchFamily="65" charset="-120"/>
-                        <a:ea typeface="標楷體" panose="03000509000000000000" pitchFamily="65" charset="-120"/>
-                      </a:endParaRPr>
-                    </a:p>
-                  </a:txBody>
-                  <a:tcPr marL="9525" marR="9525" marT="9525" marB="0" anchor="b"/>
-                </a:tc>
-                <a:tc>
-                  <a:txBody>
-                    <a:bodyPr/>
-                    <a:lstStyle/>
-                    <a:p>
-                      <a:pPr algn="r" fontAlgn="b"/>
-                      <a:r>
-                        <a:rPr lang="en-US" altLang="zh-TW" sz="1400" u="none" strike="noStrike" dirty="0">
-                          <a:effectLst/>
-                          <a:latin typeface="標楷體" panose="03000509000000000000" pitchFamily="65" charset="-120"/>
-                          <a:ea typeface="標楷體" panose="03000509000000000000" pitchFamily="65" charset="-120"/>
-                        </a:rPr>
-                        <a:t>-91.91</a:t>
-                      </a:r>
-                      <a:endParaRPr lang="en-US" altLang="zh-TW" sz="1400" b="0" i="0" u="none" strike="noStrike" dirty="0">
-                        <a:solidFill>
-                          <a:srgbClr val="000000"/>
-                        </a:solidFill>
-                        <a:effectLst/>
-                        <a:latin typeface="標楷體" panose="03000509000000000000" pitchFamily="65" charset="-120"/>
-                        <a:ea typeface="標楷體" panose="03000509000000000000" pitchFamily="65" charset="-120"/>
-                      </a:endParaRPr>
-                    </a:p>
-                  </a:txBody>
-                  <a:tcPr marL="9525" marR="9525" marT="9525" marB="0" anchor="b"/>
-                </a:tc>
-                <a:extLst>
-                  <a:ext uri="{0D108BD9-81ED-4DB2-BD59-A6C34878D82A}">
-                    <a16:rowId xmlns:a16="http://schemas.microsoft.com/office/drawing/2014/main" val="1636589332"/>
+                    <a16:rowId xmlns:a16="http://schemas.microsoft.com/office/drawing/2014/main" val="10006"/>
                   </a:ext>
                 </a:extLst>
               </a:tr>
@@ -7101,7 +5639,7 @@
 </p:sld>
 </file>
 
-<file path=ppt/slides/slide3.xml><?xml version="1.0" encoding="utf-8"?>
+<file path=ppt/slides/slide4.xml><?xml version="1.0" encoding="utf-8"?>
 <p:sld xmlns:a="http://schemas.openxmlformats.org/drawingml/2006/main" xmlns:r="http://schemas.openxmlformats.org/officeDocument/2006/relationships" xmlns:p="http://schemas.openxmlformats.org/presentationml/2006/main">
   <p:cSld>
     <p:spTree>
@@ -7124,12 +5662,54 @@
           <a:chExt cx="0" cy="0"/>
         </a:xfrm>
       </p:grpSpPr>
+      <p:sp>
+        <p:nvSpPr>
+          <p:cNvPr id="2" name="標題 1">
+            <a:extLst>
+              <a:ext uri="{FF2B5EF4-FFF2-40B4-BE49-F238E27FC236}">
+                <a16:creationId xmlns:a16="http://schemas.microsoft.com/office/drawing/2014/main" id="{B4E02F8F-EFCB-133E-348F-EB547F2F28F3}"/>
+              </a:ext>
+            </a:extLst>
+          </p:cNvPr>
+          <p:cNvSpPr>
+            <a:spLocks noGrp="1"/>
+          </p:cNvSpPr>
+          <p:nvPr>
+            <p:ph type="title"/>
+          </p:nvPr>
+        </p:nvSpPr>
+        <p:spPr/>
+        <p:txBody>
+          <a:bodyPr/>
+          <a:lstStyle/>
+          <a:p>
+            <a:r>
+              <a:rPr lang="zh-TW" altLang="en-US" dirty="0">
+                <a:latin typeface="標楷體" panose="03000509000000000000" pitchFamily="65" charset="-120"/>
+                <a:ea typeface="標楷體" panose="03000509000000000000" pitchFamily="65" charset="-120"/>
+              </a:rPr>
+              <a:t>實驗</a:t>
+            </a:r>
+            <a:r>
+              <a:rPr lang="en-US" altLang="zh-TW" dirty="0">
+                <a:latin typeface="標楷體" panose="03000509000000000000" pitchFamily="65" charset="-120"/>
+                <a:ea typeface="標楷體" panose="03000509000000000000" pitchFamily="65" charset="-120"/>
+              </a:rPr>
+              <a:t>9-1</a:t>
+            </a:r>
+            <a:endParaRPr lang="zh-TW" altLang="en-US" dirty="0">
+              <a:latin typeface="標楷體" panose="03000509000000000000" pitchFamily="65" charset="-120"/>
+              <a:ea typeface="標楷體" panose="03000509000000000000" pitchFamily="65" charset="-120"/>
+            </a:endParaRPr>
+          </a:p>
+        </p:txBody>
+      </p:sp>
       <p:pic>
         <p:nvPicPr>
-          <p:cNvPr id="9" name="圖片 8">
-            <a:extLst>
-              <a:ext uri="{FF2B5EF4-FFF2-40B4-BE49-F238E27FC236}">
-                <a16:creationId xmlns:a16="http://schemas.microsoft.com/office/drawing/2014/main" id="{6A00C0A7-6A53-C0ED-74FC-C380EC101130}"/>
+          <p:cNvPr id="4" name="圖片 3">
+            <a:extLst>
+              <a:ext uri="{FF2B5EF4-FFF2-40B4-BE49-F238E27FC236}">
+                <a16:creationId xmlns:a16="http://schemas.microsoft.com/office/drawing/2014/main" id="{AF217C7E-3D5C-3C4B-C9B2-7D47ED9A2998}"/>
               </a:ext>
             </a:extLst>
           </p:cNvPr>
@@ -7146,149 +5726,20 @@
         </p:blipFill>
         <p:spPr>
           <a:xfrm>
-            <a:off x="2925128" y="2448560"/>
-            <a:ext cx="5896944" cy="4242841"/>
+            <a:off x="1125944" y="1564399"/>
+            <a:ext cx="1400312" cy="273110"/>
           </a:xfrm>
           <a:prstGeom prst="rect">
             <a:avLst/>
           </a:prstGeom>
         </p:spPr>
       </p:pic>
-      <p:sp>
-        <p:nvSpPr>
-          <p:cNvPr id="2" name="標題 1">
-            <a:extLst>
-              <a:ext uri="{FF2B5EF4-FFF2-40B4-BE49-F238E27FC236}">
-                <a16:creationId xmlns:a16="http://schemas.microsoft.com/office/drawing/2014/main" id="{B4E02F8F-EFCB-133E-348F-EB547F2F28F3}"/>
-              </a:ext>
-            </a:extLst>
-          </p:cNvPr>
-          <p:cNvSpPr>
-            <a:spLocks noGrp="1"/>
-          </p:cNvSpPr>
-          <p:nvPr>
-            <p:ph type="title"/>
-          </p:nvPr>
-        </p:nvSpPr>
-        <p:spPr/>
-        <p:txBody>
-          <a:bodyPr/>
-          <a:lstStyle/>
-          <a:p>
-            <a:r>
-              <a:rPr lang="zh-TW" altLang="en-US" dirty="0">
-                <a:latin typeface="標楷體" panose="03000509000000000000" pitchFamily="65" charset="-120"/>
-                <a:ea typeface="標楷體" panose="03000509000000000000" pitchFamily="65" charset="-120"/>
-              </a:rPr>
-              <a:t>實驗</a:t>
-            </a:r>
-            <a:r>
-              <a:rPr lang="en-US" altLang="zh-TW" dirty="0">
-                <a:latin typeface="標楷體" panose="03000509000000000000" pitchFamily="65" charset="-120"/>
-                <a:ea typeface="標楷體" panose="03000509000000000000" pitchFamily="65" charset="-120"/>
-              </a:rPr>
-              <a:t>7-1</a:t>
-            </a:r>
-            <a:r>
-              <a:rPr lang="zh-TW" altLang="en-US" dirty="0">
-                <a:latin typeface="標楷體" panose="03000509000000000000" pitchFamily="65" charset="-120"/>
-                <a:ea typeface="標楷體" panose="03000509000000000000" pitchFamily="65" charset="-120"/>
-              </a:rPr>
-              <a:t>實驗</a:t>
-            </a:r>
-          </a:p>
-        </p:txBody>
-      </p:sp>
-      <p:sp>
-        <p:nvSpPr>
-          <p:cNvPr id="5" name="文字方塊 4">
-            <a:extLst>
-              <a:ext uri="{FF2B5EF4-FFF2-40B4-BE49-F238E27FC236}">
-                <a16:creationId xmlns:a16="http://schemas.microsoft.com/office/drawing/2014/main" id="{BFA2612A-ADEE-66A5-C51F-F234BB788CCB}"/>
-              </a:ext>
-            </a:extLst>
-          </p:cNvPr>
-          <p:cNvSpPr txBox="1"/>
-          <p:nvPr/>
-        </p:nvSpPr>
-        <p:spPr>
-          <a:xfrm rot="16200000">
-            <a:off x="2685465" y="5467577"/>
-            <a:ext cx="919480" cy="307777"/>
-          </a:xfrm>
-          <a:prstGeom prst="rect">
-            <a:avLst/>
-          </a:prstGeom>
-          <a:noFill/>
-        </p:spPr>
-        <p:txBody>
-          <a:bodyPr wrap="square" rtlCol="0">
-            <a:spAutoFit/>
-          </a:bodyPr>
-          <a:lstStyle/>
-          <a:p>
-            <a:r>
-              <a:rPr lang="en-US" altLang="zh-TW" sz="1400" dirty="0">
-                <a:latin typeface="Times New Roman" panose="02020603050405020304" pitchFamily="18" charset="0"/>
-                <a:cs typeface="Times New Roman" panose="02020603050405020304" pitchFamily="18" charset="0"/>
-              </a:rPr>
-              <a:t>Phase</a:t>
-            </a:r>
-            <a:endParaRPr lang="zh-TW" altLang="en-US" sz="1400" dirty="0">
-              <a:latin typeface="Times New Roman" panose="02020603050405020304" pitchFamily="18" charset="0"/>
-              <a:cs typeface="Times New Roman" panose="02020603050405020304" pitchFamily="18" charset="0"/>
-            </a:endParaRPr>
-          </a:p>
-        </p:txBody>
-      </p:sp>
-      <p:sp>
-        <p:nvSpPr>
-          <p:cNvPr id="10" name="文字方塊 9">
-            <a:extLst>
-              <a:ext uri="{FF2B5EF4-FFF2-40B4-BE49-F238E27FC236}">
-                <a16:creationId xmlns:a16="http://schemas.microsoft.com/office/drawing/2014/main" id="{6E47CCB2-1825-0AB5-A0B3-360744FEF594}"/>
-              </a:ext>
-            </a:extLst>
-          </p:cNvPr>
-          <p:cNvSpPr txBox="1"/>
-          <p:nvPr/>
-        </p:nvSpPr>
-        <p:spPr>
-          <a:xfrm rot="16200000">
-            <a:off x="2672841" y="3925276"/>
-            <a:ext cx="1066650" cy="307777"/>
-          </a:xfrm>
-          <a:prstGeom prst="rect">
-            <a:avLst/>
-          </a:prstGeom>
-          <a:noFill/>
-        </p:spPr>
-        <p:txBody>
-          <a:bodyPr wrap="square" rtlCol="0">
-            <a:spAutoFit/>
-          </a:bodyPr>
-          <a:lstStyle/>
-          <a:p>
-            <a:r>
-              <a:rPr lang="en-US" altLang="zh-TW" sz="1400" dirty="0">
-                <a:latin typeface="Times New Roman" panose="02020603050405020304" pitchFamily="18" charset="0"/>
-                <a:cs typeface="Times New Roman" panose="02020603050405020304" pitchFamily="18" charset="0"/>
-              </a:rPr>
-              <a:t>Magnitude</a:t>
-            </a:r>
-            <a:endParaRPr lang="zh-TW" altLang="en-US" sz="1400" dirty="0">
-              <a:latin typeface="Times New Roman" panose="02020603050405020304" pitchFamily="18" charset="0"/>
-              <a:cs typeface="Times New Roman" panose="02020603050405020304" pitchFamily="18" charset="0"/>
-            </a:endParaRPr>
-          </a:p>
-        </p:txBody>
-      </p:sp>
       <p:pic>
         <p:nvPicPr>
-          <p:cNvPr id="11" name="圖片 10">
-            <a:extLst>
-              <a:ext uri="{FF2B5EF4-FFF2-40B4-BE49-F238E27FC236}">
-                <a16:creationId xmlns:a16="http://schemas.microsoft.com/office/drawing/2014/main" id="{15562509-2020-2010-6BE7-9F35E7C1BDF6}"/>
+          <p:cNvPr id="6" name="圖片 5">
+            <a:extLst>
+              <a:ext uri="{FF2B5EF4-FFF2-40B4-BE49-F238E27FC236}">
+                <a16:creationId xmlns:a16="http://schemas.microsoft.com/office/drawing/2014/main" id="{5CF7C93D-1D05-D8A4-42CD-C7DDBDDC1039}"/>
               </a:ext>
             </a:extLst>
           </p:cNvPr>
@@ -7305,8 +5756,8 @@
         </p:blipFill>
         <p:spPr>
           <a:xfrm>
-            <a:off x="992777" y="1498297"/>
-            <a:ext cx="8335758" cy="707920"/>
+            <a:off x="3429000" y="1564399"/>
+            <a:ext cx="5334000" cy="4000500"/>
           </a:xfrm>
           <a:prstGeom prst="rect">
             <a:avLst/>
@@ -7317,165 +5768,6 @@
     <p:extLst>
       <p:ext uri="{BB962C8B-B14F-4D97-AF65-F5344CB8AC3E}">
         <p14:creationId xmlns:p14="http://schemas.microsoft.com/office/powerpoint/2010/main" val="34045092"/>
-      </p:ext>
-    </p:extLst>
-  </p:cSld>
-  <p:clrMapOvr>
-    <a:masterClrMapping/>
-  </p:clrMapOvr>
-</p:sld>
-</file>
-
-<file path=ppt/slides/slide4.xml><?xml version="1.0" encoding="utf-8"?>
-<p:sld xmlns:a="http://schemas.openxmlformats.org/drawingml/2006/main" xmlns:r="http://schemas.openxmlformats.org/officeDocument/2006/relationships" xmlns:p="http://schemas.openxmlformats.org/presentationml/2006/main">
-  <p:cSld>
-    <p:spTree>
-      <p:nvGrpSpPr>
-        <p:cNvPr id="1" name=""/>
-        <p:cNvGrpSpPr/>
-        <p:nvPr/>
-      </p:nvGrpSpPr>
-      <p:grpSpPr>
-        <a:xfrm>
-          <a:off x="0" y="0"/>
-          <a:ext cx="0" cy="0"/>
-          <a:chOff x="0" y="0"/>
-          <a:chExt cx="0" cy="0"/>
-        </a:xfrm>
-      </p:grpSpPr>
-      <p:sp>
-        <p:nvSpPr>
-          <p:cNvPr id="2" name="標題 1"/>
-          <p:cNvSpPr>
-            <a:spLocks noGrp="1"/>
-          </p:cNvSpPr>
-          <p:nvPr>
-            <p:ph type="title"/>
-          </p:nvPr>
-        </p:nvSpPr>
-        <p:spPr/>
-        <p:txBody>
-          <a:bodyPr/>
-          <a:lstStyle/>
-          <a:p>
-            <a:r>
-              <a:rPr lang="zh-TW" altLang="en-US" dirty="0">
-                <a:latin typeface="標楷體" panose="03000509000000000000" pitchFamily="65" charset="-120"/>
-                <a:ea typeface="標楷體" panose="03000509000000000000" pitchFamily="65" charset="-120"/>
-              </a:rPr>
-              <a:t>實驗</a:t>
-            </a:r>
-            <a:r>
-              <a:rPr lang="en-US" altLang="zh-TW" dirty="0">
-                <a:latin typeface="標楷體" panose="03000509000000000000" pitchFamily="65" charset="-120"/>
-                <a:ea typeface="標楷體" panose="03000509000000000000" pitchFamily="65" charset="-120"/>
-              </a:rPr>
-              <a:t>7-1</a:t>
-            </a:r>
-            <a:r>
-              <a:rPr lang="zh-TW" altLang="en-US" dirty="0">
-                <a:latin typeface="標楷體" panose="03000509000000000000" pitchFamily="65" charset="-120"/>
-                <a:ea typeface="標楷體" panose="03000509000000000000" pitchFamily="65" charset="-120"/>
-              </a:rPr>
-              <a:t>模擬</a:t>
-            </a:r>
-          </a:p>
-        </p:txBody>
-      </p:sp>
-      <p:pic>
-        <p:nvPicPr>
-          <p:cNvPr id="3" name="圖片 2"/>
-          <p:cNvPicPr>
-            <a:picLocks noChangeAspect="1"/>
-          </p:cNvPicPr>
-          <p:nvPr/>
-        </p:nvPicPr>
-        <p:blipFill>
-          <a:blip r:embed="rId2"/>
-          <a:stretch>
-            <a:fillRect/>
-          </a:stretch>
-        </p:blipFill>
-        <p:spPr>
-          <a:xfrm>
-            <a:off x="838200" y="1645474"/>
-            <a:ext cx="7452360" cy="318089"/>
-          </a:xfrm>
-          <a:prstGeom prst="rect">
-            <a:avLst/>
-          </a:prstGeom>
-        </p:spPr>
-      </p:pic>
-      <p:pic>
-        <p:nvPicPr>
-          <p:cNvPr id="4" name="圖片 3">
-            <a:extLst>
-              <a:ext uri="{FF2B5EF4-FFF2-40B4-BE49-F238E27FC236}">
-                <a16:creationId xmlns:a16="http://schemas.microsoft.com/office/drawing/2014/main" id="{565668E9-E39B-2416-CC58-58572BA0FC8C}"/>
-              </a:ext>
-            </a:extLst>
-          </p:cNvPr>
-          <p:cNvPicPr>
-            <a:picLocks noChangeAspect="1"/>
-          </p:cNvPicPr>
-          <p:nvPr/>
-        </p:nvPicPr>
-        <p:blipFill>
-          <a:blip r:embed="rId3"/>
-          <a:stretch>
-            <a:fillRect/>
-          </a:stretch>
-        </p:blipFill>
-        <p:spPr>
-          <a:xfrm>
-            <a:off x="3194079" y="2317182"/>
-            <a:ext cx="5194242" cy="3895682"/>
-          </a:xfrm>
-          <a:prstGeom prst="rect">
-            <a:avLst/>
-          </a:prstGeom>
-        </p:spPr>
-      </p:pic>
-      <p:sp>
-        <p:nvSpPr>
-          <p:cNvPr id="5" name="文字方塊 4">
-            <a:extLst>
-              <a:ext uri="{FF2B5EF4-FFF2-40B4-BE49-F238E27FC236}">
-                <a16:creationId xmlns:a16="http://schemas.microsoft.com/office/drawing/2014/main" id="{F7A11A38-F428-B2B9-862B-6F4AFC4ACEDE}"/>
-              </a:ext>
-            </a:extLst>
-          </p:cNvPr>
-          <p:cNvSpPr txBox="1"/>
-          <p:nvPr/>
-        </p:nvSpPr>
-        <p:spPr>
-          <a:xfrm rot="16200000">
-            <a:off x="8107680" y="3098800"/>
-            <a:ext cx="919480" cy="369332"/>
-          </a:xfrm>
-          <a:prstGeom prst="rect">
-            <a:avLst/>
-          </a:prstGeom>
-          <a:noFill/>
-        </p:spPr>
-        <p:txBody>
-          <a:bodyPr wrap="square" rtlCol="0">
-            <a:spAutoFit/>
-          </a:bodyPr>
-          <a:lstStyle/>
-          <a:p>
-            <a:r>
-              <a:rPr lang="en-US" altLang="zh-TW" dirty="0"/>
-              <a:t>Phase</a:t>
-            </a:r>
-            <a:endParaRPr lang="zh-TW" altLang="en-US" dirty="0"/>
-          </a:p>
-        </p:txBody>
-      </p:sp>
-    </p:spTree>
-    <p:extLst>
-      <p:ext uri="{BB962C8B-B14F-4D97-AF65-F5344CB8AC3E}">
-        <p14:creationId xmlns:p14="http://schemas.microsoft.com/office/powerpoint/2010/main" val="1442482796"/>
       </p:ext>
     </p:extLst>
   </p:cSld>
@@ -7507,7 +5799,7 @@
           <p:cNvPr id="2" name="標題 1">
             <a:extLst>
               <a:ext uri="{FF2B5EF4-FFF2-40B4-BE49-F238E27FC236}">
-                <a16:creationId xmlns:a16="http://schemas.microsoft.com/office/drawing/2014/main" id="{84EA3BB8-3A80-2645-2AE2-EA9262D3E73B}"/>
+                <a16:creationId xmlns:a16="http://schemas.microsoft.com/office/drawing/2014/main" id="{714A3A39-52F0-F61C-407A-77ECA9F2CEAF}"/>
               </a:ext>
             </a:extLst>
           </p:cNvPr>
@@ -7528,8 +5820,16 @@
                 <a:latin typeface="標楷體" panose="03000509000000000000" pitchFamily="65" charset="-120"/>
                 <a:ea typeface="標楷體" panose="03000509000000000000" pitchFamily="65" charset="-120"/>
               </a:rPr>
-              <a:t>問題與討論</a:t>
-            </a:r>
+              <a:t>模擬</a:t>
+            </a:r>
+            <a:r>
+              <a:rPr lang="en-US" altLang="zh-TW" dirty="0">
+                <a:latin typeface="標楷體" panose="03000509000000000000" pitchFamily="65" charset="-120"/>
+                <a:ea typeface="標楷體" panose="03000509000000000000" pitchFamily="65" charset="-120"/>
+              </a:rPr>
+              <a:t>9-1</a:t>
+            </a:r>
+            <a:endParaRPr lang="zh-TW" altLang="en-US" dirty="0"/>
           </a:p>
         </p:txBody>
       </p:sp>
@@ -7538,7 +5838,7 @@
           <p:cNvPr id="4" name="內容版面配置區 3">
             <a:extLst>
               <a:ext uri="{FF2B5EF4-FFF2-40B4-BE49-F238E27FC236}">
-                <a16:creationId xmlns:a16="http://schemas.microsoft.com/office/drawing/2014/main" id="{637BBCDD-9A57-99C4-8BD8-BA84564A4E55}"/>
+                <a16:creationId xmlns:a16="http://schemas.microsoft.com/office/drawing/2014/main" id="{B784A38E-4AB7-8435-6CEC-394A23875D09}"/>
               </a:ext>
             </a:extLst>
           </p:cNvPr>
@@ -7557,87 +5857,108 @@
         </p:blipFill>
         <p:spPr>
           <a:xfrm>
-            <a:off x="838200" y="1822769"/>
-            <a:ext cx="10852532" cy="3953668"/>
-          </a:xfrm>
-        </p:spPr>
-      </p:pic>
-      <p:sp>
-        <p:nvSpPr>
-          <p:cNvPr id="5" name="文字方塊 4">
-            <a:extLst>
-              <a:ext uri="{FF2B5EF4-FFF2-40B4-BE49-F238E27FC236}">
-                <a16:creationId xmlns:a16="http://schemas.microsoft.com/office/drawing/2014/main" id="{6B8772D7-BA57-EBC3-0A9C-90B495A47598}"/>
-              </a:ext>
-            </a:extLst>
-          </p:cNvPr>
-          <p:cNvSpPr txBox="1"/>
-          <p:nvPr/>
-        </p:nvSpPr>
-        <p:spPr>
-          <a:xfrm>
-            <a:off x="8900160" y="1954850"/>
-            <a:ext cx="1198880" cy="369332"/>
+            <a:off x="999095" y="2574562"/>
+            <a:ext cx="3363899" cy="3097988"/>
           </a:xfrm>
           <a:prstGeom prst="rect">
             <a:avLst/>
           </a:prstGeom>
-          <a:noFill/>
         </p:spPr>
-        <p:txBody>
-          <a:bodyPr wrap="square" rtlCol="0">
-            <a:spAutoFit/>
-          </a:bodyPr>
-          <a:lstStyle/>
-          <a:p>
-            <a:r>
-              <a:rPr lang="en-US" altLang="zh-TW" dirty="0"/>
-              <a:t>yes</a:t>
-            </a:r>
-            <a:endParaRPr lang="zh-TW" altLang="en-US" dirty="0"/>
-          </a:p>
-        </p:txBody>
-      </p:sp>
-      <p:sp>
-        <p:nvSpPr>
-          <p:cNvPr id="7" name="文字方塊 6">
-            <a:extLst>
-              <a:ext uri="{FF2B5EF4-FFF2-40B4-BE49-F238E27FC236}">
-                <a16:creationId xmlns:a16="http://schemas.microsoft.com/office/drawing/2014/main" id="{9B979FDF-88C1-5D3C-D5EC-3C794388CB95}"/>
-              </a:ext>
-            </a:extLst>
-          </p:cNvPr>
-          <p:cNvSpPr txBox="1"/>
+      </p:pic>
+      <p:pic>
+        <p:nvPicPr>
+          <p:cNvPr id="5" name="圖片 4">
+            <a:extLst>
+              <a:ext uri="{FF2B5EF4-FFF2-40B4-BE49-F238E27FC236}">
+                <a16:creationId xmlns:a16="http://schemas.microsoft.com/office/drawing/2014/main" id="{D36C4F74-64AC-139B-DE1A-33BEBE771B23}"/>
+              </a:ext>
+            </a:extLst>
+          </p:cNvPr>
+          <p:cNvPicPr>
+            <a:picLocks noChangeAspect="1"/>
+          </p:cNvPicPr>
           <p:nvPr/>
-        </p:nvSpPr>
+        </p:nvPicPr>
+        <p:blipFill>
+          <a:blip r:embed="rId3"/>
+          <a:stretch>
+            <a:fillRect/>
+          </a:stretch>
+        </p:blipFill>
         <p:spPr>
           <a:xfrm>
-            <a:off x="10067608" y="4941890"/>
-            <a:ext cx="1198880" cy="369332"/>
+            <a:off x="4722972" y="2574562"/>
+            <a:ext cx="3363899" cy="3097989"/>
           </a:xfrm>
           <a:prstGeom prst="rect">
             <a:avLst/>
           </a:prstGeom>
-          <a:noFill/>
         </p:spPr>
-        <p:txBody>
-          <a:bodyPr wrap="square" rtlCol="0">
-            <a:spAutoFit/>
-          </a:bodyPr>
-          <a:lstStyle/>
-          <a:p>
-            <a:r>
-              <a:rPr lang="en-US" altLang="zh-TW" dirty="0"/>
-              <a:t>yes</a:t>
-            </a:r>
-            <a:endParaRPr lang="zh-TW" altLang="en-US" dirty="0"/>
-          </a:p>
-        </p:txBody>
-      </p:sp>
+      </p:pic>
+      <p:pic>
+        <p:nvPicPr>
+          <p:cNvPr id="6" name="圖片 5">
+            <a:extLst>
+              <a:ext uri="{FF2B5EF4-FFF2-40B4-BE49-F238E27FC236}">
+                <a16:creationId xmlns:a16="http://schemas.microsoft.com/office/drawing/2014/main" id="{D3341665-1323-395B-E35E-B7E60D83BFA9}"/>
+              </a:ext>
+            </a:extLst>
+          </p:cNvPr>
+          <p:cNvPicPr>
+            <a:picLocks noChangeAspect="1"/>
+          </p:cNvPicPr>
+          <p:nvPr/>
+        </p:nvPicPr>
+        <p:blipFill>
+          <a:blip r:embed="rId4"/>
+          <a:stretch>
+            <a:fillRect/>
+          </a:stretch>
+        </p:blipFill>
+        <p:spPr>
+          <a:xfrm>
+            <a:off x="8534615" y="2576961"/>
+            <a:ext cx="3361294" cy="3095589"/>
+          </a:xfrm>
+          <a:prstGeom prst="rect">
+            <a:avLst/>
+          </a:prstGeom>
+        </p:spPr>
+      </p:pic>
+      <p:pic>
+        <p:nvPicPr>
+          <p:cNvPr id="8" name="圖片 7">
+            <a:extLst>
+              <a:ext uri="{FF2B5EF4-FFF2-40B4-BE49-F238E27FC236}">
+                <a16:creationId xmlns:a16="http://schemas.microsoft.com/office/drawing/2014/main" id="{F519BE68-470F-FFBE-8975-3016187E9353}"/>
+              </a:ext>
+            </a:extLst>
+          </p:cNvPr>
+          <p:cNvPicPr>
+            <a:picLocks noChangeAspect="1"/>
+          </p:cNvPicPr>
+          <p:nvPr/>
+        </p:nvPicPr>
+        <p:blipFill>
+          <a:blip r:embed="rId5"/>
+          <a:stretch>
+            <a:fillRect/>
+          </a:stretch>
+        </p:blipFill>
+        <p:spPr>
+          <a:xfrm>
+            <a:off x="999095" y="1690688"/>
+            <a:ext cx="1717603" cy="330309"/>
+          </a:xfrm>
+          <a:prstGeom prst="rect">
+            <a:avLst/>
+          </a:prstGeom>
+        </p:spPr>
+      </p:pic>
     </p:spTree>
     <p:extLst>
       <p:ext uri="{BB962C8B-B14F-4D97-AF65-F5344CB8AC3E}">
-        <p14:creationId xmlns:p14="http://schemas.microsoft.com/office/powerpoint/2010/main" val="884984280"/>
+        <p14:creationId xmlns:p14="http://schemas.microsoft.com/office/powerpoint/2010/main" val="888762750"/>
       </p:ext>
     </p:extLst>
   </p:cSld>
@@ -7669,7 +5990,7 @@
           <p:cNvPr id="2" name="標題 1">
             <a:extLst>
               <a:ext uri="{FF2B5EF4-FFF2-40B4-BE49-F238E27FC236}">
-                <a16:creationId xmlns:a16="http://schemas.microsoft.com/office/drawing/2014/main" id="{99793009-B6CF-F866-77A9-DD5474B56F77}"/>
+                <a16:creationId xmlns:a16="http://schemas.microsoft.com/office/drawing/2014/main" id="{D55AAA06-345F-951E-2D97-D2D412938D05}"/>
               </a:ext>
             </a:extLst>
           </p:cNvPr>
@@ -7686,38 +6007,18 @@
           <a:lstStyle/>
           <a:p>
             <a:r>
-              <a:rPr lang="en-US" altLang="zh-TW" smtClean="0"/>
-              <a:t>2.</a:t>
-            </a:r>
-            <a:endParaRPr lang="zh-TW" altLang="en-US" dirty="0"/>
-          </a:p>
-        </p:txBody>
-      </p:sp>
-      <p:sp>
-        <p:nvSpPr>
-          <p:cNvPr id="10" name="文字方塊 9"/>
-          <p:cNvSpPr txBox="1"/>
-          <p:nvPr/>
-        </p:nvSpPr>
-        <p:spPr>
-          <a:xfrm>
-            <a:off x="2038350" y="2019300"/>
-            <a:ext cx="2031325" cy="369332"/>
-          </a:xfrm>
-          <a:prstGeom prst="rect">
-            <a:avLst/>
-          </a:prstGeom>
-          <a:noFill/>
-        </p:spPr>
-        <p:txBody>
-          <a:bodyPr wrap="none" rtlCol="0">
-            <a:spAutoFit/>
-          </a:bodyPr>
-          <a:lstStyle/>
-          <a:p>
-            <a:r>
-              <a:rPr lang="zh-TW" altLang="en-US" dirty="0" smtClean="0"/>
-              <a:t>虛線為漸進線方法</a:t>
+              <a:rPr lang="zh-TW" altLang="en-US" dirty="0">
+                <a:latin typeface="標楷體" panose="03000509000000000000" pitchFamily="65" charset="-120"/>
+                <a:ea typeface="標楷體" panose="03000509000000000000" pitchFamily="65" charset="-120"/>
+              </a:rPr>
+              <a:t>實驗</a:t>
+            </a:r>
+            <a:r>
+              <a:rPr lang="en-US" altLang="zh-TW" dirty="0">
+                <a:latin typeface="標楷體" panose="03000509000000000000" pitchFamily="65" charset="-120"/>
+                <a:ea typeface="標楷體" panose="03000509000000000000" pitchFamily="65" charset="-120"/>
+              </a:rPr>
+              <a:t>9-1</a:t>
             </a:r>
             <a:endParaRPr lang="zh-TW" altLang="en-US" dirty="0"/>
           </a:p>
@@ -7725,37 +6026,70 @@
       </p:sp>
       <p:pic>
         <p:nvPicPr>
-          <p:cNvPr id="12" name="內容版面配置區 11"/>
+          <p:cNvPr id="5" name="圖片 4">
+            <a:extLst>
+              <a:ext uri="{FF2B5EF4-FFF2-40B4-BE49-F238E27FC236}">
+                <a16:creationId xmlns:a16="http://schemas.microsoft.com/office/drawing/2014/main" id="{5DC7981B-624E-21F9-D963-7609495B91AA}"/>
+              </a:ext>
+            </a:extLst>
+          </p:cNvPr>
           <p:cNvPicPr>
-            <a:picLocks noGrp="1" noChangeAspect="1"/>
+            <a:picLocks noChangeAspect="1"/>
           </p:cNvPicPr>
-          <p:nvPr>
-            <p:ph idx="1"/>
-          </p:nvPr>
+          <p:nvPr/>
         </p:nvPicPr>
         <p:blipFill>
-          <a:blip r:embed="rId2">
-            <a:extLst>
-              <a:ext uri="{28A0092B-C50C-407E-A947-70E740481C1C}">
-                <a14:useLocalDpi xmlns:a14="http://schemas.microsoft.com/office/drawing/2010/main" val="0"/>
-              </a:ext>
-            </a:extLst>
-          </a:blip>
+          <a:blip r:embed="rId2"/>
           <a:stretch>
             <a:fillRect/>
           </a:stretch>
         </p:blipFill>
         <p:spPr>
           <a:xfrm>
-            <a:off x="4347964" y="1690688"/>
-            <a:ext cx="5439172" cy="4351338"/>
+            <a:off x="1036651" y="1720884"/>
+            <a:ext cx="2420322" cy="310923"/>
           </a:xfrm>
+          <a:prstGeom prst="rect">
+            <a:avLst/>
+          </a:prstGeom>
+        </p:spPr>
+      </p:pic>
+      <p:pic>
+        <p:nvPicPr>
+          <p:cNvPr id="8" name="內容版面配置區 7">
+            <a:extLst>
+              <a:ext uri="{FF2B5EF4-FFF2-40B4-BE49-F238E27FC236}">
+                <a16:creationId xmlns:a16="http://schemas.microsoft.com/office/drawing/2014/main" id="{AC3348BC-0EB4-43E0-64EF-A2E7FAAEA8CD}"/>
+              </a:ext>
+            </a:extLst>
+          </p:cNvPr>
+          <p:cNvPicPr>
+            <a:picLocks noGrp="1" noChangeAspect="1"/>
+          </p:cNvPicPr>
+          <p:nvPr>
+            <p:ph idx="1"/>
+          </p:nvPr>
+        </p:nvPicPr>
+        <p:blipFill>
+          <a:blip r:embed="rId3"/>
+          <a:stretch>
+            <a:fillRect/>
+          </a:stretch>
+        </p:blipFill>
+        <p:spPr>
+          <a:xfrm>
+            <a:off x="3429000" y="2062003"/>
+            <a:ext cx="5334000" cy="4000500"/>
+          </a:xfrm>
+          <a:prstGeom prst="rect">
+            <a:avLst/>
+          </a:prstGeom>
         </p:spPr>
       </p:pic>
     </p:spTree>
     <p:extLst>
       <p:ext uri="{BB962C8B-B14F-4D97-AF65-F5344CB8AC3E}">
-        <p14:creationId xmlns:p14="http://schemas.microsoft.com/office/powerpoint/2010/main" val="2216336941"/>
+        <p14:creationId xmlns:p14="http://schemas.microsoft.com/office/powerpoint/2010/main" val="1828399986"/>
       </p:ext>
     </p:extLst>
   </p:cSld>
@@ -7787,7 +6121,7 @@
           <p:cNvPr id="2" name="標題 1">
             <a:extLst>
               <a:ext uri="{FF2B5EF4-FFF2-40B4-BE49-F238E27FC236}">
-                <a16:creationId xmlns:a16="http://schemas.microsoft.com/office/drawing/2014/main" id="{C54965D5-F0BF-C040-5B10-D2AEE3E237FB}"/>
+                <a16:creationId xmlns:a16="http://schemas.microsoft.com/office/drawing/2014/main" id="{E8FE6527-9AD3-1965-8ACF-D51DFB28CF3B}"/>
               </a:ext>
             </a:extLst>
           </p:cNvPr>
@@ -7798,551 +6132,145 @@
             <p:ph type="title"/>
           </p:nvPr>
         </p:nvSpPr>
+        <p:spPr/>
+        <p:txBody>
+          <a:bodyPr/>
+          <a:lstStyle/>
+          <a:p>
+            <a:r>
+              <a:rPr lang="zh-TW" altLang="en-US" dirty="0">
+                <a:latin typeface="標楷體" panose="03000509000000000000" pitchFamily="65" charset="-120"/>
+                <a:ea typeface="標楷體" panose="03000509000000000000" pitchFamily="65" charset="-120"/>
+              </a:rPr>
+              <a:t>模擬</a:t>
+            </a:r>
+            <a:r>
+              <a:rPr lang="en-US" altLang="zh-TW" dirty="0">
+                <a:latin typeface="標楷體" panose="03000509000000000000" pitchFamily="65" charset="-120"/>
+                <a:ea typeface="標楷體" panose="03000509000000000000" pitchFamily="65" charset="-120"/>
+              </a:rPr>
+              <a:t>9-1</a:t>
+            </a:r>
+            <a:endParaRPr lang="zh-TW" altLang="en-US" dirty="0"/>
+          </a:p>
+        </p:txBody>
+      </p:sp>
+      <p:pic>
+        <p:nvPicPr>
+          <p:cNvPr id="10" name="內容版面配置區 9">
+            <a:extLst>
+              <a:ext uri="{FF2B5EF4-FFF2-40B4-BE49-F238E27FC236}">
+                <a16:creationId xmlns:a16="http://schemas.microsoft.com/office/drawing/2014/main" id="{F9C7E59A-D81D-A2B1-CA8C-49D48840EA78}"/>
+              </a:ext>
+            </a:extLst>
+          </p:cNvPr>
+          <p:cNvPicPr>
+            <a:picLocks noGrp="1" noChangeAspect="1"/>
+          </p:cNvPicPr>
+          <p:nvPr>
+            <p:ph idx="1"/>
+          </p:nvPr>
+        </p:nvPicPr>
+        <p:blipFill>
+          <a:blip r:embed="rId2"/>
+          <a:stretch>
+            <a:fillRect/>
+          </a:stretch>
+        </p:blipFill>
         <p:spPr>
           <a:xfrm>
-            <a:off x="927100" y="412227"/>
-            <a:ext cx="10515600" cy="1325563"/>
+            <a:off x="581709" y="2548791"/>
+            <a:ext cx="3595791" cy="3180216"/>
           </a:xfrm>
+          <a:prstGeom prst="rect">
+            <a:avLst/>
+          </a:prstGeom>
         </p:spPr>
-        <p:txBody>
-          <a:bodyPr/>
-          <a:lstStyle/>
-          <a:p>
-            <a:r>
-              <a:rPr lang="en-US" altLang="zh-TW" dirty="0"/>
-              <a:t>3.</a:t>
-            </a:r>
-            <a:endParaRPr lang="zh-TW" altLang="en-US" dirty="0"/>
-          </a:p>
-        </p:txBody>
-      </p:sp>
-      <mc:AlternateContent xmlns:mc="http://schemas.openxmlformats.org/markup-compatibility/2006" xmlns:a14="http://schemas.microsoft.com/office/drawing/2010/main">
-        <mc:Choice Requires="a14">
-          <p:sp>
-            <p:nvSpPr>
-              <p:cNvPr id="3" name="內容版面配置區 2">
-                <a:extLst>
-                  <a:ext uri="{FF2B5EF4-FFF2-40B4-BE49-F238E27FC236}">
-                    <a16:creationId xmlns:a16="http://schemas.microsoft.com/office/drawing/2014/main" id="{26FAD726-BFA8-51E0-7763-88154901ABFB}"/>
-                  </a:ext>
-                </a:extLst>
-              </p:cNvPr>
-              <p:cNvSpPr>
-                <a:spLocks noGrp="1"/>
-              </p:cNvSpPr>
-              <p:nvPr>
-                <p:ph idx="1"/>
-              </p:nvPr>
-            </p:nvSpPr>
-            <p:spPr>
-              <a:xfrm>
-                <a:off x="838200" y="1530350"/>
-                <a:ext cx="6019800" cy="4646613"/>
-              </a:xfrm>
-            </p:spPr>
-            <p:txBody>
-              <a:bodyPr>
-                <a:normAutofit fontScale="85000" lnSpcReduction="10000"/>
-              </a:bodyPr>
-              <a:lstStyle/>
-              <a:p>
-                <a:pPr marL="0" indent="0">
-                  <a:buNone/>
-                </a:pPr>
-                <a:r>
-                  <a:rPr lang="en-US" altLang="zh-TW" b="0" i="0" u="none" strike="noStrike" dirty="0" smtClean="0">
-                    <a:solidFill>
-                      <a:srgbClr val="000000"/>
-                    </a:solidFill>
-                    <a:effectLst/>
-                    <a:latin typeface="Times New Roman" panose="02020603050405020304" pitchFamily="18" charset="0"/>
-                  </a:rPr>
-                  <a:t>Ans:</a:t>
-                </a:r>
-                <a:r>
-                  <a:rPr lang="zh-TW" altLang="en-US" b="0" i="0" u="none" strike="noStrike" dirty="0" smtClean="0">
-                    <a:solidFill>
-                      <a:srgbClr val="000000"/>
-                    </a:solidFill>
-                    <a:effectLst/>
-                    <a:latin typeface="Times New Roman" panose="02020603050405020304" pitchFamily="18" charset="0"/>
-                  </a:rPr>
-                  <a:t>除了</a:t>
-                </a:r>
-                <a:r>
-                  <a:rPr lang="en-US" altLang="zh-TW" b="0" i="0" u="none" strike="noStrike" dirty="0" smtClean="0">
-                    <a:solidFill>
-                      <a:srgbClr val="000000"/>
-                    </a:solidFill>
-                    <a:effectLst/>
-                    <a:latin typeface="Times New Roman" panose="02020603050405020304" pitchFamily="18" charset="0"/>
-                  </a:rPr>
-                  <a:t>Gain</a:t>
-                </a:r>
-                <a:r>
-                  <a:rPr lang="zh-TW" altLang="en-US" b="0" i="0" u="none" strike="noStrike" dirty="0" smtClean="0">
-                    <a:solidFill>
-                      <a:srgbClr val="000000"/>
-                    </a:solidFill>
-                    <a:effectLst/>
-                    <a:latin typeface="Times New Roman" panose="02020603050405020304" pitchFamily="18" charset="0"/>
-                  </a:rPr>
-                  <a:t>下降的起始點不同之外，</a:t>
-                </a:r>
-                <a:endParaRPr lang="en-US" altLang="zh-TW" b="0" i="0" u="none" strike="noStrike" dirty="0" smtClean="0">
-                  <a:solidFill>
-                    <a:srgbClr val="000000"/>
-                  </a:solidFill>
-                  <a:effectLst/>
-                  <a:latin typeface="Times New Roman" panose="02020603050405020304" pitchFamily="18" charset="0"/>
-                </a:endParaRPr>
-              </a:p>
-              <a:p>
-                <a:pPr marL="0" indent="0">
-                  <a:buNone/>
-                </a:pPr>
-                <a:r>
-                  <a:rPr lang="zh-TW" altLang="en-US" dirty="0">
-                    <a:solidFill>
-                      <a:srgbClr val="000000"/>
-                    </a:solidFill>
-                    <a:latin typeface="Times New Roman" panose="02020603050405020304" pitchFamily="18" charset="0"/>
-                  </a:rPr>
-                  <a:t>因為</a:t>
-                </a:r>
-                <a:r>
-                  <a:rPr lang="zh-TW" altLang="en-US" dirty="0" smtClean="0">
-                    <a:solidFill>
-                      <a:srgbClr val="000000"/>
-                    </a:solidFill>
-                    <a:latin typeface="Times New Roman" panose="02020603050405020304" pitchFamily="18" charset="0"/>
-                  </a:rPr>
-                  <a:t>是 </a:t>
-                </a:r>
-                <a14:m>
-                  <m:oMath xmlns:m="http://schemas.openxmlformats.org/officeDocument/2006/math">
-                    <m:f>
-                      <m:fPr>
-                        <m:ctrlPr>
-                          <a:rPr lang="en-US" altLang="zh-TW" b="0" i="1" smtClean="0">
-                            <a:solidFill>
-                              <a:srgbClr val="000000"/>
-                            </a:solidFill>
-                            <a:latin typeface="Cambria Math" panose="02040503050406030204" pitchFamily="18" charset="0"/>
-                          </a:rPr>
-                        </m:ctrlPr>
-                      </m:fPr>
-                      <m:num>
-                        <m:f>
-                          <m:fPr>
-                            <m:ctrlPr>
-                              <a:rPr lang="en-US" altLang="zh-TW" b="0" i="1" smtClean="0">
-                                <a:solidFill>
-                                  <a:srgbClr val="000000"/>
-                                </a:solidFill>
-                                <a:latin typeface="Cambria Math" panose="02040503050406030204" pitchFamily="18" charset="0"/>
-                              </a:rPr>
-                            </m:ctrlPr>
-                          </m:fPr>
-                          <m:num>
-                            <m:sSub>
-                              <m:sSubPr>
-                                <m:ctrlPr>
-                                  <a:rPr lang="en-US" altLang="zh-TW" b="0" i="1" smtClean="0">
-                                    <a:solidFill>
-                                      <a:srgbClr val="000000"/>
-                                    </a:solidFill>
-                                    <a:latin typeface="Cambria Math" panose="02040503050406030204" pitchFamily="18" charset="0"/>
-                                  </a:rPr>
-                                </m:ctrlPr>
-                              </m:sSubPr>
-                              <m:e>
-                                <m:r>
-                                  <a:rPr lang="en-US" altLang="zh-TW" b="0" i="1" smtClean="0">
-                                    <a:solidFill>
-                                      <a:srgbClr val="000000"/>
-                                    </a:solidFill>
-                                    <a:latin typeface="Cambria Math" panose="02040503050406030204" pitchFamily="18" charset="0"/>
-                                  </a:rPr>
-                                  <m:t>𝐾</m:t>
-                                </m:r>
-                              </m:e>
-                              <m:sub>
-                                <m:r>
-                                  <a:rPr lang="en-US" altLang="zh-TW" b="0" i="1" smtClean="0">
-                                    <a:solidFill>
-                                      <a:srgbClr val="000000"/>
-                                    </a:solidFill>
-                                    <a:latin typeface="Cambria Math" panose="02040503050406030204" pitchFamily="18" charset="0"/>
-                                  </a:rPr>
-                                  <m:t>𝐴</m:t>
-                                </m:r>
-                              </m:sub>
-                            </m:sSub>
-                            <m:sSub>
-                              <m:sSubPr>
-                                <m:ctrlPr>
-                                  <a:rPr lang="en-US" altLang="zh-TW" b="0" i="1" smtClean="0">
-                                    <a:solidFill>
-                                      <a:srgbClr val="000000"/>
-                                    </a:solidFill>
-                                    <a:latin typeface="Cambria Math" panose="02040503050406030204" pitchFamily="18" charset="0"/>
-                                  </a:rPr>
-                                </m:ctrlPr>
-                              </m:sSubPr>
-                              <m:e>
-                                <m:r>
-                                  <a:rPr lang="en-US" altLang="zh-TW" b="0" i="1" smtClean="0">
-                                    <a:solidFill>
-                                      <a:srgbClr val="000000"/>
-                                    </a:solidFill>
-                                    <a:latin typeface="Cambria Math" panose="02040503050406030204" pitchFamily="18" charset="0"/>
-                                  </a:rPr>
-                                  <m:t>𝑃</m:t>
-                                </m:r>
-                              </m:e>
-                              <m:sub>
-                                <m:r>
-                                  <a:rPr lang="en-US" altLang="zh-TW" b="0" i="1" smtClean="0">
-                                    <a:solidFill>
-                                      <a:srgbClr val="000000"/>
-                                    </a:solidFill>
-                                    <a:latin typeface="Cambria Math" panose="02040503050406030204" pitchFamily="18" charset="0"/>
-                                  </a:rPr>
-                                  <m:t>5</m:t>
-                                </m:r>
-                              </m:sub>
-                            </m:sSub>
-                          </m:num>
-                          <m:den>
-                            <m:r>
-                              <a:rPr lang="en-US" altLang="zh-TW" b="0" i="1" smtClean="0">
-                                <a:solidFill>
-                                  <a:srgbClr val="000000"/>
-                                </a:solidFill>
-                                <a:latin typeface="Cambria Math" panose="02040503050406030204" pitchFamily="18" charset="0"/>
-                              </a:rPr>
-                              <m:t>0.8</m:t>
-                            </m:r>
-                          </m:den>
-                        </m:f>
-                      </m:num>
-                      <m:den>
-                        <m:r>
-                          <a:rPr lang="en-US" altLang="zh-TW" b="0" i="1" smtClean="0">
-                            <a:solidFill>
-                              <a:srgbClr val="000000"/>
-                            </a:solidFill>
-                            <a:latin typeface="Cambria Math" panose="02040503050406030204" pitchFamily="18" charset="0"/>
-                          </a:rPr>
-                          <m:t>𝑠</m:t>
-                        </m:r>
-                        <m:r>
-                          <a:rPr lang="en-US" altLang="zh-TW" b="0" i="1" smtClean="0">
-                            <a:solidFill>
-                              <a:srgbClr val="000000"/>
-                            </a:solidFill>
-                            <a:latin typeface="Cambria Math" panose="02040503050406030204" pitchFamily="18" charset="0"/>
-                          </a:rPr>
-                          <m:t>+</m:t>
-                        </m:r>
-                        <m:f>
-                          <m:fPr>
-                            <m:ctrlPr>
-                              <a:rPr lang="en-US" altLang="zh-TW" b="0" i="1" smtClean="0">
-                                <a:solidFill>
-                                  <a:srgbClr val="000000"/>
-                                </a:solidFill>
-                                <a:latin typeface="Cambria Math" panose="02040503050406030204" pitchFamily="18" charset="0"/>
-                              </a:rPr>
-                            </m:ctrlPr>
-                          </m:fPr>
-                          <m:num>
-                            <m:sSub>
-                              <m:sSubPr>
-                                <m:ctrlPr>
-                                  <a:rPr lang="en-US" altLang="zh-TW" b="0" i="1" smtClean="0">
-                                    <a:solidFill>
-                                      <a:srgbClr val="000000"/>
-                                    </a:solidFill>
-                                    <a:latin typeface="Cambria Math" panose="02040503050406030204" pitchFamily="18" charset="0"/>
-                                  </a:rPr>
-                                </m:ctrlPr>
-                              </m:sSubPr>
-                              <m:e>
-                                <m:r>
-                                  <a:rPr lang="en-US" altLang="zh-TW" b="0" i="1" smtClean="0">
-                                    <a:solidFill>
-                                      <a:srgbClr val="000000"/>
-                                    </a:solidFill>
-                                    <a:latin typeface="Cambria Math" panose="02040503050406030204" pitchFamily="18" charset="0"/>
-                                  </a:rPr>
-                                  <m:t>𝐾</m:t>
-                                </m:r>
-                              </m:e>
-                              <m:sub>
-                                <m:r>
-                                  <a:rPr lang="en-US" altLang="zh-TW" b="0" i="1" smtClean="0">
-                                    <a:solidFill>
-                                      <a:srgbClr val="000000"/>
-                                    </a:solidFill>
-                                    <a:latin typeface="Cambria Math" panose="02040503050406030204" pitchFamily="18" charset="0"/>
-                                  </a:rPr>
-                                  <m:t>𝐴</m:t>
-                                </m:r>
-                              </m:sub>
-                            </m:sSub>
-                            <m:sSub>
-                              <m:sSubPr>
-                                <m:ctrlPr>
-                                  <a:rPr lang="en-US" altLang="zh-TW" b="0" i="1" smtClean="0">
-                                    <a:solidFill>
-                                      <a:srgbClr val="000000"/>
-                                    </a:solidFill>
-                                    <a:latin typeface="Cambria Math" panose="02040503050406030204" pitchFamily="18" charset="0"/>
-                                  </a:rPr>
-                                </m:ctrlPr>
-                              </m:sSubPr>
-                              <m:e>
-                                <m:r>
-                                  <a:rPr lang="en-US" altLang="zh-TW" b="0" i="1" smtClean="0">
-                                    <a:solidFill>
-                                      <a:srgbClr val="000000"/>
-                                    </a:solidFill>
-                                    <a:latin typeface="Cambria Math" panose="02040503050406030204" pitchFamily="18" charset="0"/>
-                                  </a:rPr>
-                                  <m:t>𝑃</m:t>
-                                </m:r>
-                              </m:e>
-                              <m:sub>
-                                <m:r>
-                                  <a:rPr lang="en-US" altLang="zh-TW" b="0" i="1" smtClean="0">
-                                    <a:solidFill>
-                                      <a:srgbClr val="000000"/>
-                                    </a:solidFill>
-                                    <a:latin typeface="Cambria Math" panose="02040503050406030204" pitchFamily="18" charset="0"/>
-                                  </a:rPr>
-                                  <m:t>5</m:t>
-                                </m:r>
-                              </m:sub>
-                            </m:sSub>
-                          </m:num>
-                          <m:den>
-                            <m:r>
-                              <a:rPr lang="en-US" altLang="zh-TW" b="0" i="1" smtClean="0">
-                                <a:solidFill>
-                                  <a:srgbClr val="000000"/>
-                                </a:solidFill>
-                                <a:latin typeface="Cambria Math" panose="02040503050406030204" pitchFamily="18" charset="0"/>
-                              </a:rPr>
-                              <m:t>0.8</m:t>
-                            </m:r>
-                          </m:den>
-                        </m:f>
-                      </m:den>
-                    </m:f>
-                    <m:r>
-                      <a:rPr lang="zh-TW" altLang="en-US" i="1">
-                        <a:solidFill>
-                          <a:srgbClr val="000000"/>
-                        </a:solidFill>
-                        <a:latin typeface="Cambria Math" panose="02040503050406030204" pitchFamily="18" charset="0"/>
-                      </a:rPr>
-                      <m:t>的關係。</m:t>
-                    </m:r>
-                  </m:oMath>
-                </a14:m>
-                <a:endParaRPr lang="en-US" altLang="zh-TW" b="0" i="0" u="none" strike="noStrike" dirty="0" smtClean="0">
-                  <a:solidFill>
-                    <a:srgbClr val="000000"/>
-                  </a:solidFill>
-                  <a:effectLst/>
-                  <a:latin typeface="Times New Roman" panose="02020603050405020304" pitchFamily="18" charset="0"/>
-                </a:endParaRPr>
-              </a:p>
-              <a:p>
-                <a:pPr marL="0" indent="0">
-                  <a:buNone/>
-                </a:pPr>
-                <a:r>
-                  <a:rPr lang="en-US" altLang="zh-TW" dirty="0" smtClean="0">
-                    <a:solidFill>
-                      <a:srgbClr val="000000"/>
-                    </a:solidFill>
-                    <a:latin typeface="Times New Roman" panose="02020603050405020304" pitchFamily="18" charset="0"/>
-                  </a:rPr>
-                  <a:t>Phase</a:t>
-                </a:r>
-                <a:r>
-                  <a:rPr lang="zh-TW" altLang="en-US" dirty="0" smtClean="0">
-                    <a:solidFill>
-                      <a:srgbClr val="000000"/>
-                    </a:solidFill>
-                    <a:latin typeface="Times New Roman" panose="02020603050405020304" pitchFamily="18" charset="0"/>
-                  </a:rPr>
-                  <a:t>那邊雖然</a:t>
-                </a:r>
-                <a:r>
-                  <a:rPr lang="en-US" altLang="zh-TW" dirty="0" smtClean="0">
-                    <a:solidFill>
-                      <a:srgbClr val="000000"/>
-                    </a:solidFill>
-                    <a:latin typeface="Times New Roman" panose="02020603050405020304" pitchFamily="18" charset="0"/>
-                  </a:rPr>
-                  <a:t>10^-1</a:t>
-                </a:r>
-                <a:r>
-                  <a:rPr lang="zh-TW" altLang="en-US" dirty="0" smtClean="0">
-                    <a:solidFill>
-                      <a:srgbClr val="000000"/>
-                    </a:solidFill>
-                    <a:latin typeface="Times New Roman" panose="02020603050405020304" pitchFamily="18" charset="0"/>
-                  </a:rPr>
-                  <a:t>以前和</a:t>
-                </a:r>
-                <a:r>
-                  <a:rPr lang="en-US" altLang="zh-TW" dirty="0" smtClean="0">
-                    <a:solidFill>
-                      <a:srgbClr val="000000"/>
-                    </a:solidFill>
-                    <a:latin typeface="Times New Roman" panose="02020603050405020304" pitchFamily="18" charset="0"/>
-                  </a:rPr>
-                  <a:t>10^3</a:t>
-                </a:r>
-                <a:r>
-                  <a:rPr lang="zh-TW" altLang="en-US" dirty="0" smtClean="0">
-                    <a:solidFill>
-                      <a:srgbClr val="000000"/>
-                    </a:solidFill>
-                    <a:latin typeface="Times New Roman" panose="02020603050405020304" pitchFamily="18" charset="0"/>
-                  </a:rPr>
-                  <a:t>之後差不多，但中間過程有差異，</a:t>
-                </a:r>
-                <a14:m>
-                  <m:oMath xmlns:m="http://schemas.openxmlformats.org/officeDocument/2006/math">
-                    <m:sSub>
-                      <m:sSubPr>
-                        <m:ctrlPr>
-                          <a:rPr lang="en-US" altLang="zh-TW" b="0" i="1" smtClean="0">
-                            <a:solidFill>
-                              <a:srgbClr val="000000"/>
-                            </a:solidFill>
-                            <a:latin typeface="Cambria Math" panose="02040503050406030204" pitchFamily="18" charset="0"/>
-                          </a:rPr>
-                        </m:ctrlPr>
-                      </m:sSubPr>
-                      <m:e>
-                        <m:r>
-                          <a:rPr lang="en-US" altLang="zh-TW" b="0" i="1" smtClean="0">
-                            <a:solidFill>
-                              <a:srgbClr val="000000"/>
-                            </a:solidFill>
-                            <a:latin typeface="Cambria Math" panose="02040503050406030204" pitchFamily="18" charset="0"/>
-                          </a:rPr>
-                          <m:t>𝑃</m:t>
-                        </m:r>
-                      </m:e>
-                      <m:sub>
-                        <m:r>
-                          <a:rPr lang="en-US" altLang="zh-TW" b="0" i="1" smtClean="0">
-                            <a:solidFill>
-                              <a:srgbClr val="000000"/>
-                            </a:solidFill>
-                            <a:latin typeface="Cambria Math" panose="02040503050406030204" pitchFamily="18" charset="0"/>
-                          </a:rPr>
-                          <m:t>5</m:t>
-                        </m:r>
-                      </m:sub>
-                    </m:sSub>
-                  </m:oMath>
-                </a14:m>
-                <a:r>
-                  <a:rPr lang="zh-TW" altLang="en-US" dirty="0" smtClean="0">
-                    <a:solidFill>
-                      <a:srgbClr val="000000"/>
-                    </a:solidFill>
-                    <a:latin typeface="Times New Roman" panose="02020603050405020304" pitchFamily="18" charset="0"/>
-                  </a:rPr>
-                  <a:t>越低越陡急。</a:t>
-                </a:r>
-                <a:endParaRPr lang="en-US" altLang="zh-TW" dirty="0" smtClean="0">
-                  <a:solidFill>
-                    <a:srgbClr val="000000"/>
-                  </a:solidFill>
-                  <a:latin typeface="Times New Roman" panose="02020603050405020304" pitchFamily="18" charset="0"/>
-                </a:endParaRPr>
-              </a:p>
-            </p:txBody>
-          </p:sp>
-        </mc:Choice>
-        <mc:Fallback xmlns="">
-          <p:sp>
-            <p:nvSpPr>
-              <p:cNvPr id="3" name="內容版面配置區 2">
-                <a:extLst>
-                  <a:ext uri="{FF2B5EF4-FFF2-40B4-BE49-F238E27FC236}">
-                    <a16:creationId xmlns:a16="http://schemas.microsoft.com/office/drawing/2014/main" id="{26FAD726-BFA8-51E0-7763-88154901ABFB}"/>
-                  </a:ext>
-                </a:extLst>
-              </p:cNvPr>
-              <p:cNvSpPr>
-                <a:spLocks noGrp="1" noRot="1" noChangeAspect="1" noMove="1" noResize="1" noEditPoints="1" noAdjustHandles="1" noChangeArrowheads="1" noChangeShapeType="1" noTextEdit="1"/>
-              </p:cNvSpPr>
-              <p:nvPr>
-                <p:ph idx="1"/>
-              </p:nvPr>
-            </p:nvSpPr>
-            <p:spPr>
-              <a:xfrm>
-                <a:off x="838200" y="1530350"/>
-                <a:ext cx="6019800" cy="4646613"/>
-              </a:xfrm>
-              <a:blipFill>
-                <a:blip r:embed="rId2"/>
-                <a:stretch>
-                  <a:fillRect l="-1621" t="-2625" r="-3850"/>
-                </a:stretch>
-              </a:blipFill>
-            </p:spPr>
-            <p:txBody>
-              <a:bodyPr/>
-              <a:lstStyle/>
-              <a:p>
-                <a:r>
-                  <a:rPr lang="zh-TW" altLang="en-US">
-                    <a:noFill/>
-                  </a:rPr>
-                  <a:t> </a:t>
-                </a:r>
-              </a:p>
-            </p:txBody>
-          </p:sp>
-        </mc:Fallback>
-      </mc:AlternateContent>
+      </p:pic>
       <p:pic>
         <p:nvPicPr>
-          <p:cNvPr id="4" name="圖片 3"/>
+          <p:cNvPr id="9" name="圖片 8">
+            <a:extLst>
+              <a:ext uri="{FF2B5EF4-FFF2-40B4-BE49-F238E27FC236}">
+                <a16:creationId xmlns:a16="http://schemas.microsoft.com/office/drawing/2014/main" id="{70755F79-CEC7-FF7D-251C-BE6075D9DECB}"/>
+              </a:ext>
+            </a:extLst>
+          </p:cNvPr>
           <p:cNvPicPr>
             <a:picLocks noChangeAspect="1"/>
           </p:cNvPicPr>
           <p:nvPr/>
         </p:nvPicPr>
         <p:blipFill>
-          <a:blip r:embed="rId3">
-            <a:extLst>
-              <a:ext uri="{28A0092B-C50C-407E-A947-70E740481C1C}">
-                <a14:useLocalDpi xmlns:a14="http://schemas.microsoft.com/office/drawing/2010/main" val="0"/>
-              </a:ext>
-            </a:extLst>
-          </a:blip>
+          <a:blip r:embed="rId3"/>
           <a:stretch>
             <a:fillRect/>
           </a:stretch>
         </p:blipFill>
         <p:spPr>
           <a:xfrm>
-            <a:off x="6807533" y="2001294"/>
-            <a:ext cx="5333333" cy="4000000"/>
+            <a:off x="838200" y="1849573"/>
+            <a:ext cx="2422747" cy="309023"/>
+          </a:xfrm>
+          <a:prstGeom prst="rect">
+            <a:avLst/>
+          </a:prstGeom>
+        </p:spPr>
+      </p:pic>
+      <p:pic>
+        <p:nvPicPr>
+          <p:cNvPr id="11" name="圖片 10">
+            <a:extLst>
+              <a:ext uri="{FF2B5EF4-FFF2-40B4-BE49-F238E27FC236}">
+                <a16:creationId xmlns:a16="http://schemas.microsoft.com/office/drawing/2014/main" id="{739F0357-FCE3-4092-EE94-B13C2A1A790B}"/>
+              </a:ext>
+            </a:extLst>
+          </p:cNvPr>
+          <p:cNvPicPr>
+            <a:picLocks noChangeAspect="1"/>
+          </p:cNvPicPr>
+          <p:nvPr/>
+        </p:nvPicPr>
+        <p:blipFill>
+          <a:blip r:embed="rId4"/>
+          <a:stretch>
+            <a:fillRect/>
+          </a:stretch>
+        </p:blipFill>
+        <p:spPr>
+          <a:xfrm>
+            <a:off x="4378330" y="2539745"/>
+            <a:ext cx="3463007" cy="3189262"/>
+          </a:xfrm>
+          <a:prstGeom prst="rect">
+            <a:avLst/>
+          </a:prstGeom>
+        </p:spPr>
+      </p:pic>
+      <p:pic>
+        <p:nvPicPr>
+          <p:cNvPr id="12" name="圖片 11">
+            <a:extLst>
+              <a:ext uri="{FF2B5EF4-FFF2-40B4-BE49-F238E27FC236}">
+                <a16:creationId xmlns:a16="http://schemas.microsoft.com/office/drawing/2014/main" id="{AFB3F934-94C1-FD5C-D2F1-794FAA0CC959}"/>
+              </a:ext>
+            </a:extLst>
+          </p:cNvPr>
+          <p:cNvPicPr>
+            <a:picLocks noChangeAspect="1"/>
+          </p:cNvPicPr>
+          <p:nvPr/>
+        </p:nvPicPr>
+        <p:blipFill>
+          <a:blip r:embed="rId5"/>
+          <a:stretch>
+            <a:fillRect/>
+          </a:stretch>
+        </p:blipFill>
+        <p:spPr>
+          <a:xfrm>
+            <a:off x="8380651" y="2539745"/>
+            <a:ext cx="3463007" cy="3189262"/>
           </a:xfrm>
           <a:prstGeom prst="rect">
             <a:avLst/>
@@ -8352,7 +6280,7 @@
     </p:spTree>
     <p:extLst>
       <p:ext uri="{BB962C8B-B14F-4D97-AF65-F5344CB8AC3E}">
-        <p14:creationId xmlns:p14="http://schemas.microsoft.com/office/powerpoint/2010/main" val="3685792603"/>
+        <p14:creationId xmlns:p14="http://schemas.microsoft.com/office/powerpoint/2010/main" val="1405885653"/>
       </p:ext>
     </p:extLst>
   </p:cSld>
@@ -8384,7 +6312,7 @@
           <p:cNvPr id="2" name="標題 1">
             <a:extLst>
               <a:ext uri="{FF2B5EF4-FFF2-40B4-BE49-F238E27FC236}">
-                <a16:creationId xmlns:a16="http://schemas.microsoft.com/office/drawing/2014/main" id="{5C7E0000-7709-CA38-99FA-0BA1C735E90C}"/>
+                <a16:creationId xmlns:a16="http://schemas.microsoft.com/office/drawing/2014/main" id="{AA515031-E312-D895-4AD7-961F32D45D57}"/>
               </a:ext>
             </a:extLst>
           </p:cNvPr>
@@ -8395,83 +6323,283 @@
             <p:ph type="title"/>
           </p:nvPr>
         </p:nvSpPr>
+        <p:spPr/>
+        <p:txBody>
+          <a:bodyPr/>
+          <a:lstStyle/>
+          <a:p>
+            <a:r>
+              <a:rPr lang="zh-TW" altLang="en-US" dirty="0">
+                <a:latin typeface="標楷體" panose="03000509000000000000" pitchFamily="65" charset="-120"/>
+                <a:ea typeface="標楷體" panose="03000509000000000000" pitchFamily="65" charset="-120"/>
+              </a:rPr>
+              <a:t>實驗</a:t>
+            </a:r>
+            <a:r>
+              <a:rPr lang="en-US" altLang="zh-TW" dirty="0">
+                <a:latin typeface="標楷體" panose="03000509000000000000" pitchFamily="65" charset="-120"/>
+                <a:ea typeface="標楷體" panose="03000509000000000000" pitchFamily="65" charset="-120"/>
+              </a:rPr>
+              <a:t>9-1</a:t>
+            </a:r>
+            <a:endParaRPr lang="zh-TW" altLang="en-US" dirty="0"/>
+          </a:p>
+        </p:txBody>
+      </p:sp>
+      <p:pic>
+        <p:nvPicPr>
+          <p:cNvPr id="4" name="內容版面配置區 3">
+            <a:extLst>
+              <a:ext uri="{FF2B5EF4-FFF2-40B4-BE49-F238E27FC236}">
+                <a16:creationId xmlns:a16="http://schemas.microsoft.com/office/drawing/2014/main" id="{00DD16AF-6C22-54B5-DFBF-9079687392AD}"/>
+              </a:ext>
+            </a:extLst>
+          </p:cNvPr>
+          <p:cNvPicPr>
+            <a:picLocks noGrp="1" noChangeAspect="1"/>
+          </p:cNvPicPr>
+          <p:nvPr>
+            <p:ph idx="1"/>
+          </p:nvPr>
+        </p:nvPicPr>
+        <p:blipFill>
+          <a:blip r:embed="rId2"/>
+          <a:stretch>
+            <a:fillRect/>
+          </a:stretch>
+        </p:blipFill>
         <p:spPr>
           <a:xfrm>
-            <a:off x="838200" y="385445"/>
-            <a:ext cx="10515600" cy="1325563"/>
+            <a:off x="3428769" y="1998584"/>
+            <a:ext cx="5334462" cy="4005419"/>
           </a:xfrm>
+          <a:prstGeom prst="rect">
+            <a:avLst/>
+          </a:prstGeom>
         </p:spPr>
-        <p:txBody>
-          <a:bodyPr/>
-          <a:lstStyle/>
-          <a:p>
-            <a:r>
-              <a:rPr lang="en-US" altLang="zh-TW" dirty="0"/>
-              <a:t>4.</a:t>
-            </a:r>
-            <a:endParaRPr lang="zh-TW" altLang="en-US" dirty="0"/>
-          </a:p>
-        </p:txBody>
-      </p:sp>
-      <p:sp>
-        <p:nvSpPr>
-          <p:cNvPr id="3" name="內容版面配置區 2">
-            <a:extLst>
-              <a:ext uri="{FF2B5EF4-FFF2-40B4-BE49-F238E27FC236}">
-                <a16:creationId xmlns:a16="http://schemas.microsoft.com/office/drawing/2014/main" id="{9D21D255-F322-5810-35BC-B6B1B3B0C894}"/>
-              </a:ext>
-            </a:extLst>
-          </p:cNvPr>
-          <p:cNvSpPr>
-            <a:spLocks noGrp="1"/>
-          </p:cNvSpPr>
-          <p:nvPr>
-            <p:ph idx="1"/>
-          </p:nvPr>
-        </p:nvSpPr>
+      </p:pic>
+      <p:pic>
+        <p:nvPicPr>
+          <p:cNvPr id="5" name="內容版面配置區 4">
+            <a:extLst>
+              <a:ext uri="{FF2B5EF4-FFF2-40B4-BE49-F238E27FC236}">
+                <a16:creationId xmlns:a16="http://schemas.microsoft.com/office/drawing/2014/main" id="{5034FA5A-DCC5-2DAE-F76B-8AA3CBCD9DA0}"/>
+              </a:ext>
+            </a:extLst>
+          </p:cNvPr>
+          <p:cNvPicPr>
+            <a:picLocks noChangeAspect="1"/>
+          </p:cNvPicPr>
+          <p:nvPr/>
+        </p:nvPicPr>
+        <p:blipFill>
+          <a:blip r:embed="rId3"/>
+          <a:stretch>
+            <a:fillRect/>
+          </a:stretch>
+        </p:blipFill>
         <p:spPr>
           <a:xfrm>
-            <a:off x="838200" y="2587625"/>
-            <a:ext cx="10515600" cy="1405255"/>
+            <a:off x="951412" y="1724153"/>
+            <a:ext cx="1980101" cy="240965"/>
           </a:xfrm>
+          <a:prstGeom prst="rect">
+            <a:avLst/>
+          </a:prstGeom>
         </p:spPr>
-        <p:txBody>
-          <a:bodyPr>
-            <a:normAutofit/>
-          </a:bodyPr>
-          <a:lstStyle/>
-          <a:p>
-            <a:pPr marL="0" indent="0">
-              <a:buNone/>
-            </a:pPr>
-            <a:r>
-              <a:rPr lang="en-US" altLang="zh-TW" b="0" i="0" u="none" strike="noStrike" dirty="0">
-                <a:solidFill>
-                  <a:srgbClr val="000000"/>
-                </a:solidFill>
-                <a:effectLst/>
-                <a:latin typeface="Times New Roman" panose="02020603050405020304" pitchFamily="18" charset="0"/>
-              </a:rPr>
-              <a:t>Ans:</a:t>
-            </a:r>
-            <a:r>
-              <a:rPr lang="zh-TW" altLang="en-US" b="0" i="0" u="none" strike="noStrike" dirty="0">
-                <a:solidFill>
-                  <a:srgbClr val="000000"/>
-                </a:solidFill>
-                <a:effectLst/>
-                <a:latin typeface="Times New Roman" panose="02020603050405020304" pitchFamily="18" charset="0"/>
-              </a:rPr>
-              <a:t>幾個週期後所量到的較準，系統會慢慢穩定</a:t>
-            </a:r>
-            <a:endParaRPr lang="zh-TW" altLang="en-US" dirty="0"/>
-          </a:p>
-        </p:txBody>
-      </p:sp>
+      </p:pic>
     </p:spTree>
     <p:extLst>
       <p:ext uri="{BB962C8B-B14F-4D97-AF65-F5344CB8AC3E}">
-        <p14:creationId xmlns:p14="http://schemas.microsoft.com/office/powerpoint/2010/main" val="1414550412"/>
+        <p14:creationId xmlns:p14="http://schemas.microsoft.com/office/powerpoint/2010/main" val="4075387711"/>
+      </p:ext>
+    </p:extLst>
+  </p:cSld>
+  <p:clrMapOvr>
+    <a:masterClrMapping/>
+  </p:clrMapOvr>
+</p:sld>
+</file>
+
+<file path=ppt/slides/slide9.xml><?xml version="1.0" encoding="utf-8"?>
+<p:sld xmlns:a="http://schemas.openxmlformats.org/drawingml/2006/main" xmlns:r="http://schemas.openxmlformats.org/officeDocument/2006/relationships" xmlns:p="http://schemas.openxmlformats.org/presentationml/2006/main">
+  <p:cSld>
+    <p:spTree>
+      <p:nvGrpSpPr>
+        <p:cNvPr id="1" name=""/>
+        <p:cNvGrpSpPr/>
+        <p:nvPr/>
+      </p:nvGrpSpPr>
+      <p:grpSpPr>
+        <a:xfrm>
+          <a:off x="0" y="0"/>
+          <a:ext cx="0" cy="0"/>
+          <a:chOff x="0" y="0"/>
+          <a:chExt cx="0" cy="0"/>
+        </a:xfrm>
+      </p:grpSpPr>
+      <p:sp>
+        <p:nvSpPr>
+          <p:cNvPr id="2" name="標題 1">
+            <a:extLst>
+              <a:ext uri="{FF2B5EF4-FFF2-40B4-BE49-F238E27FC236}">
+                <a16:creationId xmlns:a16="http://schemas.microsoft.com/office/drawing/2014/main" id="{6B632FF3-34E0-6035-5FBF-69DC87D02749}"/>
+              </a:ext>
+            </a:extLst>
+          </p:cNvPr>
+          <p:cNvSpPr>
+            <a:spLocks noGrp="1"/>
+          </p:cNvSpPr>
+          <p:nvPr>
+            <p:ph type="title"/>
+          </p:nvPr>
+        </p:nvSpPr>
+        <p:spPr/>
+        <p:txBody>
+          <a:bodyPr/>
+          <a:lstStyle/>
+          <a:p>
+            <a:r>
+              <a:rPr lang="zh-TW" altLang="en-US" dirty="0">
+                <a:latin typeface="標楷體" panose="03000509000000000000" pitchFamily="65" charset="-120"/>
+                <a:ea typeface="標楷體" panose="03000509000000000000" pitchFamily="65" charset="-120"/>
+              </a:rPr>
+              <a:t>模擬</a:t>
+            </a:r>
+            <a:r>
+              <a:rPr lang="en-US" altLang="zh-TW" dirty="0">
+                <a:latin typeface="標楷體" panose="03000509000000000000" pitchFamily="65" charset="-120"/>
+                <a:ea typeface="標楷體" panose="03000509000000000000" pitchFamily="65" charset="-120"/>
+              </a:rPr>
+              <a:t>9-1</a:t>
+            </a:r>
+            <a:endParaRPr lang="zh-TW" altLang="en-US" dirty="0"/>
+          </a:p>
+        </p:txBody>
+      </p:sp>
+      <p:pic>
+        <p:nvPicPr>
+          <p:cNvPr id="5" name="內容版面配置區 4">
+            <a:extLst>
+              <a:ext uri="{FF2B5EF4-FFF2-40B4-BE49-F238E27FC236}">
+                <a16:creationId xmlns:a16="http://schemas.microsoft.com/office/drawing/2014/main" id="{C13F8CBE-27F6-FD26-46CC-C5F93393C850}"/>
+              </a:ext>
+            </a:extLst>
+          </p:cNvPr>
+          <p:cNvPicPr>
+            <a:picLocks noGrp="1" noChangeAspect="1"/>
+          </p:cNvPicPr>
+          <p:nvPr>
+            <p:ph idx="1"/>
+          </p:nvPr>
+        </p:nvPicPr>
+        <p:blipFill>
+          <a:blip r:embed="rId2"/>
+          <a:stretch>
+            <a:fillRect/>
+          </a:stretch>
+        </p:blipFill>
+        <p:spPr>
+          <a:xfrm>
+            <a:off x="838200" y="1862644"/>
+            <a:ext cx="1980101" cy="240965"/>
+          </a:xfrm>
+        </p:spPr>
+      </p:pic>
+      <p:pic>
+        <p:nvPicPr>
+          <p:cNvPr id="6" name="圖片 5">
+            <a:extLst>
+              <a:ext uri="{FF2B5EF4-FFF2-40B4-BE49-F238E27FC236}">
+                <a16:creationId xmlns:a16="http://schemas.microsoft.com/office/drawing/2014/main" id="{A087B7C3-31A0-AA3B-77E6-FD4C7B3A450B}"/>
+              </a:ext>
+            </a:extLst>
+          </p:cNvPr>
+          <p:cNvPicPr>
+            <a:picLocks noChangeAspect="1"/>
+          </p:cNvPicPr>
+          <p:nvPr/>
+        </p:nvPicPr>
+        <p:blipFill>
+          <a:blip r:embed="rId3"/>
+          <a:stretch>
+            <a:fillRect/>
+          </a:stretch>
+        </p:blipFill>
+        <p:spPr>
+          <a:xfrm>
+            <a:off x="456793" y="2412274"/>
+            <a:ext cx="3636236" cy="3348797"/>
+          </a:xfrm>
+          <a:prstGeom prst="rect">
+            <a:avLst/>
+          </a:prstGeom>
+        </p:spPr>
+      </p:pic>
+      <p:pic>
+        <p:nvPicPr>
+          <p:cNvPr id="7" name="圖片 6">
+            <a:extLst>
+              <a:ext uri="{FF2B5EF4-FFF2-40B4-BE49-F238E27FC236}">
+                <a16:creationId xmlns:a16="http://schemas.microsoft.com/office/drawing/2014/main" id="{2F205437-D1AA-40F9-0CEC-614418B5BA62}"/>
+              </a:ext>
+            </a:extLst>
+          </p:cNvPr>
+          <p:cNvPicPr>
+            <a:picLocks noChangeAspect="1"/>
+          </p:cNvPicPr>
+          <p:nvPr/>
+        </p:nvPicPr>
+        <p:blipFill>
+          <a:blip r:embed="rId4"/>
+          <a:stretch>
+            <a:fillRect/>
+          </a:stretch>
+        </p:blipFill>
+        <p:spPr>
+          <a:xfrm>
+            <a:off x="4366941" y="2412273"/>
+            <a:ext cx="3636236" cy="3348797"/>
+          </a:xfrm>
+          <a:prstGeom prst="rect">
+            <a:avLst/>
+          </a:prstGeom>
+        </p:spPr>
+      </p:pic>
+      <p:pic>
+        <p:nvPicPr>
+          <p:cNvPr id="8" name="圖片 7">
+            <a:extLst>
+              <a:ext uri="{FF2B5EF4-FFF2-40B4-BE49-F238E27FC236}">
+                <a16:creationId xmlns:a16="http://schemas.microsoft.com/office/drawing/2014/main" id="{5A202B32-00B6-D452-4898-1696DB808323}"/>
+              </a:ext>
+            </a:extLst>
+          </p:cNvPr>
+          <p:cNvPicPr>
+            <a:picLocks noChangeAspect="1"/>
+          </p:cNvPicPr>
+          <p:nvPr/>
+        </p:nvPicPr>
+        <p:blipFill>
+          <a:blip r:embed="rId5"/>
+          <a:stretch>
+            <a:fillRect/>
+          </a:stretch>
+        </p:blipFill>
+        <p:spPr>
+          <a:xfrm>
+            <a:off x="8277089" y="2412273"/>
+            <a:ext cx="3636236" cy="3348798"/>
+          </a:xfrm>
+          <a:prstGeom prst="rect">
+            <a:avLst/>
+          </a:prstGeom>
+        </p:spPr>
+      </p:pic>
+    </p:spTree>
+    <p:extLst>
+      <p:ext uri="{BB962C8B-B14F-4D97-AF65-F5344CB8AC3E}">
+        <p14:creationId xmlns:p14="http://schemas.microsoft.com/office/powerpoint/2010/main" val="1200262583"/>
       </p:ext>
     </p:extLst>
   </p:cSld>
